--- a/nicolas-boeckh@bsides-ncl-workshop.pptx
+++ b/nicolas-boeckh@bsides-ncl-workshop.pptx
@@ -5,7 +5,7 @@
     <p:sldMasterId id="2147483660" r:id="rId1"/>
   </p:sldMasterIdLst>
   <p:notesMasterIdLst>
-    <p:notesMasterId r:id="rId19"/>
+    <p:notesMasterId r:id="rId20"/>
   </p:notesMasterIdLst>
   <p:sldIdLst>
     <p:sldId id="256" r:id="rId2"/>
@@ -22,9 +22,10 @@
     <p:sldId id="323" r:id="rId13"/>
     <p:sldId id="324" r:id="rId14"/>
     <p:sldId id="325" r:id="rId15"/>
-    <p:sldId id="326" r:id="rId16"/>
-    <p:sldId id="313" r:id="rId17"/>
-    <p:sldId id="306" r:id="rId18"/>
+    <p:sldId id="327" r:id="rId16"/>
+    <p:sldId id="326" r:id="rId17"/>
+    <p:sldId id="313" r:id="rId18"/>
+    <p:sldId id="306" r:id="rId19"/>
   </p:sldIdLst>
   <p:sldSz cx="12192000" cy="6858000"/>
   <p:notesSz cx="7104063" cy="10234613"/>
@@ -146,6 +147,7 @@
         <p14:section name="Explaining XSS" id="{900B109F-7FC1-454F-B1AF-29C119540CE0}">
           <p14:sldIdLst>
             <p14:sldId id="325"/>
+            <p14:sldId id="327"/>
             <p14:sldId id="326"/>
           </p14:sldIdLst>
         </p14:section>
@@ -257,7 +259,7 @@
           <a:p>
             <a:fld id="{393A2D7C-8946-4477-B728-E965586E4053}" type="datetimeFigureOut">
               <a:rPr lang="en-CH" smtClean="0"/>
-              <a:t>09/09/2021</a:t>
+              <a:t>10/09/2021</a:t>
             </a:fld>
             <a:endParaRPr lang="en-CH"/>
           </a:p>
@@ -887,7 +889,7 @@
           <a:p>
             <a:fld id="{59241644-66C6-4D91-96DF-61FD632CADD7}" type="slidenum">
               <a:rPr lang="en-CH" smtClean="0"/>
-              <a:t>16</a:t>
+              <a:t>17</a:t>
             </a:fld>
             <a:endParaRPr lang="en-CH"/>
           </a:p>
@@ -986,7 +988,7 @@
           <a:p>
             <a:fld id="{59241644-66C6-4D91-96DF-61FD632CADD7}" type="slidenum">
               <a:rPr lang="en-CH" smtClean="0"/>
-              <a:t>17</a:t>
+              <a:t>18</a:t>
             </a:fld>
             <a:endParaRPr lang="en-CH"/>
           </a:p>
@@ -1136,7 +1138,7 @@
           <a:p>
             <a:fld id="{D1C344D4-4086-4D2A-86A2-E238CD64373D}" type="datetimeFigureOut">
               <a:rPr lang="en-CH" smtClean="0"/>
-              <a:t>09/09/2021</a:t>
+              <a:t>10/09/2021</a:t>
             </a:fld>
             <a:endParaRPr lang="en-CH"/>
           </a:p>
@@ -1306,7 +1308,7 @@
           <a:p>
             <a:fld id="{D1C344D4-4086-4D2A-86A2-E238CD64373D}" type="datetimeFigureOut">
               <a:rPr lang="en-CH" smtClean="0"/>
-              <a:t>09/09/2021</a:t>
+              <a:t>10/09/2021</a:t>
             </a:fld>
             <a:endParaRPr lang="en-CH"/>
           </a:p>
@@ -1486,7 +1488,7 @@
           <a:p>
             <a:fld id="{D1C344D4-4086-4D2A-86A2-E238CD64373D}" type="datetimeFigureOut">
               <a:rPr lang="en-CH" smtClean="0"/>
-              <a:t>09/09/2021</a:t>
+              <a:t>10/09/2021</a:t>
             </a:fld>
             <a:endParaRPr lang="en-CH"/>
           </a:p>
@@ -1656,7 +1658,7 @@
           <a:p>
             <a:fld id="{D1C344D4-4086-4D2A-86A2-E238CD64373D}" type="datetimeFigureOut">
               <a:rPr lang="en-CH" smtClean="0"/>
-              <a:t>09/09/2021</a:t>
+              <a:t>10/09/2021</a:t>
             </a:fld>
             <a:endParaRPr lang="en-CH"/>
           </a:p>
@@ -1902,7 +1904,7 @@
           <a:p>
             <a:fld id="{D1C344D4-4086-4D2A-86A2-E238CD64373D}" type="datetimeFigureOut">
               <a:rPr lang="en-CH" smtClean="0"/>
-              <a:t>09/09/2021</a:t>
+              <a:t>10/09/2021</a:t>
             </a:fld>
             <a:endParaRPr lang="en-CH"/>
           </a:p>
@@ -2134,7 +2136,7 @@
           <a:p>
             <a:fld id="{D1C344D4-4086-4D2A-86A2-E238CD64373D}" type="datetimeFigureOut">
               <a:rPr lang="en-CH" smtClean="0"/>
-              <a:t>09/09/2021</a:t>
+              <a:t>10/09/2021</a:t>
             </a:fld>
             <a:endParaRPr lang="en-CH"/>
           </a:p>
@@ -2501,7 +2503,7 @@
           <a:p>
             <a:fld id="{D1C344D4-4086-4D2A-86A2-E238CD64373D}" type="datetimeFigureOut">
               <a:rPr lang="en-CH" smtClean="0"/>
-              <a:t>09/09/2021</a:t>
+              <a:t>10/09/2021</a:t>
             </a:fld>
             <a:endParaRPr lang="en-CH"/>
           </a:p>
@@ -2619,7 +2621,7 @@
           <a:p>
             <a:fld id="{D1C344D4-4086-4D2A-86A2-E238CD64373D}" type="datetimeFigureOut">
               <a:rPr lang="en-CH" smtClean="0"/>
-              <a:t>09/09/2021</a:t>
+              <a:t>10/09/2021</a:t>
             </a:fld>
             <a:endParaRPr lang="en-CH"/>
           </a:p>
@@ -2714,7 +2716,7 @@
           <a:p>
             <a:fld id="{D1C344D4-4086-4D2A-86A2-E238CD64373D}" type="datetimeFigureOut">
               <a:rPr lang="en-CH" smtClean="0"/>
-              <a:t>09/09/2021</a:t>
+              <a:t>10/09/2021</a:t>
             </a:fld>
             <a:endParaRPr lang="en-CH"/>
           </a:p>
@@ -2991,7 +2993,7 @@
           <a:p>
             <a:fld id="{D1C344D4-4086-4D2A-86A2-E238CD64373D}" type="datetimeFigureOut">
               <a:rPr lang="en-CH" smtClean="0"/>
-              <a:t>09/09/2021</a:t>
+              <a:t>10/09/2021</a:t>
             </a:fld>
             <a:endParaRPr lang="en-CH"/>
           </a:p>
@@ -3248,7 +3250,7 @@
           <a:p>
             <a:fld id="{D1C344D4-4086-4D2A-86A2-E238CD64373D}" type="datetimeFigureOut">
               <a:rPr lang="en-CH" smtClean="0"/>
-              <a:t>09/09/2021</a:t>
+              <a:t>10/09/2021</a:t>
             </a:fld>
             <a:endParaRPr lang="en-CH"/>
           </a:p>
@@ -3461,7 +3463,7 @@
           <a:p>
             <a:fld id="{D1C344D4-4086-4D2A-86A2-E238CD64373D}" type="datetimeFigureOut">
               <a:rPr lang="en-CH" smtClean="0"/>
-              <a:t>09/09/2021</a:t>
+              <a:t>10/09/2021</a:t>
             </a:fld>
             <a:endParaRPr lang="en-CH"/>
           </a:p>
@@ -4868,6 +4870,128 @@
           <a:p>
             <a:r>
               <a:rPr lang="en-US" dirty="0"/>
+              <a:t>Explaining Validation</a:t>
+            </a:r>
+            <a:endParaRPr lang="en-CH" dirty="0"/>
+          </a:p>
+        </p:txBody>
+      </p:sp>
+      <p:sp>
+        <p:nvSpPr>
+          <p:cNvPr id="3" name="Content Placeholder 2">
+            <a:extLst>
+              <a:ext uri="{FF2B5EF4-FFF2-40B4-BE49-F238E27FC236}">
+                <a16:creationId xmlns:a16="http://schemas.microsoft.com/office/drawing/2014/main" id="{3863C739-E7C5-4D63-990E-4D4FB3303F88}"/>
+              </a:ext>
+            </a:extLst>
+          </p:cNvPr>
+          <p:cNvSpPr>
+            <a:spLocks noGrp="1"/>
+          </p:cNvSpPr>
+          <p:nvPr>
+            <p:ph idx="1"/>
+          </p:nvPr>
+        </p:nvSpPr>
+        <p:spPr/>
+        <p:txBody>
+          <a:bodyPr anchor="ctr"/>
+          <a:lstStyle/>
+          <a:p>
+            <a:r>
+              <a:rPr lang="en-US" dirty="0"/>
+              <a:t>Making inputs respect certain rules</a:t>
+            </a:r>
+          </a:p>
+          <a:p>
+            <a:pPr lvl="1"/>
+            <a:r>
+              <a:rPr lang="en-US" dirty="0"/>
+              <a:t>Looks like an email</a:t>
+            </a:r>
+          </a:p>
+          <a:p>
+            <a:pPr lvl="1"/>
+            <a:r>
+              <a:rPr lang="en-US" dirty="0"/>
+              <a:t>Looks like a phone number (complicated)</a:t>
+            </a:r>
+          </a:p>
+          <a:p>
+            <a:pPr lvl="1"/>
+            <a:r>
+              <a:rPr lang="en-US" dirty="0"/>
+              <a:t>Is a strong enough password</a:t>
+            </a:r>
+          </a:p>
+          <a:p>
+            <a:endParaRPr lang="en-US" dirty="0"/>
+          </a:p>
+          <a:p>
+            <a:r>
+              <a:rPr lang="en-US" dirty="0"/>
+              <a:t>At some point relies on parsing </a:t>
+            </a:r>
+            <a:r>
+              <a:rPr lang="en-US"/>
+              <a:t>or regex</a:t>
+            </a:r>
+            <a:endParaRPr lang="en-US" dirty="0"/>
+          </a:p>
+        </p:txBody>
+      </p:sp>
+    </p:spTree>
+    <p:extLst>
+      <p:ext uri="{BB962C8B-B14F-4D97-AF65-F5344CB8AC3E}">
+        <p14:creationId xmlns:p14="http://schemas.microsoft.com/office/powerpoint/2010/main" val="4151611424"/>
+      </p:ext>
+    </p:extLst>
+  </p:cSld>
+  <p:clrMapOvr>
+    <a:masterClrMapping/>
+  </p:clrMapOvr>
+</p:sld>
+</file>
+
+<file path=ppt/slides/slide16.xml><?xml version="1.0" encoding="utf-8"?>
+<p:sld xmlns:a="http://schemas.openxmlformats.org/drawingml/2006/main" xmlns:r="http://schemas.openxmlformats.org/officeDocument/2006/relationships" xmlns:p="http://schemas.openxmlformats.org/presentationml/2006/main">
+  <p:cSld>
+    <p:spTree>
+      <p:nvGrpSpPr>
+        <p:cNvPr id="1" name=""/>
+        <p:cNvGrpSpPr/>
+        <p:nvPr/>
+      </p:nvGrpSpPr>
+      <p:grpSpPr>
+        <a:xfrm>
+          <a:off x="0" y="0"/>
+          <a:ext cx="0" cy="0"/>
+          <a:chOff x="0" y="0"/>
+          <a:chExt cx="0" cy="0"/>
+        </a:xfrm>
+      </p:grpSpPr>
+      <p:sp>
+        <p:nvSpPr>
+          <p:cNvPr id="2" name="Title 1">
+            <a:extLst>
+              <a:ext uri="{FF2B5EF4-FFF2-40B4-BE49-F238E27FC236}">
+                <a16:creationId xmlns:a16="http://schemas.microsoft.com/office/drawing/2014/main" id="{B119560B-5DF9-49BD-946E-404C047019B1}"/>
+              </a:ext>
+            </a:extLst>
+          </p:cNvPr>
+          <p:cNvSpPr>
+            <a:spLocks noGrp="1"/>
+          </p:cNvSpPr>
+          <p:nvPr>
+            <p:ph type="title"/>
+          </p:nvPr>
+        </p:nvSpPr>
+        <p:spPr/>
+        <p:txBody>
+          <a:bodyPr/>
+          <a:lstStyle/>
+          <a:p>
+            <a:r>
+              <a:rPr lang="en-US" dirty="0"/>
               <a:t>XSS Playground</a:t>
             </a:r>
             <a:endParaRPr lang="en-CH" dirty="0"/>
@@ -4931,7 +5055,7 @@
 </p:sld>
 </file>
 
-<file path=ppt/slides/slide16.xml><?xml version="1.0" encoding="utf-8"?>
+<file path=ppt/slides/slide17.xml><?xml version="1.0" encoding="utf-8"?>
 <p:sld xmlns:a="http://schemas.openxmlformats.org/drawingml/2006/main" xmlns:r="http://schemas.openxmlformats.org/officeDocument/2006/relationships" xmlns:p="http://schemas.openxmlformats.org/presentationml/2006/main">
   <p:cSld>
     <p:spTree>
@@ -5504,7 +5628,7 @@
 </p:sld>
 </file>
 
-<file path=ppt/slides/slide17.xml><?xml version="1.0" encoding="utf-8"?>
+<file path=ppt/slides/slide18.xml><?xml version="1.0" encoding="utf-8"?>
 <p:sld xmlns:a="http://schemas.openxmlformats.org/drawingml/2006/main" xmlns:r="http://schemas.openxmlformats.org/officeDocument/2006/relationships" xmlns:p="http://schemas.openxmlformats.org/presentationml/2006/main">
   <p:cSld>
     <p:spTree>

--- a/nicolas-boeckh@bsides-ncl-workshop.pptx
+++ b/nicolas-boeckh@bsides-ncl-workshop.pptx
@@ -5,7 +5,7 @@
     <p:sldMasterId id="2147483660" r:id="rId1"/>
   </p:sldMasterIdLst>
   <p:notesMasterIdLst>
-    <p:notesMasterId r:id="rId20"/>
+    <p:notesMasterId r:id="rId24"/>
   </p:notesMasterIdLst>
   <p:sldIdLst>
     <p:sldId id="256" r:id="rId2"/>
@@ -23,9 +23,13 @@
     <p:sldId id="324" r:id="rId14"/>
     <p:sldId id="325" r:id="rId15"/>
     <p:sldId id="327" r:id="rId16"/>
-    <p:sldId id="326" r:id="rId17"/>
-    <p:sldId id="313" r:id="rId18"/>
-    <p:sldId id="306" r:id="rId19"/>
+    <p:sldId id="330" r:id="rId17"/>
+    <p:sldId id="331" r:id="rId18"/>
+    <p:sldId id="326" r:id="rId19"/>
+    <p:sldId id="328" r:id="rId20"/>
+    <p:sldId id="329" r:id="rId21"/>
+    <p:sldId id="313" r:id="rId22"/>
+    <p:sldId id="306" r:id="rId23"/>
   </p:sldIdLst>
   <p:sldSz cx="12192000" cy="6858000"/>
   <p:notesSz cx="7104063" cy="10234613"/>
@@ -148,7 +152,11 @@
           <p14:sldIdLst>
             <p14:sldId id="325"/>
             <p14:sldId id="327"/>
+            <p14:sldId id="330"/>
+            <p14:sldId id="331"/>
             <p14:sldId id="326"/>
+            <p14:sldId id="328"/>
+            <p14:sldId id="329"/>
           </p14:sldIdLst>
         </p14:section>
         <p14:section name="End" id="{D2E0F9E5-306E-4208-A9B6-85B0241BCC80}">
@@ -859,16 +867,7 @@
           <a:bodyPr/>
           <a:lstStyle/>
           <a:p>
-            <a:pPr defTabSz="990752">
-              <a:defRPr/>
-            </a:pPr>
-            <a:r>
-              <a:rPr lang="en-US" dirty="0"/>
-              <a:t>[30s – 31:40-32:10]</a:t>
-            </a:r>
-          </a:p>
-          <a:p>
-            <a:endParaRPr lang="en-CH" dirty="0"/>
+            <a:endParaRPr lang="en-CH"/>
           </a:p>
         </p:txBody>
       </p:sp>
@@ -889,7 +888,7 @@
           <a:p>
             <a:fld id="{59241644-66C6-4D91-96DF-61FD632CADD7}" type="slidenum">
               <a:rPr lang="en-CH" smtClean="0"/>
-              <a:t>17</a:t>
+              <a:t>14</a:t>
             </a:fld>
             <a:endParaRPr lang="en-CH"/>
           </a:p>
@@ -898,7 +897,7 @@
     </p:spTree>
     <p:extLst>
       <p:ext uri="{BB962C8B-B14F-4D97-AF65-F5344CB8AC3E}">
-        <p14:creationId xmlns:p14="http://schemas.microsoft.com/office/powerpoint/2010/main" val="829109699"/>
+        <p14:creationId xmlns:p14="http://schemas.microsoft.com/office/powerpoint/2010/main" val="835678320"/>
       </p:ext>
     </p:extLst>
   </p:cSld>
@@ -957,17 +956,11 @@
             </a:pPr>
             <a:r>
               <a:rPr lang="en-US" dirty="0"/>
-              <a:t>[60s – 32:10-33:10]</a:t>
-            </a:r>
-          </a:p>
-          <a:p>
-            <a:pPr defTabSz="990752">
-              <a:defRPr/>
-            </a:pPr>
-            <a:r>
-              <a:rPr lang="en-US" dirty="0"/>
-              <a:t>+ Q&amp;A</a:t>
-            </a:r>
+              <a:t>[30s – 31:40-32:10]</a:t>
+            </a:r>
+          </a:p>
+          <a:p>
+            <a:endParaRPr lang="en-CH" dirty="0"/>
           </a:p>
         </p:txBody>
       </p:sp>
@@ -988,7 +981,106 @@
           <a:p>
             <a:fld id="{59241644-66C6-4D91-96DF-61FD632CADD7}" type="slidenum">
               <a:rPr lang="en-CH" smtClean="0"/>
-              <a:t>18</a:t>
+              <a:t>21</a:t>
+            </a:fld>
+            <a:endParaRPr lang="en-CH"/>
+          </a:p>
+        </p:txBody>
+      </p:sp>
+    </p:spTree>
+    <p:extLst>
+      <p:ext uri="{BB962C8B-B14F-4D97-AF65-F5344CB8AC3E}">
+        <p14:creationId xmlns:p14="http://schemas.microsoft.com/office/powerpoint/2010/main" val="829109699"/>
+      </p:ext>
+    </p:extLst>
+  </p:cSld>
+  <p:clrMapOvr>
+    <a:masterClrMapping/>
+  </p:clrMapOvr>
+</p:notes>
+</file>
+
+<file path=ppt/notesSlides/notesSlide6.xml><?xml version="1.0" encoding="utf-8"?>
+<p:notes xmlns:a="http://schemas.openxmlformats.org/drawingml/2006/main" xmlns:r="http://schemas.openxmlformats.org/officeDocument/2006/relationships" xmlns:p="http://schemas.openxmlformats.org/presentationml/2006/main">
+  <p:cSld>
+    <p:spTree>
+      <p:nvGrpSpPr>
+        <p:cNvPr id="1" name=""/>
+        <p:cNvGrpSpPr/>
+        <p:nvPr/>
+      </p:nvGrpSpPr>
+      <p:grpSpPr>
+        <a:xfrm>
+          <a:off x="0" y="0"/>
+          <a:ext cx="0" cy="0"/>
+          <a:chOff x="0" y="0"/>
+          <a:chExt cx="0" cy="0"/>
+        </a:xfrm>
+      </p:grpSpPr>
+      <p:sp>
+        <p:nvSpPr>
+          <p:cNvPr id="2" name="Slide Image Placeholder 1"/>
+          <p:cNvSpPr>
+            <a:spLocks noGrp="1" noRot="1" noChangeAspect="1"/>
+          </p:cNvSpPr>
+          <p:nvPr>
+            <p:ph type="sldImg"/>
+          </p:nvPr>
+        </p:nvSpPr>
+        <p:spPr/>
+      </p:sp>
+      <p:sp>
+        <p:nvSpPr>
+          <p:cNvPr id="3" name="Notes Placeholder 2"/>
+          <p:cNvSpPr>
+            <a:spLocks noGrp="1"/>
+          </p:cNvSpPr>
+          <p:nvPr>
+            <p:ph type="body" idx="1"/>
+          </p:nvPr>
+        </p:nvSpPr>
+        <p:spPr/>
+        <p:txBody>
+          <a:bodyPr/>
+          <a:lstStyle/>
+          <a:p>
+            <a:pPr defTabSz="990752">
+              <a:defRPr/>
+            </a:pPr>
+            <a:r>
+              <a:rPr lang="en-US" dirty="0"/>
+              <a:t>[60s – 32:10-33:10]</a:t>
+            </a:r>
+          </a:p>
+          <a:p>
+            <a:pPr defTabSz="990752">
+              <a:defRPr/>
+            </a:pPr>
+            <a:r>
+              <a:rPr lang="en-US" dirty="0"/>
+              <a:t>+ Q&amp;A</a:t>
+            </a:r>
+          </a:p>
+        </p:txBody>
+      </p:sp>
+      <p:sp>
+        <p:nvSpPr>
+          <p:cNvPr id="4" name="Slide Number Placeholder 3"/>
+          <p:cNvSpPr>
+            <a:spLocks noGrp="1"/>
+          </p:cNvSpPr>
+          <p:nvPr>
+            <p:ph type="sldNum" sz="quarter" idx="5"/>
+          </p:nvPr>
+        </p:nvSpPr>
+        <p:spPr/>
+        <p:txBody>
+          <a:bodyPr/>
+          <a:lstStyle/>
+          <a:p>
+            <a:fld id="{59241644-66C6-4D91-96DF-61FD632CADD7}" type="slidenum">
+              <a:rPr lang="en-CH" smtClean="0"/>
+              <a:t>22</a:t>
             </a:fld>
             <a:endParaRPr lang="en-CH"/>
           </a:p>
@@ -4059,30 +4151,21 @@
                             </p:childTnLst>
                           </p:cTn>
                         </p:par>
-                      </p:childTnLst>
-                    </p:cTn>
-                  </p:par>
-                  <p:par>
-                    <p:cTn id="8" fill="hold">
-                      <p:stCondLst>
-                        <p:cond delay="indefinite"/>
-                      </p:stCondLst>
-                      <p:childTnLst>
                         <p:par>
-                          <p:cTn id="9" fill="hold">
+                          <p:cTn id="8" fill="hold">
                             <p:stCondLst>
-                              <p:cond delay="0"/>
+                              <p:cond delay="500"/>
                             </p:stCondLst>
                             <p:childTnLst>
                               <p:par>
-                                <p:cTn id="10" presetID="10" presetClass="entr" presetSubtype="0" fill="hold" grpId="0" nodeType="clickEffect">
+                                <p:cTn id="9" presetID="10" presetClass="entr" presetSubtype="0" fill="hold" grpId="0" nodeType="afterEffect">
                                   <p:stCondLst>
                                     <p:cond delay="0"/>
                                   </p:stCondLst>
                                   <p:childTnLst>
                                     <p:set>
                                       <p:cBhvr>
-                                        <p:cTn id="11" dur="1" fill="hold">
+                                        <p:cTn id="10" dur="1" fill="hold">
                                           <p:stCondLst>
                                             <p:cond delay="0"/>
                                           </p:stCondLst>
@@ -4104,7 +4187,7 @@
                                     </p:set>
                                     <p:animEffect transition="in" filter="fade">
                                       <p:cBhvr>
-                                        <p:cTn id="12" dur="500"/>
+                                        <p:cTn id="11" dur="500"/>
                                         <p:tgtEl>
                                           <p:spTgt spid="3">
                                             <p:txEl>
@@ -4287,6 +4370,54 @@
           </a:p>
         </p:txBody>
       </p:sp>
+      <p:sp>
+        <p:nvSpPr>
+          <p:cNvPr id="4" name="TextBox 3">
+            <a:extLst>
+              <a:ext uri="{FF2B5EF4-FFF2-40B4-BE49-F238E27FC236}">
+                <a16:creationId xmlns:a16="http://schemas.microsoft.com/office/drawing/2014/main" id="{6D81E8F3-2170-49AA-A68E-584158AF9AFC}"/>
+              </a:ext>
+            </a:extLst>
+          </p:cNvPr>
+          <p:cNvSpPr txBox="1"/>
+          <p:nvPr/>
+        </p:nvSpPr>
+        <p:spPr>
+          <a:xfrm>
+            <a:off x="0" y="6396335"/>
+            <a:ext cx="2103121" cy="461665"/>
+          </a:xfrm>
+          <a:prstGeom prst="rect">
+            <a:avLst/>
+          </a:prstGeom>
+          <a:noFill/>
+        </p:spPr>
+        <p:txBody>
+          <a:bodyPr wrap="square">
+            <a:spAutoFit/>
+          </a:bodyPr>
+          <a:lstStyle/>
+          <a:p>
+            <a:r>
+              <a:rPr lang="en-US" sz="2400" dirty="0">
+                <a:solidFill>
+                  <a:schemeClr val="tx2">
+                    <a:lumMod val="75000"/>
+                  </a:schemeClr>
+                </a:solidFill>
+              </a:rPr>
+              <a:t>@AtomicNicos</a:t>
+            </a:r>
+            <a:endParaRPr lang="en-CH" sz="2400" dirty="0">
+              <a:solidFill>
+                <a:schemeClr val="tx2">
+                  <a:lumMod val="75000"/>
+                </a:schemeClr>
+              </a:solidFill>
+            </a:endParaRPr>
+          </a:p>
+        </p:txBody>
+      </p:sp>
     </p:spTree>
     <p:extLst>
       <p:ext uri="{BB962C8B-B14F-4D97-AF65-F5344CB8AC3E}">
@@ -4297,6 +4428,494 @@
   <p:clrMapOvr>
     <a:masterClrMapping/>
   </p:clrMapOvr>
+  <p:timing>
+    <p:tnLst>
+      <p:par>
+        <p:cTn id="1" dur="indefinite" restart="never" nodeType="tmRoot">
+          <p:childTnLst>
+            <p:seq concurrent="1" nextAc="seek">
+              <p:cTn id="2" dur="indefinite" nodeType="mainSeq">
+                <p:childTnLst>
+                  <p:par>
+                    <p:cTn id="3" fill="hold">
+                      <p:stCondLst>
+                        <p:cond delay="indefinite"/>
+                        <p:cond evt="onBegin" delay="0">
+                          <p:tn val="2"/>
+                        </p:cond>
+                      </p:stCondLst>
+                      <p:childTnLst>
+                        <p:par>
+                          <p:cTn id="4" fill="hold">
+                            <p:stCondLst>
+                              <p:cond delay="0"/>
+                            </p:stCondLst>
+                            <p:childTnLst>
+                              <p:par>
+                                <p:cTn id="5" presetID="10" presetClass="entr" presetSubtype="0" fill="hold" grpId="0" nodeType="withEffect">
+                                  <p:stCondLst>
+                                    <p:cond delay="0"/>
+                                  </p:stCondLst>
+                                  <p:childTnLst>
+                                    <p:set>
+                                      <p:cBhvr>
+                                        <p:cTn id="6" dur="1" fill="hold">
+                                          <p:stCondLst>
+                                            <p:cond delay="0"/>
+                                          </p:stCondLst>
+                                        </p:cTn>
+                                        <p:tgtEl>
+                                          <p:spTgt spid="2"/>
+                                        </p:tgtEl>
+                                        <p:attrNameLst>
+                                          <p:attrName>style.visibility</p:attrName>
+                                        </p:attrNameLst>
+                                      </p:cBhvr>
+                                      <p:to>
+                                        <p:strVal val="visible"/>
+                                      </p:to>
+                                    </p:set>
+                                    <p:animEffect transition="in" filter="fade">
+                                      <p:cBhvr>
+                                        <p:cTn id="7" dur="500"/>
+                                        <p:tgtEl>
+                                          <p:spTgt spid="2"/>
+                                        </p:tgtEl>
+                                      </p:cBhvr>
+                                    </p:animEffect>
+                                  </p:childTnLst>
+                                </p:cTn>
+                              </p:par>
+                            </p:childTnLst>
+                          </p:cTn>
+                        </p:par>
+                      </p:childTnLst>
+                    </p:cTn>
+                  </p:par>
+                  <p:par>
+                    <p:cTn id="8" fill="hold">
+                      <p:stCondLst>
+                        <p:cond delay="indefinite"/>
+                      </p:stCondLst>
+                      <p:childTnLst>
+                        <p:par>
+                          <p:cTn id="9" fill="hold">
+                            <p:stCondLst>
+                              <p:cond delay="0"/>
+                            </p:stCondLst>
+                            <p:childTnLst>
+                              <p:par>
+                                <p:cTn id="10" presetID="10" presetClass="entr" presetSubtype="0" fill="hold" grpId="0" nodeType="clickEffect">
+                                  <p:stCondLst>
+                                    <p:cond delay="0"/>
+                                  </p:stCondLst>
+                                  <p:childTnLst>
+                                    <p:set>
+                                      <p:cBhvr>
+                                        <p:cTn id="11" dur="1" fill="hold">
+                                          <p:stCondLst>
+                                            <p:cond delay="0"/>
+                                          </p:stCondLst>
+                                        </p:cTn>
+                                        <p:tgtEl>
+                                          <p:spTgt spid="3">
+                                            <p:txEl>
+                                              <p:pRg st="0" end="0"/>
+                                            </p:txEl>
+                                          </p:spTgt>
+                                        </p:tgtEl>
+                                        <p:attrNameLst>
+                                          <p:attrName>style.visibility</p:attrName>
+                                        </p:attrNameLst>
+                                      </p:cBhvr>
+                                      <p:to>
+                                        <p:strVal val="visible"/>
+                                      </p:to>
+                                    </p:set>
+                                    <p:animEffect transition="in" filter="fade">
+                                      <p:cBhvr>
+                                        <p:cTn id="12" dur="500"/>
+                                        <p:tgtEl>
+                                          <p:spTgt spid="3">
+                                            <p:txEl>
+                                              <p:pRg st="0" end="0"/>
+                                            </p:txEl>
+                                          </p:spTgt>
+                                        </p:tgtEl>
+                                      </p:cBhvr>
+                                    </p:animEffect>
+                                  </p:childTnLst>
+                                </p:cTn>
+                              </p:par>
+                            </p:childTnLst>
+                          </p:cTn>
+                        </p:par>
+                      </p:childTnLst>
+                    </p:cTn>
+                  </p:par>
+                  <p:par>
+                    <p:cTn id="13" fill="hold">
+                      <p:stCondLst>
+                        <p:cond delay="indefinite"/>
+                      </p:stCondLst>
+                      <p:childTnLst>
+                        <p:par>
+                          <p:cTn id="14" fill="hold">
+                            <p:stCondLst>
+                              <p:cond delay="0"/>
+                            </p:stCondLst>
+                            <p:childTnLst>
+                              <p:par>
+                                <p:cTn id="15" presetID="10" presetClass="entr" presetSubtype="0" fill="hold" grpId="0" nodeType="clickEffect">
+                                  <p:stCondLst>
+                                    <p:cond delay="0"/>
+                                  </p:stCondLst>
+                                  <p:childTnLst>
+                                    <p:set>
+                                      <p:cBhvr>
+                                        <p:cTn id="16" dur="1" fill="hold">
+                                          <p:stCondLst>
+                                            <p:cond delay="0"/>
+                                          </p:stCondLst>
+                                        </p:cTn>
+                                        <p:tgtEl>
+                                          <p:spTgt spid="3">
+                                            <p:txEl>
+                                              <p:pRg st="2" end="2"/>
+                                            </p:txEl>
+                                          </p:spTgt>
+                                        </p:tgtEl>
+                                        <p:attrNameLst>
+                                          <p:attrName>style.visibility</p:attrName>
+                                        </p:attrNameLst>
+                                      </p:cBhvr>
+                                      <p:to>
+                                        <p:strVal val="visible"/>
+                                      </p:to>
+                                    </p:set>
+                                    <p:animEffect transition="in" filter="fade">
+                                      <p:cBhvr>
+                                        <p:cTn id="17" dur="500"/>
+                                        <p:tgtEl>
+                                          <p:spTgt spid="3">
+                                            <p:txEl>
+                                              <p:pRg st="2" end="2"/>
+                                            </p:txEl>
+                                          </p:spTgt>
+                                        </p:tgtEl>
+                                      </p:cBhvr>
+                                    </p:animEffect>
+                                  </p:childTnLst>
+                                </p:cTn>
+                              </p:par>
+                            </p:childTnLst>
+                          </p:cTn>
+                        </p:par>
+                      </p:childTnLst>
+                    </p:cTn>
+                  </p:par>
+                  <p:par>
+                    <p:cTn id="18" fill="hold">
+                      <p:stCondLst>
+                        <p:cond delay="indefinite"/>
+                      </p:stCondLst>
+                      <p:childTnLst>
+                        <p:par>
+                          <p:cTn id="19" fill="hold">
+                            <p:stCondLst>
+                              <p:cond delay="0"/>
+                            </p:stCondLst>
+                            <p:childTnLst>
+                              <p:par>
+                                <p:cTn id="20" presetID="10" presetClass="entr" presetSubtype="0" fill="hold" grpId="0" nodeType="clickEffect">
+                                  <p:stCondLst>
+                                    <p:cond delay="0"/>
+                                  </p:stCondLst>
+                                  <p:childTnLst>
+                                    <p:set>
+                                      <p:cBhvr>
+                                        <p:cTn id="21" dur="1" fill="hold">
+                                          <p:stCondLst>
+                                            <p:cond delay="0"/>
+                                          </p:stCondLst>
+                                        </p:cTn>
+                                        <p:tgtEl>
+                                          <p:spTgt spid="3">
+                                            <p:txEl>
+                                              <p:pRg st="4" end="4"/>
+                                            </p:txEl>
+                                          </p:spTgt>
+                                        </p:tgtEl>
+                                        <p:attrNameLst>
+                                          <p:attrName>style.visibility</p:attrName>
+                                        </p:attrNameLst>
+                                      </p:cBhvr>
+                                      <p:to>
+                                        <p:strVal val="visible"/>
+                                      </p:to>
+                                    </p:set>
+                                    <p:animEffect transition="in" filter="fade">
+                                      <p:cBhvr>
+                                        <p:cTn id="22" dur="500"/>
+                                        <p:tgtEl>
+                                          <p:spTgt spid="3">
+                                            <p:txEl>
+                                              <p:pRg st="4" end="4"/>
+                                            </p:txEl>
+                                          </p:spTgt>
+                                        </p:tgtEl>
+                                      </p:cBhvr>
+                                    </p:animEffect>
+                                  </p:childTnLst>
+                                </p:cTn>
+                              </p:par>
+                              <p:par>
+                                <p:cTn id="23" presetID="10" presetClass="entr" presetSubtype="0" fill="hold" grpId="0" nodeType="withEffect">
+                                  <p:stCondLst>
+                                    <p:cond delay="0"/>
+                                  </p:stCondLst>
+                                  <p:childTnLst>
+                                    <p:set>
+                                      <p:cBhvr>
+                                        <p:cTn id="24" dur="1" fill="hold">
+                                          <p:stCondLst>
+                                            <p:cond delay="0"/>
+                                          </p:stCondLst>
+                                        </p:cTn>
+                                        <p:tgtEl>
+                                          <p:spTgt spid="3">
+                                            <p:txEl>
+                                              <p:pRg st="5" end="5"/>
+                                            </p:txEl>
+                                          </p:spTgt>
+                                        </p:tgtEl>
+                                        <p:attrNameLst>
+                                          <p:attrName>style.visibility</p:attrName>
+                                        </p:attrNameLst>
+                                      </p:cBhvr>
+                                      <p:to>
+                                        <p:strVal val="visible"/>
+                                      </p:to>
+                                    </p:set>
+                                    <p:animEffect transition="in" filter="fade">
+                                      <p:cBhvr>
+                                        <p:cTn id="25" dur="500"/>
+                                        <p:tgtEl>
+                                          <p:spTgt spid="3">
+                                            <p:txEl>
+                                              <p:pRg st="5" end="5"/>
+                                            </p:txEl>
+                                          </p:spTgt>
+                                        </p:tgtEl>
+                                      </p:cBhvr>
+                                    </p:animEffect>
+                                  </p:childTnLst>
+                                </p:cTn>
+                              </p:par>
+                              <p:par>
+                                <p:cTn id="26" presetID="10" presetClass="entr" presetSubtype="0" fill="hold" grpId="0" nodeType="withEffect">
+                                  <p:stCondLst>
+                                    <p:cond delay="0"/>
+                                  </p:stCondLst>
+                                  <p:childTnLst>
+                                    <p:set>
+                                      <p:cBhvr>
+                                        <p:cTn id="27" dur="1" fill="hold">
+                                          <p:stCondLst>
+                                            <p:cond delay="0"/>
+                                          </p:stCondLst>
+                                        </p:cTn>
+                                        <p:tgtEl>
+                                          <p:spTgt spid="3">
+                                            <p:txEl>
+                                              <p:pRg st="6" end="6"/>
+                                            </p:txEl>
+                                          </p:spTgt>
+                                        </p:tgtEl>
+                                        <p:attrNameLst>
+                                          <p:attrName>style.visibility</p:attrName>
+                                        </p:attrNameLst>
+                                      </p:cBhvr>
+                                      <p:to>
+                                        <p:strVal val="visible"/>
+                                      </p:to>
+                                    </p:set>
+                                    <p:animEffect transition="in" filter="fade">
+                                      <p:cBhvr>
+                                        <p:cTn id="28" dur="500"/>
+                                        <p:tgtEl>
+                                          <p:spTgt spid="3">
+                                            <p:txEl>
+                                              <p:pRg st="6" end="6"/>
+                                            </p:txEl>
+                                          </p:spTgt>
+                                        </p:tgtEl>
+                                      </p:cBhvr>
+                                    </p:animEffect>
+                                  </p:childTnLst>
+                                </p:cTn>
+                              </p:par>
+                              <p:par>
+                                <p:cTn id="29" presetID="10" presetClass="entr" presetSubtype="0" fill="hold" grpId="0" nodeType="withEffect">
+                                  <p:stCondLst>
+                                    <p:cond delay="0"/>
+                                  </p:stCondLst>
+                                  <p:childTnLst>
+                                    <p:set>
+                                      <p:cBhvr>
+                                        <p:cTn id="30" dur="1" fill="hold">
+                                          <p:stCondLst>
+                                            <p:cond delay="0"/>
+                                          </p:stCondLst>
+                                        </p:cTn>
+                                        <p:tgtEl>
+                                          <p:spTgt spid="3">
+                                            <p:txEl>
+                                              <p:pRg st="7" end="7"/>
+                                            </p:txEl>
+                                          </p:spTgt>
+                                        </p:tgtEl>
+                                        <p:attrNameLst>
+                                          <p:attrName>style.visibility</p:attrName>
+                                        </p:attrNameLst>
+                                      </p:cBhvr>
+                                      <p:to>
+                                        <p:strVal val="visible"/>
+                                      </p:to>
+                                    </p:set>
+                                    <p:animEffect transition="in" filter="fade">
+                                      <p:cBhvr>
+                                        <p:cTn id="31" dur="500"/>
+                                        <p:tgtEl>
+                                          <p:spTgt spid="3">
+                                            <p:txEl>
+                                              <p:pRg st="7" end="7"/>
+                                            </p:txEl>
+                                          </p:spTgt>
+                                        </p:tgtEl>
+                                      </p:cBhvr>
+                                    </p:animEffect>
+                                  </p:childTnLst>
+                                </p:cTn>
+                              </p:par>
+                              <p:par>
+                                <p:cTn id="32" presetID="10" presetClass="entr" presetSubtype="0" fill="hold" grpId="0" nodeType="withEffect">
+                                  <p:stCondLst>
+                                    <p:cond delay="0"/>
+                                  </p:stCondLst>
+                                  <p:childTnLst>
+                                    <p:set>
+                                      <p:cBhvr>
+                                        <p:cTn id="33" dur="1" fill="hold">
+                                          <p:stCondLst>
+                                            <p:cond delay="0"/>
+                                          </p:stCondLst>
+                                        </p:cTn>
+                                        <p:tgtEl>
+                                          <p:spTgt spid="3">
+                                            <p:txEl>
+                                              <p:pRg st="8" end="8"/>
+                                            </p:txEl>
+                                          </p:spTgt>
+                                        </p:tgtEl>
+                                        <p:attrNameLst>
+                                          <p:attrName>style.visibility</p:attrName>
+                                        </p:attrNameLst>
+                                      </p:cBhvr>
+                                      <p:to>
+                                        <p:strVal val="visible"/>
+                                      </p:to>
+                                    </p:set>
+                                    <p:animEffect transition="in" filter="fade">
+                                      <p:cBhvr>
+                                        <p:cTn id="34" dur="500"/>
+                                        <p:tgtEl>
+                                          <p:spTgt spid="3">
+                                            <p:txEl>
+                                              <p:pRg st="8" end="8"/>
+                                            </p:txEl>
+                                          </p:spTgt>
+                                        </p:tgtEl>
+                                      </p:cBhvr>
+                                    </p:animEffect>
+                                  </p:childTnLst>
+                                </p:cTn>
+                              </p:par>
+                              <p:par>
+                                <p:cTn id="35" presetID="10" presetClass="entr" presetSubtype="0" fill="hold" grpId="0" nodeType="withEffect">
+                                  <p:stCondLst>
+                                    <p:cond delay="0"/>
+                                  </p:stCondLst>
+                                  <p:childTnLst>
+                                    <p:set>
+                                      <p:cBhvr>
+                                        <p:cTn id="36" dur="1" fill="hold">
+                                          <p:stCondLst>
+                                            <p:cond delay="0"/>
+                                          </p:stCondLst>
+                                        </p:cTn>
+                                        <p:tgtEl>
+                                          <p:spTgt spid="3">
+                                            <p:txEl>
+                                              <p:pRg st="9" end="9"/>
+                                            </p:txEl>
+                                          </p:spTgt>
+                                        </p:tgtEl>
+                                        <p:attrNameLst>
+                                          <p:attrName>style.visibility</p:attrName>
+                                        </p:attrNameLst>
+                                      </p:cBhvr>
+                                      <p:to>
+                                        <p:strVal val="visible"/>
+                                      </p:to>
+                                    </p:set>
+                                    <p:animEffect transition="in" filter="fade">
+                                      <p:cBhvr>
+                                        <p:cTn id="37" dur="500"/>
+                                        <p:tgtEl>
+                                          <p:spTgt spid="3">
+                                            <p:txEl>
+                                              <p:pRg st="9" end="9"/>
+                                            </p:txEl>
+                                          </p:spTgt>
+                                        </p:tgtEl>
+                                      </p:cBhvr>
+                                    </p:animEffect>
+                                  </p:childTnLst>
+                                </p:cTn>
+                              </p:par>
+                            </p:childTnLst>
+                          </p:cTn>
+                        </p:par>
+                      </p:childTnLst>
+                    </p:cTn>
+                  </p:par>
+                </p:childTnLst>
+              </p:cTn>
+              <p:prevCondLst>
+                <p:cond evt="onPrev" delay="0">
+                  <p:tgtEl>
+                    <p:sldTgt/>
+                  </p:tgtEl>
+                </p:cond>
+              </p:prevCondLst>
+              <p:nextCondLst>
+                <p:cond evt="onNext" delay="0">
+                  <p:tgtEl>
+                    <p:sldTgt/>
+                  </p:tgtEl>
+                </p:cond>
+              </p:nextCondLst>
+            </p:seq>
+          </p:childTnLst>
+        </p:cTn>
+      </p:par>
+    </p:tnLst>
+    <p:bldLst>
+      <p:bldP spid="2" grpId="0"/>
+      <p:bldP spid="3" grpId="0" build="p"/>
+    </p:bldLst>
+  </p:timing>
 </p:sld>
 </file>
 
@@ -4430,6 +5049,54 @@
           </a:p>
         </p:txBody>
       </p:sp>
+      <p:sp>
+        <p:nvSpPr>
+          <p:cNvPr id="4" name="TextBox 3">
+            <a:extLst>
+              <a:ext uri="{FF2B5EF4-FFF2-40B4-BE49-F238E27FC236}">
+                <a16:creationId xmlns:a16="http://schemas.microsoft.com/office/drawing/2014/main" id="{28157616-3CE3-4E74-96B8-B01D6C9770A5}"/>
+              </a:ext>
+            </a:extLst>
+          </p:cNvPr>
+          <p:cNvSpPr txBox="1"/>
+          <p:nvPr/>
+        </p:nvSpPr>
+        <p:spPr>
+          <a:xfrm>
+            <a:off x="0" y="6396335"/>
+            <a:ext cx="2103121" cy="461665"/>
+          </a:xfrm>
+          <a:prstGeom prst="rect">
+            <a:avLst/>
+          </a:prstGeom>
+          <a:noFill/>
+        </p:spPr>
+        <p:txBody>
+          <a:bodyPr wrap="square">
+            <a:spAutoFit/>
+          </a:bodyPr>
+          <a:lstStyle/>
+          <a:p>
+            <a:r>
+              <a:rPr lang="en-US" sz="2400" dirty="0">
+                <a:solidFill>
+                  <a:schemeClr val="tx2">
+                    <a:lumMod val="75000"/>
+                  </a:schemeClr>
+                </a:solidFill>
+              </a:rPr>
+              <a:t>@AtomicNicos</a:t>
+            </a:r>
+            <a:endParaRPr lang="en-CH" sz="2400" dirty="0">
+              <a:solidFill>
+                <a:schemeClr val="tx2">
+                  <a:lumMod val="75000"/>
+                </a:schemeClr>
+              </a:solidFill>
+            </a:endParaRPr>
+          </a:p>
+        </p:txBody>
+      </p:sp>
     </p:spTree>
     <p:extLst>
       <p:ext uri="{BB962C8B-B14F-4D97-AF65-F5344CB8AC3E}">
@@ -4440,6 +5107,451 @@
   <p:clrMapOvr>
     <a:masterClrMapping/>
   </p:clrMapOvr>
+  <p:timing>
+    <p:tnLst>
+      <p:par>
+        <p:cTn id="1" dur="indefinite" restart="never" nodeType="tmRoot">
+          <p:childTnLst>
+            <p:seq concurrent="1" nextAc="seek">
+              <p:cTn id="2" dur="indefinite" nodeType="mainSeq">
+                <p:childTnLst>
+                  <p:par>
+                    <p:cTn id="3" fill="hold">
+                      <p:stCondLst>
+                        <p:cond delay="indefinite"/>
+                        <p:cond evt="onBegin" delay="0">
+                          <p:tn val="2"/>
+                        </p:cond>
+                      </p:stCondLst>
+                      <p:childTnLst>
+                        <p:par>
+                          <p:cTn id="4" fill="hold">
+                            <p:stCondLst>
+                              <p:cond delay="0"/>
+                            </p:stCondLst>
+                            <p:childTnLst>
+                              <p:par>
+                                <p:cTn id="5" presetID="10" presetClass="entr" presetSubtype="0" fill="hold" grpId="0" nodeType="withEffect">
+                                  <p:stCondLst>
+                                    <p:cond delay="0"/>
+                                  </p:stCondLst>
+                                  <p:childTnLst>
+                                    <p:set>
+                                      <p:cBhvr>
+                                        <p:cTn id="6" dur="1" fill="hold">
+                                          <p:stCondLst>
+                                            <p:cond delay="0"/>
+                                          </p:stCondLst>
+                                        </p:cTn>
+                                        <p:tgtEl>
+                                          <p:spTgt spid="2"/>
+                                        </p:tgtEl>
+                                        <p:attrNameLst>
+                                          <p:attrName>style.visibility</p:attrName>
+                                        </p:attrNameLst>
+                                      </p:cBhvr>
+                                      <p:to>
+                                        <p:strVal val="visible"/>
+                                      </p:to>
+                                    </p:set>
+                                    <p:animEffect transition="in" filter="fade">
+                                      <p:cBhvr>
+                                        <p:cTn id="7" dur="500"/>
+                                        <p:tgtEl>
+                                          <p:spTgt spid="2"/>
+                                        </p:tgtEl>
+                                      </p:cBhvr>
+                                    </p:animEffect>
+                                  </p:childTnLst>
+                                </p:cTn>
+                              </p:par>
+                            </p:childTnLst>
+                          </p:cTn>
+                        </p:par>
+                      </p:childTnLst>
+                    </p:cTn>
+                  </p:par>
+                  <p:par>
+                    <p:cTn id="8" fill="hold">
+                      <p:stCondLst>
+                        <p:cond delay="indefinite"/>
+                      </p:stCondLst>
+                      <p:childTnLst>
+                        <p:par>
+                          <p:cTn id="9" fill="hold">
+                            <p:stCondLst>
+                              <p:cond delay="0"/>
+                            </p:stCondLst>
+                            <p:childTnLst>
+                              <p:par>
+                                <p:cTn id="10" presetID="10" presetClass="entr" presetSubtype="0" fill="hold" grpId="0" nodeType="clickEffect">
+                                  <p:stCondLst>
+                                    <p:cond delay="0"/>
+                                  </p:stCondLst>
+                                  <p:childTnLst>
+                                    <p:set>
+                                      <p:cBhvr>
+                                        <p:cTn id="11" dur="1" fill="hold">
+                                          <p:stCondLst>
+                                            <p:cond delay="0"/>
+                                          </p:stCondLst>
+                                        </p:cTn>
+                                        <p:tgtEl>
+                                          <p:spTgt spid="3">
+                                            <p:txEl>
+                                              <p:pRg st="0" end="0"/>
+                                            </p:txEl>
+                                          </p:spTgt>
+                                        </p:tgtEl>
+                                        <p:attrNameLst>
+                                          <p:attrName>style.visibility</p:attrName>
+                                        </p:attrNameLst>
+                                      </p:cBhvr>
+                                      <p:to>
+                                        <p:strVal val="visible"/>
+                                      </p:to>
+                                    </p:set>
+                                    <p:animEffect transition="in" filter="fade">
+                                      <p:cBhvr>
+                                        <p:cTn id="12" dur="500"/>
+                                        <p:tgtEl>
+                                          <p:spTgt spid="3">
+                                            <p:txEl>
+                                              <p:pRg st="0" end="0"/>
+                                            </p:txEl>
+                                          </p:spTgt>
+                                        </p:tgtEl>
+                                      </p:cBhvr>
+                                    </p:animEffect>
+                                  </p:childTnLst>
+                                </p:cTn>
+                              </p:par>
+                            </p:childTnLst>
+                          </p:cTn>
+                        </p:par>
+                      </p:childTnLst>
+                    </p:cTn>
+                  </p:par>
+                  <p:par>
+                    <p:cTn id="13" fill="hold">
+                      <p:stCondLst>
+                        <p:cond delay="indefinite"/>
+                      </p:stCondLst>
+                      <p:childTnLst>
+                        <p:par>
+                          <p:cTn id="14" fill="hold">
+                            <p:stCondLst>
+                              <p:cond delay="0"/>
+                            </p:stCondLst>
+                            <p:childTnLst>
+                              <p:par>
+                                <p:cTn id="15" presetID="10" presetClass="entr" presetSubtype="0" fill="hold" grpId="0" nodeType="clickEffect">
+                                  <p:stCondLst>
+                                    <p:cond delay="0"/>
+                                  </p:stCondLst>
+                                  <p:childTnLst>
+                                    <p:set>
+                                      <p:cBhvr>
+                                        <p:cTn id="16" dur="1" fill="hold">
+                                          <p:stCondLst>
+                                            <p:cond delay="0"/>
+                                          </p:stCondLst>
+                                        </p:cTn>
+                                        <p:tgtEl>
+                                          <p:spTgt spid="3">
+                                            <p:txEl>
+                                              <p:pRg st="2" end="2"/>
+                                            </p:txEl>
+                                          </p:spTgt>
+                                        </p:tgtEl>
+                                        <p:attrNameLst>
+                                          <p:attrName>style.visibility</p:attrName>
+                                        </p:attrNameLst>
+                                      </p:cBhvr>
+                                      <p:to>
+                                        <p:strVal val="visible"/>
+                                      </p:to>
+                                    </p:set>
+                                    <p:animEffect transition="in" filter="fade">
+                                      <p:cBhvr>
+                                        <p:cTn id="17" dur="500"/>
+                                        <p:tgtEl>
+                                          <p:spTgt spid="3">
+                                            <p:txEl>
+                                              <p:pRg st="2" end="2"/>
+                                            </p:txEl>
+                                          </p:spTgt>
+                                        </p:tgtEl>
+                                      </p:cBhvr>
+                                    </p:animEffect>
+                                  </p:childTnLst>
+                                </p:cTn>
+                              </p:par>
+                            </p:childTnLst>
+                          </p:cTn>
+                        </p:par>
+                      </p:childTnLst>
+                    </p:cTn>
+                  </p:par>
+                  <p:par>
+                    <p:cTn id="18" fill="hold">
+                      <p:stCondLst>
+                        <p:cond delay="indefinite"/>
+                      </p:stCondLst>
+                      <p:childTnLst>
+                        <p:par>
+                          <p:cTn id="19" fill="hold">
+                            <p:stCondLst>
+                              <p:cond delay="0"/>
+                            </p:stCondLst>
+                            <p:childTnLst>
+                              <p:par>
+                                <p:cTn id="20" presetID="10" presetClass="entr" presetSubtype="0" fill="hold" grpId="0" nodeType="clickEffect">
+                                  <p:stCondLst>
+                                    <p:cond delay="0"/>
+                                  </p:stCondLst>
+                                  <p:childTnLst>
+                                    <p:set>
+                                      <p:cBhvr>
+                                        <p:cTn id="21" dur="1" fill="hold">
+                                          <p:stCondLst>
+                                            <p:cond delay="0"/>
+                                          </p:stCondLst>
+                                        </p:cTn>
+                                        <p:tgtEl>
+                                          <p:spTgt spid="3">
+                                            <p:txEl>
+                                              <p:pRg st="4" end="4"/>
+                                            </p:txEl>
+                                          </p:spTgt>
+                                        </p:tgtEl>
+                                        <p:attrNameLst>
+                                          <p:attrName>style.visibility</p:attrName>
+                                        </p:attrNameLst>
+                                      </p:cBhvr>
+                                      <p:to>
+                                        <p:strVal val="visible"/>
+                                      </p:to>
+                                    </p:set>
+                                    <p:animEffect transition="in" filter="fade">
+                                      <p:cBhvr>
+                                        <p:cTn id="22" dur="500"/>
+                                        <p:tgtEl>
+                                          <p:spTgt spid="3">
+                                            <p:txEl>
+                                              <p:pRg st="4" end="4"/>
+                                            </p:txEl>
+                                          </p:spTgt>
+                                        </p:tgtEl>
+                                      </p:cBhvr>
+                                    </p:animEffect>
+                                  </p:childTnLst>
+                                </p:cTn>
+                              </p:par>
+                              <p:par>
+                                <p:cTn id="23" presetID="10" presetClass="entr" presetSubtype="0" fill="hold" grpId="0" nodeType="withEffect">
+                                  <p:stCondLst>
+                                    <p:cond delay="0"/>
+                                  </p:stCondLst>
+                                  <p:childTnLst>
+                                    <p:set>
+                                      <p:cBhvr>
+                                        <p:cTn id="24" dur="1" fill="hold">
+                                          <p:stCondLst>
+                                            <p:cond delay="0"/>
+                                          </p:stCondLst>
+                                        </p:cTn>
+                                        <p:tgtEl>
+                                          <p:spTgt spid="3">
+                                            <p:txEl>
+                                              <p:pRg st="5" end="5"/>
+                                            </p:txEl>
+                                          </p:spTgt>
+                                        </p:tgtEl>
+                                        <p:attrNameLst>
+                                          <p:attrName>style.visibility</p:attrName>
+                                        </p:attrNameLst>
+                                      </p:cBhvr>
+                                      <p:to>
+                                        <p:strVal val="visible"/>
+                                      </p:to>
+                                    </p:set>
+                                    <p:animEffect transition="in" filter="fade">
+                                      <p:cBhvr>
+                                        <p:cTn id="25" dur="500"/>
+                                        <p:tgtEl>
+                                          <p:spTgt spid="3">
+                                            <p:txEl>
+                                              <p:pRg st="5" end="5"/>
+                                            </p:txEl>
+                                          </p:spTgt>
+                                        </p:tgtEl>
+                                      </p:cBhvr>
+                                    </p:animEffect>
+                                  </p:childTnLst>
+                                </p:cTn>
+                              </p:par>
+                              <p:par>
+                                <p:cTn id="26" presetID="10" presetClass="entr" presetSubtype="0" fill="hold" grpId="0" nodeType="withEffect">
+                                  <p:stCondLst>
+                                    <p:cond delay="0"/>
+                                  </p:stCondLst>
+                                  <p:childTnLst>
+                                    <p:set>
+                                      <p:cBhvr>
+                                        <p:cTn id="27" dur="1" fill="hold">
+                                          <p:stCondLst>
+                                            <p:cond delay="0"/>
+                                          </p:stCondLst>
+                                        </p:cTn>
+                                        <p:tgtEl>
+                                          <p:spTgt spid="3">
+                                            <p:txEl>
+                                              <p:pRg st="6" end="6"/>
+                                            </p:txEl>
+                                          </p:spTgt>
+                                        </p:tgtEl>
+                                        <p:attrNameLst>
+                                          <p:attrName>style.visibility</p:attrName>
+                                        </p:attrNameLst>
+                                      </p:cBhvr>
+                                      <p:to>
+                                        <p:strVal val="visible"/>
+                                      </p:to>
+                                    </p:set>
+                                    <p:animEffect transition="in" filter="fade">
+                                      <p:cBhvr>
+                                        <p:cTn id="28" dur="500"/>
+                                        <p:tgtEl>
+                                          <p:spTgt spid="3">
+                                            <p:txEl>
+                                              <p:pRg st="6" end="6"/>
+                                            </p:txEl>
+                                          </p:spTgt>
+                                        </p:tgtEl>
+                                      </p:cBhvr>
+                                    </p:animEffect>
+                                  </p:childTnLst>
+                                </p:cTn>
+                              </p:par>
+                              <p:par>
+                                <p:cTn id="29" presetID="10" presetClass="entr" presetSubtype="0" fill="hold" grpId="0" nodeType="withEffect">
+                                  <p:stCondLst>
+                                    <p:cond delay="0"/>
+                                  </p:stCondLst>
+                                  <p:childTnLst>
+                                    <p:set>
+                                      <p:cBhvr>
+                                        <p:cTn id="30" dur="1" fill="hold">
+                                          <p:stCondLst>
+                                            <p:cond delay="0"/>
+                                          </p:stCondLst>
+                                        </p:cTn>
+                                        <p:tgtEl>
+                                          <p:spTgt spid="3">
+                                            <p:txEl>
+                                              <p:pRg st="7" end="7"/>
+                                            </p:txEl>
+                                          </p:spTgt>
+                                        </p:tgtEl>
+                                        <p:attrNameLst>
+                                          <p:attrName>style.visibility</p:attrName>
+                                        </p:attrNameLst>
+                                      </p:cBhvr>
+                                      <p:to>
+                                        <p:strVal val="visible"/>
+                                      </p:to>
+                                    </p:set>
+                                    <p:animEffect transition="in" filter="fade">
+                                      <p:cBhvr>
+                                        <p:cTn id="31" dur="500"/>
+                                        <p:tgtEl>
+                                          <p:spTgt spid="3">
+                                            <p:txEl>
+                                              <p:pRg st="7" end="7"/>
+                                            </p:txEl>
+                                          </p:spTgt>
+                                        </p:tgtEl>
+                                      </p:cBhvr>
+                                    </p:animEffect>
+                                  </p:childTnLst>
+                                </p:cTn>
+                              </p:par>
+                              <p:par>
+                                <p:cTn id="32" presetID="10" presetClass="entr" presetSubtype="0" fill="hold" grpId="0" nodeType="withEffect">
+                                  <p:stCondLst>
+                                    <p:cond delay="0"/>
+                                  </p:stCondLst>
+                                  <p:childTnLst>
+                                    <p:set>
+                                      <p:cBhvr>
+                                        <p:cTn id="33" dur="1" fill="hold">
+                                          <p:stCondLst>
+                                            <p:cond delay="0"/>
+                                          </p:stCondLst>
+                                        </p:cTn>
+                                        <p:tgtEl>
+                                          <p:spTgt spid="3">
+                                            <p:txEl>
+                                              <p:pRg st="8" end="8"/>
+                                            </p:txEl>
+                                          </p:spTgt>
+                                        </p:tgtEl>
+                                        <p:attrNameLst>
+                                          <p:attrName>style.visibility</p:attrName>
+                                        </p:attrNameLst>
+                                      </p:cBhvr>
+                                      <p:to>
+                                        <p:strVal val="visible"/>
+                                      </p:to>
+                                    </p:set>
+                                    <p:animEffect transition="in" filter="fade">
+                                      <p:cBhvr>
+                                        <p:cTn id="34" dur="500"/>
+                                        <p:tgtEl>
+                                          <p:spTgt spid="3">
+                                            <p:txEl>
+                                              <p:pRg st="8" end="8"/>
+                                            </p:txEl>
+                                          </p:spTgt>
+                                        </p:tgtEl>
+                                      </p:cBhvr>
+                                    </p:animEffect>
+                                  </p:childTnLst>
+                                </p:cTn>
+                              </p:par>
+                            </p:childTnLst>
+                          </p:cTn>
+                        </p:par>
+                      </p:childTnLst>
+                    </p:cTn>
+                  </p:par>
+                </p:childTnLst>
+              </p:cTn>
+              <p:prevCondLst>
+                <p:cond evt="onPrev" delay="0">
+                  <p:tgtEl>
+                    <p:sldTgt/>
+                  </p:tgtEl>
+                </p:cond>
+              </p:prevCondLst>
+              <p:nextCondLst>
+                <p:cond evt="onNext" delay="0">
+                  <p:tgtEl>
+                    <p:sldTgt/>
+                  </p:tgtEl>
+                </p:cond>
+              </p:nextCondLst>
+            </p:seq>
+          </p:childTnLst>
+        </p:cTn>
+      </p:par>
+    </p:tnLst>
+    <p:bldLst>
+      <p:bldP spid="2" grpId="0"/>
+      <p:bldP spid="3" grpId="0" build="p"/>
+    </p:bldLst>
+  </p:timing>
 </p:sld>
 </file>
 
@@ -4579,6 +5691,54 @@
           </a:p>
         </p:txBody>
       </p:sp>
+      <p:sp>
+        <p:nvSpPr>
+          <p:cNvPr id="4" name="TextBox 3">
+            <a:extLst>
+              <a:ext uri="{FF2B5EF4-FFF2-40B4-BE49-F238E27FC236}">
+                <a16:creationId xmlns:a16="http://schemas.microsoft.com/office/drawing/2014/main" id="{F0F41214-553E-4271-8D11-C16D54DDFAA4}"/>
+              </a:ext>
+            </a:extLst>
+          </p:cNvPr>
+          <p:cNvSpPr txBox="1"/>
+          <p:nvPr/>
+        </p:nvSpPr>
+        <p:spPr>
+          <a:xfrm>
+            <a:off x="0" y="6396335"/>
+            <a:ext cx="2103121" cy="461665"/>
+          </a:xfrm>
+          <a:prstGeom prst="rect">
+            <a:avLst/>
+          </a:prstGeom>
+          <a:noFill/>
+        </p:spPr>
+        <p:txBody>
+          <a:bodyPr wrap="square">
+            <a:spAutoFit/>
+          </a:bodyPr>
+          <a:lstStyle/>
+          <a:p>
+            <a:r>
+              <a:rPr lang="en-US" sz="2400" dirty="0">
+                <a:solidFill>
+                  <a:schemeClr val="tx2">
+                    <a:lumMod val="75000"/>
+                  </a:schemeClr>
+                </a:solidFill>
+              </a:rPr>
+              <a:t>@AtomicNicos</a:t>
+            </a:r>
+            <a:endParaRPr lang="en-CH" sz="2400" dirty="0">
+              <a:solidFill>
+                <a:schemeClr val="tx2">
+                  <a:lumMod val="75000"/>
+                </a:schemeClr>
+              </a:solidFill>
+            </a:endParaRPr>
+          </a:p>
+        </p:txBody>
+      </p:sp>
     </p:spTree>
     <p:extLst>
       <p:ext uri="{BB962C8B-B14F-4D97-AF65-F5344CB8AC3E}">
@@ -4589,6 +5749,451 @@
   <p:clrMapOvr>
     <a:masterClrMapping/>
   </p:clrMapOvr>
+  <p:timing>
+    <p:tnLst>
+      <p:par>
+        <p:cTn id="1" dur="indefinite" restart="never" nodeType="tmRoot">
+          <p:childTnLst>
+            <p:seq concurrent="1" nextAc="seek">
+              <p:cTn id="2" dur="indefinite" nodeType="mainSeq">
+                <p:childTnLst>
+                  <p:par>
+                    <p:cTn id="3" fill="hold">
+                      <p:stCondLst>
+                        <p:cond delay="indefinite"/>
+                        <p:cond evt="onBegin" delay="0">
+                          <p:tn val="2"/>
+                        </p:cond>
+                      </p:stCondLst>
+                      <p:childTnLst>
+                        <p:par>
+                          <p:cTn id="4" fill="hold">
+                            <p:stCondLst>
+                              <p:cond delay="0"/>
+                            </p:stCondLst>
+                            <p:childTnLst>
+                              <p:par>
+                                <p:cTn id="5" presetID="10" presetClass="entr" presetSubtype="0" fill="hold" grpId="0" nodeType="withEffect">
+                                  <p:stCondLst>
+                                    <p:cond delay="0"/>
+                                  </p:stCondLst>
+                                  <p:childTnLst>
+                                    <p:set>
+                                      <p:cBhvr>
+                                        <p:cTn id="6" dur="1" fill="hold">
+                                          <p:stCondLst>
+                                            <p:cond delay="0"/>
+                                          </p:stCondLst>
+                                        </p:cTn>
+                                        <p:tgtEl>
+                                          <p:spTgt spid="2"/>
+                                        </p:tgtEl>
+                                        <p:attrNameLst>
+                                          <p:attrName>style.visibility</p:attrName>
+                                        </p:attrNameLst>
+                                      </p:cBhvr>
+                                      <p:to>
+                                        <p:strVal val="visible"/>
+                                      </p:to>
+                                    </p:set>
+                                    <p:animEffect transition="in" filter="fade">
+                                      <p:cBhvr>
+                                        <p:cTn id="7" dur="500"/>
+                                        <p:tgtEl>
+                                          <p:spTgt spid="2"/>
+                                        </p:tgtEl>
+                                      </p:cBhvr>
+                                    </p:animEffect>
+                                  </p:childTnLst>
+                                </p:cTn>
+                              </p:par>
+                            </p:childTnLst>
+                          </p:cTn>
+                        </p:par>
+                      </p:childTnLst>
+                    </p:cTn>
+                  </p:par>
+                  <p:par>
+                    <p:cTn id="8" fill="hold">
+                      <p:stCondLst>
+                        <p:cond delay="indefinite"/>
+                      </p:stCondLst>
+                      <p:childTnLst>
+                        <p:par>
+                          <p:cTn id="9" fill="hold">
+                            <p:stCondLst>
+                              <p:cond delay="0"/>
+                            </p:stCondLst>
+                            <p:childTnLst>
+                              <p:par>
+                                <p:cTn id="10" presetID="10" presetClass="entr" presetSubtype="0" fill="hold" grpId="0" nodeType="clickEffect">
+                                  <p:stCondLst>
+                                    <p:cond delay="0"/>
+                                  </p:stCondLst>
+                                  <p:childTnLst>
+                                    <p:set>
+                                      <p:cBhvr>
+                                        <p:cTn id="11" dur="1" fill="hold">
+                                          <p:stCondLst>
+                                            <p:cond delay="0"/>
+                                          </p:stCondLst>
+                                        </p:cTn>
+                                        <p:tgtEl>
+                                          <p:spTgt spid="3">
+                                            <p:txEl>
+                                              <p:pRg st="0" end="0"/>
+                                            </p:txEl>
+                                          </p:spTgt>
+                                        </p:tgtEl>
+                                        <p:attrNameLst>
+                                          <p:attrName>style.visibility</p:attrName>
+                                        </p:attrNameLst>
+                                      </p:cBhvr>
+                                      <p:to>
+                                        <p:strVal val="visible"/>
+                                      </p:to>
+                                    </p:set>
+                                    <p:animEffect transition="in" filter="fade">
+                                      <p:cBhvr>
+                                        <p:cTn id="12" dur="500"/>
+                                        <p:tgtEl>
+                                          <p:spTgt spid="3">
+                                            <p:txEl>
+                                              <p:pRg st="0" end="0"/>
+                                            </p:txEl>
+                                          </p:spTgt>
+                                        </p:tgtEl>
+                                      </p:cBhvr>
+                                    </p:animEffect>
+                                  </p:childTnLst>
+                                </p:cTn>
+                              </p:par>
+                            </p:childTnLst>
+                          </p:cTn>
+                        </p:par>
+                      </p:childTnLst>
+                    </p:cTn>
+                  </p:par>
+                  <p:par>
+                    <p:cTn id="13" fill="hold">
+                      <p:stCondLst>
+                        <p:cond delay="indefinite"/>
+                      </p:stCondLst>
+                      <p:childTnLst>
+                        <p:par>
+                          <p:cTn id="14" fill="hold">
+                            <p:stCondLst>
+                              <p:cond delay="0"/>
+                            </p:stCondLst>
+                            <p:childTnLst>
+                              <p:par>
+                                <p:cTn id="15" presetID="10" presetClass="entr" presetSubtype="0" fill="hold" grpId="0" nodeType="clickEffect">
+                                  <p:stCondLst>
+                                    <p:cond delay="0"/>
+                                  </p:stCondLst>
+                                  <p:childTnLst>
+                                    <p:set>
+                                      <p:cBhvr>
+                                        <p:cTn id="16" dur="1" fill="hold">
+                                          <p:stCondLst>
+                                            <p:cond delay="0"/>
+                                          </p:stCondLst>
+                                        </p:cTn>
+                                        <p:tgtEl>
+                                          <p:spTgt spid="3">
+                                            <p:txEl>
+                                              <p:pRg st="2" end="2"/>
+                                            </p:txEl>
+                                          </p:spTgt>
+                                        </p:tgtEl>
+                                        <p:attrNameLst>
+                                          <p:attrName>style.visibility</p:attrName>
+                                        </p:attrNameLst>
+                                      </p:cBhvr>
+                                      <p:to>
+                                        <p:strVal val="visible"/>
+                                      </p:to>
+                                    </p:set>
+                                    <p:animEffect transition="in" filter="fade">
+                                      <p:cBhvr>
+                                        <p:cTn id="17" dur="500"/>
+                                        <p:tgtEl>
+                                          <p:spTgt spid="3">
+                                            <p:txEl>
+                                              <p:pRg st="2" end="2"/>
+                                            </p:txEl>
+                                          </p:spTgt>
+                                        </p:tgtEl>
+                                      </p:cBhvr>
+                                    </p:animEffect>
+                                  </p:childTnLst>
+                                </p:cTn>
+                              </p:par>
+                            </p:childTnLst>
+                          </p:cTn>
+                        </p:par>
+                      </p:childTnLst>
+                    </p:cTn>
+                  </p:par>
+                  <p:par>
+                    <p:cTn id="18" fill="hold">
+                      <p:stCondLst>
+                        <p:cond delay="indefinite"/>
+                      </p:stCondLst>
+                      <p:childTnLst>
+                        <p:par>
+                          <p:cTn id="19" fill="hold">
+                            <p:stCondLst>
+                              <p:cond delay="0"/>
+                            </p:stCondLst>
+                            <p:childTnLst>
+                              <p:par>
+                                <p:cTn id="20" presetID="10" presetClass="entr" presetSubtype="0" fill="hold" grpId="0" nodeType="clickEffect">
+                                  <p:stCondLst>
+                                    <p:cond delay="0"/>
+                                  </p:stCondLst>
+                                  <p:childTnLst>
+                                    <p:set>
+                                      <p:cBhvr>
+                                        <p:cTn id="21" dur="1" fill="hold">
+                                          <p:stCondLst>
+                                            <p:cond delay="0"/>
+                                          </p:stCondLst>
+                                        </p:cTn>
+                                        <p:tgtEl>
+                                          <p:spTgt spid="3">
+                                            <p:txEl>
+                                              <p:pRg st="4" end="4"/>
+                                            </p:txEl>
+                                          </p:spTgt>
+                                        </p:tgtEl>
+                                        <p:attrNameLst>
+                                          <p:attrName>style.visibility</p:attrName>
+                                        </p:attrNameLst>
+                                      </p:cBhvr>
+                                      <p:to>
+                                        <p:strVal val="visible"/>
+                                      </p:to>
+                                    </p:set>
+                                    <p:animEffect transition="in" filter="fade">
+                                      <p:cBhvr>
+                                        <p:cTn id="22" dur="500"/>
+                                        <p:tgtEl>
+                                          <p:spTgt spid="3">
+                                            <p:txEl>
+                                              <p:pRg st="4" end="4"/>
+                                            </p:txEl>
+                                          </p:spTgt>
+                                        </p:tgtEl>
+                                      </p:cBhvr>
+                                    </p:animEffect>
+                                  </p:childTnLst>
+                                </p:cTn>
+                              </p:par>
+                              <p:par>
+                                <p:cTn id="23" presetID="10" presetClass="entr" presetSubtype="0" fill="hold" grpId="0" nodeType="withEffect">
+                                  <p:stCondLst>
+                                    <p:cond delay="0"/>
+                                  </p:stCondLst>
+                                  <p:childTnLst>
+                                    <p:set>
+                                      <p:cBhvr>
+                                        <p:cTn id="24" dur="1" fill="hold">
+                                          <p:stCondLst>
+                                            <p:cond delay="0"/>
+                                          </p:stCondLst>
+                                        </p:cTn>
+                                        <p:tgtEl>
+                                          <p:spTgt spid="3">
+                                            <p:txEl>
+                                              <p:pRg st="5" end="5"/>
+                                            </p:txEl>
+                                          </p:spTgt>
+                                        </p:tgtEl>
+                                        <p:attrNameLst>
+                                          <p:attrName>style.visibility</p:attrName>
+                                        </p:attrNameLst>
+                                      </p:cBhvr>
+                                      <p:to>
+                                        <p:strVal val="visible"/>
+                                      </p:to>
+                                    </p:set>
+                                    <p:animEffect transition="in" filter="fade">
+                                      <p:cBhvr>
+                                        <p:cTn id="25" dur="500"/>
+                                        <p:tgtEl>
+                                          <p:spTgt spid="3">
+                                            <p:txEl>
+                                              <p:pRg st="5" end="5"/>
+                                            </p:txEl>
+                                          </p:spTgt>
+                                        </p:tgtEl>
+                                      </p:cBhvr>
+                                    </p:animEffect>
+                                  </p:childTnLst>
+                                </p:cTn>
+                              </p:par>
+                              <p:par>
+                                <p:cTn id="26" presetID="10" presetClass="entr" presetSubtype="0" fill="hold" grpId="0" nodeType="withEffect">
+                                  <p:stCondLst>
+                                    <p:cond delay="0"/>
+                                  </p:stCondLst>
+                                  <p:childTnLst>
+                                    <p:set>
+                                      <p:cBhvr>
+                                        <p:cTn id="27" dur="1" fill="hold">
+                                          <p:stCondLst>
+                                            <p:cond delay="0"/>
+                                          </p:stCondLst>
+                                        </p:cTn>
+                                        <p:tgtEl>
+                                          <p:spTgt spid="3">
+                                            <p:txEl>
+                                              <p:pRg st="6" end="6"/>
+                                            </p:txEl>
+                                          </p:spTgt>
+                                        </p:tgtEl>
+                                        <p:attrNameLst>
+                                          <p:attrName>style.visibility</p:attrName>
+                                        </p:attrNameLst>
+                                      </p:cBhvr>
+                                      <p:to>
+                                        <p:strVal val="visible"/>
+                                      </p:to>
+                                    </p:set>
+                                    <p:animEffect transition="in" filter="fade">
+                                      <p:cBhvr>
+                                        <p:cTn id="28" dur="500"/>
+                                        <p:tgtEl>
+                                          <p:spTgt spid="3">
+                                            <p:txEl>
+                                              <p:pRg st="6" end="6"/>
+                                            </p:txEl>
+                                          </p:spTgt>
+                                        </p:tgtEl>
+                                      </p:cBhvr>
+                                    </p:animEffect>
+                                  </p:childTnLst>
+                                </p:cTn>
+                              </p:par>
+                              <p:par>
+                                <p:cTn id="29" presetID="10" presetClass="entr" presetSubtype="0" fill="hold" grpId="0" nodeType="withEffect">
+                                  <p:stCondLst>
+                                    <p:cond delay="0"/>
+                                  </p:stCondLst>
+                                  <p:childTnLst>
+                                    <p:set>
+                                      <p:cBhvr>
+                                        <p:cTn id="30" dur="1" fill="hold">
+                                          <p:stCondLst>
+                                            <p:cond delay="0"/>
+                                          </p:stCondLst>
+                                        </p:cTn>
+                                        <p:tgtEl>
+                                          <p:spTgt spid="3">
+                                            <p:txEl>
+                                              <p:pRg st="7" end="7"/>
+                                            </p:txEl>
+                                          </p:spTgt>
+                                        </p:tgtEl>
+                                        <p:attrNameLst>
+                                          <p:attrName>style.visibility</p:attrName>
+                                        </p:attrNameLst>
+                                      </p:cBhvr>
+                                      <p:to>
+                                        <p:strVal val="visible"/>
+                                      </p:to>
+                                    </p:set>
+                                    <p:animEffect transition="in" filter="fade">
+                                      <p:cBhvr>
+                                        <p:cTn id="31" dur="500"/>
+                                        <p:tgtEl>
+                                          <p:spTgt spid="3">
+                                            <p:txEl>
+                                              <p:pRg st="7" end="7"/>
+                                            </p:txEl>
+                                          </p:spTgt>
+                                        </p:tgtEl>
+                                      </p:cBhvr>
+                                    </p:animEffect>
+                                  </p:childTnLst>
+                                </p:cTn>
+                              </p:par>
+                              <p:par>
+                                <p:cTn id="32" presetID="10" presetClass="entr" presetSubtype="0" fill="hold" grpId="0" nodeType="withEffect">
+                                  <p:stCondLst>
+                                    <p:cond delay="0"/>
+                                  </p:stCondLst>
+                                  <p:childTnLst>
+                                    <p:set>
+                                      <p:cBhvr>
+                                        <p:cTn id="33" dur="1" fill="hold">
+                                          <p:stCondLst>
+                                            <p:cond delay="0"/>
+                                          </p:stCondLst>
+                                        </p:cTn>
+                                        <p:tgtEl>
+                                          <p:spTgt spid="3">
+                                            <p:txEl>
+                                              <p:pRg st="8" end="8"/>
+                                            </p:txEl>
+                                          </p:spTgt>
+                                        </p:tgtEl>
+                                        <p:attrNameLst>
+                                          <p:attrName>style.visibility</p:attrName>
+                                        </p:attrNameLst>
+                                      </p:cBhvr>
+                                      <p:to>
+                                        <p:strVal val="visible"/>
+                                      </p:to>
+                                    </p:set>
+                                    <p:animEffect transition="in" filter="fade">
+                                      <p:cBhvr>
+                                        <p:cTn id="34" dur="500"/>
+                                        <p:tgtEl>
+                                          <p:spTgt spid="3">
+                                            <p:txEl>
+                                              <p:pRg st="8" end="8"/>
+                                            </p:txEl>
+                                          </p:spTgt>
+                                        </p:tgtEl>
+                                      </p:cBhvr>
+                                    </p:animEffect>
+                                  </p:childTnLst>
+                                </p:cTn>
+                              </p:par>
+                            </p:childTnLst>
+                          </p:cTn>
+                        </p:par>
+                      </p:childTnLst>
+                    </p:cTn>
+                  </p:par>
+                </p:childTnLst>
+              </p:cTn>
+              <p:prevCondLst>
+                <p:cond evt="onPrev" delay="0">
+                  <p:tgtEl>
+                    <p:sldTgt/>
+                  </p:tgtEl>
+                </p:cond>
+              </p:prevCondLst>
+              <p:nextCondLst>
+                <p:cond evt="onNext" delay="0">
+                  <p:tgtEl>
+                    <p:sldTgt/>
+                  </p:tgtEl>
+                </p:cond>
+              </p:nextCondLst>
+            </p:seq>
+          </p:childTnLst>
+        </p:cTn>
+      </p:par>
+    </p:tnLst>
+    <p:bldLst>
+      <p:bldP spid="2" grpId="0"/>
+      <p:bldP spid="3" grpId="0" build="p"/>
+    </p:bldLst>
+  </p:timing>
 </p:sld>
 </file>
 
@@ -4702,6 +6307,54 @@
           </a:p>
         </p:txBody>
       </p:sp>
+      <p:sp>
+        <p:nvSpPr>
+          <p:cNvPr id="4" name="TextBox 3">
+            <a:extLst>
+              <a:ext uri="{FF2B5EF4-FFF2-40B4-BE49-F238E27FC236}">
+                <a16:creationId xmlns:a16="http://schemas.microsoft.com/office/drawing/2014/main" id="{5779CD3D-DEB4-46C1-AF93-51D5EEB93780}"/>
+              </a:ext>
+            </a:extLst>
+          </p:cNvPr>
+          <p:cNvSpPr txBox="1"/>
+          <p:nvPr/>
+        </p:nvSpPr>
+        <p:spPr>
+          <a:xfrm>
+            <a:off x="0" y="6396335"/>
+            <a:ext cx="2103121" cy="461665"/>
+          </a:xfrm>
+          <a:prstGeom prst="rect">
+            <a:avLst/>
+          </a:prstGeom>
+          <a:noFill/>
+        </p:spPr>
+        <p:txBody>
+          <a:bodyPr wrap="square">
+            <a:spAutoFit/>
+          </a:bodyPr>
+          <a:lstStyle/>
+          <a:p>
+            <a:r>
+              <a:rPr lang="en-US" sz="2400" dirty="0">
+                <a:solidFill>
+                  <a:schemeClr val="tx2">
+                    <a:lumMod val="75000"/>
+                  </a:schemeClr>
+                </a:solidFill>
+              </a:rPr>
+              <a:t>@AtomicNicos</a:t>
+            </a:r>
+            <a:endParaRPr lang="en-CH" sz="2400" dirty="0">
+              <a:solidFill>
+                <a:schemeClr val="tx2">
+                  <a:lumMod val="75000"/>
+                </a:schemeClr>
+              </a:solidFill>
+            </a:endParaRPr>
+          </a:p>
+        </p:txBody>
+      </p:sp>
     </p:spTree>
     <p:extLst>
       <p:ext uri="{BB962C8B-B14F-4D97-AF65-F5344CB8AC3E}">
@@ -4712,6 +6365,365 @@
   <p:clrMapOvr>
     <a:masterClrMapping/>
   </p:clrMapOvr>
+  <p:timing>
+    <p:tnLst>
+      <p:par>
+        <p:cTn id="1" dur="indefinite" restart="never" nodeType="tmRoot">
+          <p:childTnLst>
+            <p:seq concurrent="1" nextAc="seek">
+              <p:cTn id="2" dur="indefinite" nodeType="mainSeq">
+                <p:childTnLst>
+                  <p:par>
+                    <p:cTn id="3" fill="hold">
+                      <p:stCondLst>
+                        <p:cond delay="indefinite"/>
+                        <p:cond evt="onBegin" delay="0">
+                          <p:tn val="2"/>
+                        </p:cond>
+                      </p:stCondLst>
+                      <p:childTnLst>
+                        <p:par>
+                          <p:cTn id="4" fill="hold">
+                            <p:stCondLst>
+                              <p:cond delay="0"/>
+                            </p:stCondLst>
+                            <p:childTnLst>
+                              <p:par>
+                                <p:cTn id="5" presetID="10" presetClass="entr" presetSubtype="0" fill="hold" grpId="0" nodeType="withEffect">
+                                  <p:stCondLst>
+                                    <p:cond delay="0"/>
+                                  </p:stCondLst>
+                                  <p:childTnLst>
+                                    <p:set>
+                                      <p:cBhvr>
+                                        <p:cTn id="6" dur="1" fill="hold">
+                                          <p:stCondLst>
+                                            <p:cond delay="0"/>
+                                          </p:stCondLst>
+                                        </p:cTn>
+                                        <p:tgtEl>
+                                          <p:spTgt spid="2"/>
+                                        </p:tgtEl>
+                                        <p:attrNameLst>
+                                          <p:attrName>style.visibility</p:attrName>
+                                        </p:attrNameLst>
+                                      </p:cBhvr>
+                                      <p:to>
+                                        <p:strVal val="visible"/>
+                                      </p:to>
+                                    </p:set>
+                                    <p:animEffect transition="in" filter="fade">
+                                      <p:cBhvr>
+                                        <p:cTn id="7" dur="500"/>
+                                        <p:tgtEl>
+                                          <p:spTgt spid="2"/>
+                                        </p:tgtEl>
+                                      </p:cBhvr>
+                                    </p:animEffect>
+                                  </p:childTnLst>
+                                </p:cTn>
+                              </p:par>
+                            </p:childTnLst>
+                          </p:cTn>
+                        </p:par>
+                      </p:childTnLst>
+                    </p:cTn>
+                  </p:par>
+                  <p:par>
+                    <p:cTn id="8" fill="hold">
+                      <p:stCondLst>
+                        <p:cond delay="indefinite"/>
+                      </p:stCondLst>
+                      <p:childTnLst>
+                        <p:par>
+                          <p:cTn id="9" fill="hold">
+                            <p:stCondLst>
+                              <p:cond delay="0"/>
+                            </p:stCondLst>
+                            <p:childTnLst>
+                              <p:par>
+                                <p:cTn id="10" presetID="10" presetClass="entr" presetSubtype="0" fill="hold" grpId="0" nodeType="clickEffect">
+                                  <p:stCondLst>
+                                    <p:cond delay="0"/>
+                                  </p:stCondLst>
+                                  <p:childTnLst>
+                                    <p:set>
+                                      <p:cBhvr>
+                                        <p:cTn id="11" dur="1" fill="hold">
+                                          <p:stCondLst>
+                                            <p:cond delay="0"/>
+                                          </p:stCondLst>
+                                        </p:cTn>
+                                        <p:tgtEl>
+                                          <p:spTgt spid="3">
+                                            <p:txEl>
+                                              <p:pRg st="0" end="0"/>
+                                            </p:txEl>
+                                          </p:spTgt>
+                                        </p:tgtEl>
+                                        <p:attrNameLst>
+                                          <p:attrName>style.visibility</p:attrName>
+                                        </p:attrNameLst>
+                                      </p:cBhvr>
+                                      <p:to>
+                                        <p:strVal val="visible"/>
+                                      </p:to>
+                                    </p:set>
+                                    <p:animEffect transition="in" filter="fade">
+                                      <p:cBhvr>
+                                        <p:cTn id="12" dur="500"/>
+                                        <p:tgtEl>
+                                          <p:spTgt spid="3">
+                                            <p:txEl>
+                                              <p:pRg st="0" end="0"/>
+                                            </p:txEl>
+                                          </p:spTgt>
+                                        </p:tgtEl>
+                                      </p:cBhvr>
+                                    </p:animEffect>
+                                  </p:childTnLst>
+                                </p:cTn>
+                              </p:par>
+                            </p:childTnLst>
+                          </p:cTn>
+                        </p:par>
+                      </p:childTnLst>
+                    </p:cTn>
+                  </p:par>
+                  <p:par>
+                    <p:cTn id="13" fill="hold">
+                      <p:stCondLst>
+                        <p:cond delay="indefinite"/>
+                      </p:stCondLst>
+                      <p:childTnLst>
+                        <p:par>
+                          <p:cTn id="14" fill="hold">
+                            <p:stCondLst>
+                              <p:cond delay="0"/>
+                            </p:stCondLst>
+                            <p:childTnLst>
+                              <p:par>
+                                <p:cTn id="15" presetID="10" presetClass="entr" presetSubtype="0" fill="hold" grpId="0" nodeType="clickEffect">
+                                  <p:stCondLst>
+                                    <p:cond delay="0"/>
+                                  </p:stCondLst>
+                                  <p:childTnLst>
+                                    <p:set>
+                                      <p:cBhvr>
+                                        <p:cTn id="16" dur="1" fill="hold">
+                                          <p:stCondLst>
+                                            <p:cond delay="0"/>
+                                          </p:stCondLst>
+                                        </p:cTn>
+                                        <p:tgtEl>
+                                          <p:spTgt spid="3">
+                                            <p:txEl>
+                                              <p:pRg st="2" end="2"/>
+                                            </p:txEl>
+                                          </p:spTgt>
+                                        </p:tgtEl>
+                                        <p:attrNameLst>
+                                          <p:attrName>style.visibility</p:attrName>
+                                        </p:attrNameLst>
+                                      </p:cBhvr>
+                                      <p:to>
+                                        <p:strVal val="visible"/>
+                                      </p:to>
+                                    </p:set>
+                                    <p:animEffect transition="in" filter="fade">
+                                      <p:cBhvr>
+                                        <p:cTn id="17" dur="500"/>
+                                        <p:tgtEl>
+                                          <p:spTgt spid="3">
+                                            <p:txEl>
+                                              <p:pRg st="2" end="2"/>
+                                            </p:txEl>
+                                          </p:spTgt>
+                                        </p:tgtEl>
+                                      </p:cBhvr>
+                                    </p:animEffect>
+                                  </p:childTnLst>
+                                </p:cTn>
+                              </p:par>
+                            </p:childTnLst>
+                          </p:cTn>
+                        </p:par>
+                      </p:childTnLst>
+                    </p:cTn>
+                  </p:par>
+                  <p:par>
+                    <p:cTn id="18" fill="hold">
+                      <p:stCondLst>
+                        <p:cond delay="indefinite"/>
+                      </p:stCondLst>
+                      <p:childTnLst>
+                        <p:par>
+                          <p:cTn id="19" fill="hold">
+                            <p:stCondLst>
+                              <p:cond delay="0"/>
+                            </p:stCondLst>
+                            <p:childTnLst>
+                              <p:par>
+                                <p:cTn id="20" presetID="10" presetClass="entr" presetSubtype="0" fill="hold" grpId="0" nodeType="clickEffect">
+                                  <p:stCondLst>
+                                    <p:cond delay="0"/>
+                                  </p:stCondLst>
+                                  <p:childTnLst>
+                                    <p:set>
+                                      <p:cBhvr>
+                                        <p:cTn id="21" dur="1" fill="hold">
+                                          <p:stCondLst>
+                                            <p:cond delay="0"/>
+                                          </p:stCondLst>
+                                        </p:cTn>
+                                        <p:tgtEl>
+                                          <p:spTgt spid="3">
+                                            <p:txEl>
+                                              <p:pRg st="4" end="4"/>
+                                            </p:txEl>
+                                          </p:spTgt>
+                                        </p:tgtEl>
+                                        <p:attrNameLst>
+                                          <p:attrName>style.visibility</p:attrName>
+                                        </p:attrNameLst>
+                                      </p:cBhvr>
+                                      <p:to>
+                                        <p:strVal val="visible"/>
+                                      </p:to>
+                                    </p:set>
+                                    <p:animEffect transition="in" filter="fade">
+                                      <p:cBhvr>
+                                        <p:cTn id="22" dur="500"/>
+                                        <p:tgtEl>
+                                          <p:spTgt spid="3">
+                                            <p:txEl>
+                                              <p:pRg st="4" end="4"/>
+                                            </p:txEl>
+                                          </p:spTgt>
+                                        </p:tgtEl>
+                                      </p:cBhvr>
+                                    </p:animEffect>
+                                  </p:childTnLst>
+                                </p:cTn>
+                              </p:par>
+                              <p:par>
+                                <p:cTn id="23" presetID="10" presetClass="entr" presetSubtype="0" fill="hold" grpId="0" nodeType="withEffect">
+                                  <p:stCondLst>
+                                    <p:cond delay="0"/>
+                                  </p:stCondLst>
+                                  <p:childTnLst>
+                                    <p:set>
+                                      <p:cBhvr>
+                                        <p:cTn id="24" dur="1" fill="hold">
+                                          <p:stCondLst>
+                                            <p:cond delay="0"/>
+                                          </p:stCondLst>
+                                        </p:cTn>
+                                        <p:tgtEl>
+                                          <p:spTgt spid="3">
+                                            <p:txEl>
+                                              <p:pRg st="5" end="5"/>
+                                            </p:txEl>
+                                          </p:spTgt>
+                                        </p:tgtEl>
+                                        <p:attrNameLst>
+                                          <p:attrName>style.visibility</p:attrName>
+                                        </p:attrNameLst>
+                                      </p:cBhvr>
+                                      <p:to>
+                                        <p:strVal val="visible"/>
+                                      </p:to>
+                                    </p:set>
+                                    <p:animEffect transition="in" filter="fade">
+                                      <p:cBhvr>
+                                        <p:cTn id="25" dur="500"/>
+                                        <p:tgtEl>
+                                          <p:spTgt spid="3">
+                                            <p:txEl>
+                                              <p:pRg st="5" end="5"/>
+                                            </p:txEl>
+                                          </p:spTgt>
+                                        </p:tgtEl>
+                                      </p:cBhvr>
+                                    </p:animEffect>
+                                  </p:childTnLst>
+                                </p:cTn>
+                              </p:par>
+                              <p:par>
+                                <p:cTn id="26" presetID="10" presetClass="entr" presetSubtype="0" fill="hold" grpId="0" nodeType="withEffect">
+                                  <p:stCondLst>
+                                    <p:cond delay="0"/>
+                                  </p:stCondLst>
+                                  <p:childTnLst>
+                                    <p:set>
+                                      <p:cBhvr>
+                                        <p:cTn id="27" dur="1" fill="hold">
+                                          <p:stCondLst>
+                                            <p:cond delay="0"/>
+                                          </p:stCondLst>
+                                        </p:cTn>
+                                        <p:tgtEl>
+                                          <p:spTgt spid="3">
+                                            <p:txEl>
+                                              <p:pRg st="6" end="6"/>
+                                            </p:txEl>
+                                          </p:spTgt>
+                                        </p:tgtEl>
+                                        <p:attrNameLst>
+                                          <p:attrName>style.visibility</p:attrName>
+                                        </p:attrNameLst>
+                                      </p:cBhvr>
+                                      <p:to>
+                                        <p:strVal val="visible"/>
+                                      </p:to>
+                                    </p:set>
+                                    <p:animEffect transition="in" filter="fade">
+                                      <p:cBhvr>
+                                        <p:cTn id="28" dur="500"/>
+                                        <p:tgtEl>
+                                          <p:spTgt spid="3">
+                                            <p:txEl>
+                                              <p:pRg st="6" end="6"/>
+                                            </p:txEl>
+                                          </p:spTgt>
+                                        </p:tgtEl>
+                                      </p:cBhvr>
+                                    </p:animEffect>
+                                  </p:childTnLst>
+                                </p:cTn>
+                              </p:par>
+                            </p:childTnLst>
+                          </p:cTn>
+                        </p:par>
+                      </p:childTnLst>
+                    </p:cTn>
+                  </p:par>
+                </p:childTnLst>
+              </p:cTn>
+              <p:prevCondLst>
+                <p:cond evt="onPrev" delay="0">
+                  <p:tgtEl>
+                    <p:sldTgt/>
+                  </p:tgtEl>
+                </p:cond>
+              </p:prevCondLst>
+              <p:nextCondLst>
+                <p:cond evt="onNext" delay="0">
+                  <p:tgtEl>
+                    <p:sldTgt/>
+                  </p:tgtEl>
+                </p:cond>
+              </p:nextCondLst>
+            </p:seq>
+          </p:childTnLst>
+        </p:cTn>
+      </p:par>
+    </p:tnLst>
+    <p:bldLst>
+      <p:bldP spid="2" grpId="0"/>
+      <p:bldP spid="3" grpId="0" build="p"/>
+    </p:bldLst>
+  </p:timing>
 </p:sld>
 </file>
 
@@ -4817,6 +6829,54 @@
           </a:p>
         </p:txBody>
       </p:sp>
+      <p:sp>
+        <p:nvSpPr>
+          <p:cNvPr id="4" name="TextBox 3">
+            <a:extLst>
+              <a:ext uri="{FF2B5EF4-FFF2-40B4-BE49-F238E27FC236}">
+                <a16:creationId xmlns:a16="http://schemas.microsoft.com/office/drawing/2014/main" id="{97CE3D6B-CEA0-4EFD-B285-107A21766162}"/>
+              </a:ext>
+            </a:extLst>
+          </p:cNvPr>
+          <p:cNvSpPr txBox="1"/>
+          <p:nvPr/>
+        </p:nvSpPr>
+        <p:spPr>
+          <a:xfrm>
+            <a:off x="0" y="6396335"/>
+            <a:ext cx="2103121" cy="461665"/>
+          </a:xfrm>
+          <a:prstGeom prst="rect">
+            <a:avLst/>
+          </a:prstGeom>
+          <a:noFill/>
+        </p:spPr>
+        <p:txBody>
+          <a:bodyPr wrap="square">
+            <a:spAutoFit/>
+          </a:bodyPr>
+          <a:lstStyle/>
+          <a:p>
+            <a:r>
+              <a:rPr lang="en-US" sz="2400" dirty="0">
+                <a:solidFill>
+                  <a:schemeClr val="tx2">
+                    <a:lumMod val="75000"/>
+                  </a:schemeClr>
+                </a:solidFill>
+              </a:rPr>
+              <a:t>@AtomicNicos</a:t>
+            </a:r>
+            <a:endParaRPr lang="en-CH" sz="2400" dirty="0">
+              <a:solidFill>
+                <a:schemeClr val="tx2">
+                  <a:lumMod val="75000"/>
+                </a:schemeClr>
+              </a:solidFill>
+            </a:endParaRPr>
+          </a:p>
+        </p:txBody>
+      </p:sp>
     </p:spTree>
     <p:extLst>
       <p:ext uri="{BB962C8B-B14F-4D97-AF65-F5344CB8AC3E}">
@@ -4827,6 +6887,279 @@
   <p:clrMapOvr>
     <a:masterClrMapping/>
   </p:clrMapOvr>
+  <p:timing>
+    <p:tnLst>
+      <p:par>
+        <p:cTn id="1" dur="indefinite" restart="never" nodeType="tmRoot">
+          <p:childTnLst>
+            <p:seq concurrent="1" nextAc="seek">
+              <p:cTn id="2" dur="indefinite" nodeType="mainSeq">
+                <p:childTnLst>
+                  <p:par>
+                    <p:cTn id="3" fill="hold">
+                      <p:stCondLst>
+                        <p:cond delay="indefinite"/>
+                        <p:cond evt="onBegin" delay="0">
+                          <p:tn val="2"/>
+                        </p:cond>
+                      </p:stCondLst>
+                      <p:childTnLst>
+                        <p:par>
+                          <p:cTn id="4" fill="hold">
+                            <p:stCondLst>
+                              <p:cond delay="0"/>
+                            </p:stCondLst>
+                            <p:childTnLst>
+                              <p:par>
+                                <p:cTn id="5" presetID="10" presetClass="entr" presetSubtype="0" fill="hold" grpId="0" nodeType="withEffect">
+                                  <p:stCondLst>
+                                    <p:cond delay="0"/>
+                                  </p:stCondLst>
+                                  <p:childTnLst>
+                                    <p:set>
+                                      <p:cBhvr>
+                                        <p:cTn id="6" dur="1" fill="hold">
+                                          <p:stCondLst>
+                                            <p:cond delay="0"/>
+                                          </p:stCondLst>
+                                        </p:cTn>
+                                        <p:tgtEl>
+                                          <p:spTgt spid="2"/>
+                                        </p:tgtEl>
+                                        <p:attrNameLst>
+                                          <p:attrName>style.visibility</p:attrName>
+                                        </p:attrNameLst>
+                                      </p:cBhvr>
+                                      <p:to>
+                                        <p:strVal val="visible"/>
+                                      </p:to>
+                                    </p:set>
+                                    <p:animEffect transition="in" filter="fade">
+                                      <p:cBhvr>
+                                        <p:cTn id="7" dur="500"/>
+                                        <p:tgtEl>
+                                          <p:spTgt spid="2"/>
+                                        </p:tgtEl>
+                                      </p:cBhvr>
+                                    </p:animEffect>
+                                  </p:childTnLst>
+                                </p:cTn>
+                              </p:par>
+                            </p:childTnLst>
+                          </p:cTn>
+                        </p:par>
+                      </p:childTnLst>
+                    </p:cTn>
+                  </p:par>
+                  <p:par>
+                    <p:cTn id="8" fill="hold">
+                      <p:stCondLst>
+                        <p:cond delay="indefinite"/>
+                      </p:stCondLst>
+                      <p:childTnLst>
+                        <p:par>
+                          <p:cTn id="9" fill="hold">
+                            <p:stCondLst>
+                              <p:cond delay="0"/>
+                            </p:stCondLst>
+                            <p:childTnLst>
+                              <p:par>
+                                <p:cTn id="10" presetID="10" presetClass="entr" presetSubtype="0" fill="hold" grpId="0" nodeType="clickEffect">
+                                  <p:stCondLst>
+                                    <p:cond delay="0"/>
+                                  </p:stCondLst>
+                                  <p:childTnLst>
+                                    <p:set>
+                                      <p:cBhvr>
+                                        <p:cTn id="11" dur="1" fill="hold">
+                                          <p:stCondLst>
+                                            <p:cond delay="0"/>
+                                          </p:stCondLst>
+                                        </p:cTn>
+                                        <p:tgtEl>
+                                          <p:spTgt spid="3">
+                                            <p:txEl>
+                                              <p:pRg st="0" end="0"/>
+                                            </p:txEl>
+                                          </p:spTgt>
+                                        </p:tgtEl>
+                                        <p:attrNameLst>
+                                          <p:attrName>style.visibility</p:attrName>
+                                        </p:attrNameLst>
+                                      </p:cBhvr>
+                                      <p:to>
+                                        <p:strVal val="visible"/>
+                                      </p:to>
+                                    </p:set>
+                                    <p:animEffect transition="in" filter="fade">
+                                      <p:cBhvr>
+                                        <p:cTn id="12" dur="500"/>
+                                        <p:tgtEl>
+                                          <p:spTgt spid="3">
+                                            <p:txEl>
+                                              <p:pRg st="0" end="0"/>
+                                            </p:txEl>
+                                          </p:spTgt>
+                                        </p:tgtEl>
+                                      </p:cBhvr>
+                                    </p:animEffect>
+                                  </p:childTnLst>
+                                </p:cTn>
+                              </p:par>
+                            </p:childTnLst>
+                          </p:cTn>
+                        </p:par>
+                      </p:childTnLst>
+                    </p:cTn>
+                  </p:par>
+                  <p:par>
+                    <p:cTn id="13" fill="hold">
+                      <p:stCondLst>
+                        <p:cond delay="indefinite"/>
+                      </p:stCondLst>
+                      <p:childTnLst>
+                        <p:par>
+                          <p:cTn id="14" fill="hold">
+                            <p:stCondLst>
+                              <p:cond delay="0"/>
+                            </p:stCondLst>
+                            <p:childTnLst>
+                              <p:par>
+                                <p:cTn id="15" presetID="10" presetClass="entr" presetSubtype="0" fill="hold" grpId="0" nodeType="clickEffect">
+                                  <p:stCondLst>
+                                    <p:cond delay="0"/>
+                                  </p:stCondLst>
+                                  <p:childTnLst>
+                                    <p:set>
+                                      <p:cBhvr>
+                                        <p:cTn id="16" dur="1" fill="hold">
+                                          <p:stCondLst>
+                                            <p:cond delay="0"/>
+                                          </p:stCondLst>
+                                        </p:cTn>
+                                        <p:tgtEl>
+                                          <p:spTgt spid="3">
+                                            <p:txEl>
+                                              <p:pRg st="2" end="2"/>
+                                            </p:txEl>
+                                          </p:spTgt>
+                                        </p:tgtEl>
+                                        <p:attrNameLst>
+                                          <p:attrName>style.visibility</p:attrName>
+                                        </p:attrNameLst>
+                                      </p:cBhvr>
+                                      <p:to>
+                                        <p:strVal val="visible"/>
+                                      </p:to>
+                                    </p:set>
+                                    <p:animEffect transition="in" filter="fade">
+                                      <p:cBhvr>
+                                        <p:cTn id="17" dur="500"/>
+                                        <p:tgtEl>
+                                          <p:spTgt spid="3">
+                                            <p:txEl>
+                                              <p:pRg st="2" end="2"/>
+                                            </p:txEl>
+                                          </p:spTgt>
+                                        </p:tgtEl>
+                                      </p:cBhvr>
+                                    </p:animEffect>
+                                  </p:childTnLst>
+                                </p:cTn>
+                              </p:par>
+                            </p:childTnLst>
+                          </p:cTn>
+                        </p:par>
+                      </p:childTnLst>
+                    </p:cTn>
+                  </p:par>
+                  <p:par>
+                    <p:cTn id="18" fill="hold">
+                      <p:stCondLst>
+                        <p:cond delay="indefinite"/>
+                      </p:stCondLst>
+                      <p:childTnLst>
+                        <p:par>
+                          <p:cTn id="19" fill="hold">
+                            <p:stCondLst>
+                              <p:cond delay="0"/>
+                            </p:stCondLst>
+                            <p:childTnLst>
+                              <p:par>
+                                <p:cTn id="20" presetID="10" presetClass="entr" presetSubtype="0" fill="hold" grpId="0" nodeType="clickEffect">
+                                  <p:stCondLst>
+                                    <p:cond delay="0"/>
+                                  </p:stCondLst>
+                                  <p:childTnLst>
+                                    <p:set>
+                                      <p:cBhvr>
+                                        <p:cTn id="21" dur="1" fill="hold">
+                                          <p:stCondLst>
+                                            <p:cond delay="0"/>
+                                          </p:stCondLst>
+                                        </p:cTn>
+                                        <p:tgtEl>
+                                          <p:spTgt spid="3">
+                                            <p:txEl>
+                                              <p:pRg st="4" end="4"/>
+                                            </p:txEl>
+                                          </p:spTgt>
+                                        </p:tgtEl>
+                                        <p:attrNameLst>
+                                          <p:attrName>style.visibility</p:attrName>
+                                        </p:attrNameLst>
+                                      </p:cBhvr>
+                                      <p:to>
+                                        <p:strVal val="visible"/>
+                                      </p:to>
+                                    </p:set>
+                                    <p:animEffect transition="in" filter="fade">
+                                      <p:cBhvr>
+                                        <p:cTn id="22" dur="500"/>
+                                        <p:tgtEl>
+                                          <p:spTgt spid="3">
+                                            <p:txEl>
+                                              <p:pRg st="4" end="4"/>
+                                            </p:txEl>
+                                          </p:spTgt>
+                                        </p:tgtEl>
+                                      </p:cBhvr>
+                                    </p:animEffect>
+                                  </p:childTnLst>
+                                </p:cTn>
+                              </p:par>
+                            </p:childTnLst>
+                          </p:cTn>
+                        </p:par>
+                      </p:childTnLst>
+                    </p:cTn>
+                  </p:par>
+                </p:childTnLst>
+              </p:cTn>
+              <p:prevCondLst>
+                <p:cond evt="onPrev" delay="0">
+                  <p:tgtEl>
+                    <p:sldTgt/>
+                  </p:tgtEl>
+                </p:cond>
+              </p:prevCondLst>
+              <p:nextCondLst>
+                <p:cond evt="onNext" delay="0">
+                  <p:tgtEl>
+                    <p:sldTgt/>
+                  </p:tgtEl>
+                </p:cond>
+              </p:nextCondLst>
+            </p:seq>
+          </p:childTnLst>
+        </p:cTn>
+      </p:par>
+    </p:tnLst>
+    <p:bldLst>
+      <p:bldP spid="2" grpId="0"/>
+      <p:bldP spid="3" grpId="0" build="p"/>
+    </p:bldLst>
+  </p:timing>
 </p:sld>
 </file>
 
@@ -4929,13 +7262,56 @@
           <a:p>
             <a:r>
               <a:rPr lang="en-US" dirty="0"/>
-              <a:t>At some point relies on parsing </a:t>
-            </a:r>
-            <a:r>
-              <a:rPr lang="en-US"/>
-              <a:t>or regex</a:t>
-            </a:r>
-            <a:endParaRPr lang="en-US" dirty="0"/>
+              <a:t>At some point relies on parsing or regex</a:t>
+            </a:r>
+          </a:p>
+        </p:txBody>
+      </p:sp>
+      <p:sp>
+        <p:nvSpPr>
+          <p:cNvPr id="4" name="TextBox 3">
+            <a:extLst>
+              <a:ext uri="{FF2B5EF4-FFF2-40B4-BE49-F238E27FC236}">
+                <a16:creationId xmlns:a16="http://schemas.microsoft.com/office/drawing/2014/main" id="{AF17D8D0-C665-47FD-8E9E-46E8E195BAF7}"/>
+              </a:ext>
+            </a:extLst>
+          </p:cNvPr>
+          <p:cNvSpPr txBox="1"/>
+          <p:nvPr/>
+        </p:nvSpPr>
+        <p:spPr>
+          <a:xfrm>
+            <a:off x="0" y="6396335"/>
+            <a:ext cx="2103121" cy="461665"/>
+          </a:xfrm>
+          <a:prstGeom prst="rect">
+            <a:avLst/>
+          </a:prstGeom>
+          <a:noFill/>
+        </p:spPr>
+        <p:txBody>
+          <a:bodyPr wrap="square">
+            <a:spAutoFit/>
+          </a:bodyPr>
+          <a:lstStyle/>
+          <a:p>
+            <a:r>
+              <a:rPr lang="en-US" sz="2400" dirty="0">
+                <a:solidFill>
+                  <a:schemeClr val="tx2">
+                    <a:lumMod val="75000"/>
+                  </a:schemeClr>
+                </a:solidFill>
+              </a:rPr>
+              <a:t>@AtomicNicos</a:t>
+            </a:r>
+            <a:endParaRPr lang="en-CH" sz="2400" dirty="0">
+              <a:solidFill>
+                <a:schemeClr val="tx2">
+                  <a:lumMod val="75000"/>
+                </a:schemeClr>
+              </a:solidFill>
+            </a:endParaRPr>
           </a:p>
         </p:txBody>
       </p:sp>
@@ -4949,6 +7325,347 @@
   <p:clrMapOvr>
     <a:masterClrMapping/>
   </p:clrMapOvr>
+  <p:timing>
+    <p:tnLst>
+      <p:par>
+        <p:cTn id="1" dur="indefinite" restart="never" nodeType="tmRoot">
+          <p:childTnLst>
+            <p:seq concurrent="1" nextAc="seek">
+              <p:cTn id="2" dur="indefinite" nodeType="mainSeq">
+                <p:childTnLst>
+                  <p:par>
+                    <p:cTn id="3" fill="hold">
+                      <p:stCondLst>
+                        <p:cond delay="indefinite"/>
+                        <p:cond evt="onBegin" delay="0">
+                          <p:tn val="2"/>
+                        </p:cond>
+                      </p:stCondLst>
+                      <p:childTnLst>
+                        <p:par>
+                          <p:cTn id="4" fill="hold">
+                            <p:stCondLst>
+                              <p:cond delay="0"/>
+                            </p:stCondLst>
+                            <p:childTnLst>
+                              <p:par>
+                                <p:cTn id="5" presetID="10" presetClass="entr" presetSubtype="0" fill="hold" grpId="0" nodeType="withEffect">
+                                  <p:stCondLst>
+                                    <p:cond delay="0"/>
+                                  </p:stCondLst>
+                                  <p:childTnLst>
+                                    <p:set>
+                                      <p:cBhvr>
+                                        <p:cTn id="6" dur="1" fill="hold">
+                                          <p:stCondLst>
+                                            <p:cond delay="0"/>
+                                          </p:stCondLst>
+                                        </p:cTn>
+                                        <p:tgtEl>
+                                          <p:spTgt spid="2"/>
+                                        </p:tgtEl>
+                                        <p:attrNameLst>
+                                          <p:attrName>style.visibility</p:attrName>
+                                        </p:attrNameLst>
+                                      </p:cBhvr>
+                                      <p:to>
+                                        <p:strVal val="visible"/>
+                                      </p:to>
+                                    </p:set>
+                                    <p:animEffect transition="in" filter="fade">
+                                      <p:cBhvr>
+                                        <p:cTn id="7" dur="500"/>
+                                        <p:tgtEl>
+                                          <p:spTgt spid="2"/>
+                                        </p:tgtEl>
+                                      </p:cBhvr>
+                                    </p:animEffect>
+                                  </p:childTnLst>
+                                </p:cTn>
+                              </p:par>
+                            </p:childTnLst>
+                          </p:cTn>
+                        </p:par>
+                      </p:childTnLst>
+                    </p:cTn>
+                  </p:par>
+                  <p:par>
+                    <p:cTn id="8" fill="hold">
+                      <p:stCondLst>
+                        <p:cond delay="indefinite"/>
+                      </p:stCondLst>
+                      <p:childTnLst>
+                        <p:par>
+                          <p:cTn id="9" fill="hold">
+                            <p:stCondLst>
+                              <p:cond delay="0"/>
+                            </p:stCondLst>
+                            <p:childTnLst>
+                              <p:par>
+                                <p:cTn id="10" presetID="10" presetClass="entr" presetSubtype="0" fill="hold" grpId="0" nodeType="clickEffect">
+                                  <p:stCondLst>
+                                    <p:cond delay="0"/>
+                                  </p:stCondLst>
+                                  <p:childTnLst>
+                                    <p:set>
+                                      <p:cBhvr>
+                                        <p:cTn id="11" dur="1" fill="hold">
+                                          <p:stCondLst>
+                                            <p:cond delay="0"/>
+                                          </p:stCondLst>
+                                        </p:cTn>
+                                        <p:tgtEl>
+                                          <p:spTgt spid="3">
+                                            <p:txEl>
+                                              <p:pRg st="0" end="0"/>
+                                            </p:txEl>
+                                          </p:spTgt>
+                                        </p:tgtEl>
+                                        <p:attrNameLst>
+                                          <p:attrName>style.visibility</p:attrName>
+                                        </p:attrNameLst>
+                                      </p:cBhvr>
+                                      <p:to>
+                                        <p:strVal val="visible"/>
+                                      </p:to>
+                                    </p:set>
+                                    <p:animEffect transition="in" filter="fade">
+                                      <p:cBhvr>
+                                        <p:cTn id="12" dur="500"/>
+                                        <p:tgtEl>
+                                          <p:spTgt spid="3">
+                                            <p:txEl>
+                                              <p:pRg st="0" end="0"/>
+                                            </p:txEl>
+                                          </p:spTgt>
+                                        </p:tgtEl>
+                                      </p:cBhvr>
+                                    </p:animEffect>
+                                  </p:childTnLst>
+                                </p:cTn>
+                              </p:par>
+                              <p:par>
+                                <p:cTn id="13" presetID="10" presetClass="entr" presetSubtype="0" fill="hold" grpId="0" nodeType="withEffect">
+                                  <p:stCondLst>
+                                    <p:cond delay="0"/>
+                                  </p:stCondLst>
+                                  <p:childTnLst>
+                                    <p:set>
+                                      <p:cBhvr>
+                                        <p:cTn id="14" dur="1" fill="hold">
+                                          <p:stCondLst>
+                                            <p:cond delay="0"/>
+                                          </p:stCondLst>
+                                        </p:cTn>
+                                        <p:tgtEl>
+                                          <p:spTgt spid="3">
+                                            <p:txEl>
+                                              <p:pRg st="1" end="1"/>
+                                            </p:txEl>
+                                          </p:spTgt>
+                                        </p:tgtEl>
+                                        <p:attrNameLst>
+                                          <p:attrName>style.visibility</p:attrName>
+                                        </p:attrNameLst>
+                                      </p:cBhvr>
+                                      <p:to>
+                                        <p:strVal val="visible"/>
+                                      </p:to>
+                                    </p:set>
+                                    <p:animEffect transition="in" filter="fade">
+                                      <p:cBhvr>
+                                        <p:cTn id="15" dur="500"/>
+                                        <p:tgtEl>
+                                          <p:spTgt spid="3">
+                                            <p:txEl>
+                                              <p:pRg st="1" end="1"/>
+                                            </p:txEl>
+                                          </p:spTgt>
+                                        </p:tgtEl>
+                                      </p:cBhvr>
+                                    </p:animEffect>
+                                  </p:childTnLst>
+                                </p:cTn>
+                              </p:par>
+                              <p:par>
+                                <p:cTn id="16" presetID="10" presetClass="entr" presetSubtype="0" fill="hold" grpId="0" nodeType="withEffect">
+                                  <p:stCondLst>
+                                    <p:cond delay="0"/>
+                                  </p:stCondLst>
+                                  <p:childTnLst>
+                                    <p:set>
+                                      <p:cBhvr>
+                                        <p:cTn id="17" dur="1" fill="hold">
+                                          <p:stCondLst>
+                                            <p:cond delay="0"/>
+                                          </p:stCondLst>
+                                        </p:cTn>
+                                        <p:tgtEl>
+                                          <p:spTgt spid="3">
+                                            <p:txEl>
+                                              <p:pRg st="2" end="2"/>
+                                            </p:txEl>
+                                          </p:spTgt>
+                                        </p:tgtEl>
+                                        <p:attrNameLst>
+                                          <p:attrName>style.visibility</p:attrName>
+                                        </p:attrNameLst>
+                                      </p:cBhvr>
+                                      <p:to>
+                                        <p:strVal val="visible"/>
+                                      </p:to>
+                                    </p:set>
+                                    <p:animEffect transition="in" filter="fade">
+                                      <p:cBhvr>
+                                        <p:cTn id="18" dur="500"/>
+                                        <p:tgtEl>
+                                          <p:spTgt spid="3">
+                                            <p:txEl>
+                                              <p:pRg st="2" end="2"/>
+                                            </p:txEl>
+                                          </p:spTgt>
+                                        </p:tgtEl>
+                                      </p:cBhvr>
+                                    </p:animEffect>
+                                  </p:childTnLst>
+                                </p:cTn>
+                              </p:par>
+                              <p:par>
+                                <p:cTn id="19" presetID="10" presetClass="entr" presetSubtype="0" fill="hold" grpId="0" nodeType="withEffect">
+                                  <p:stCondLst>
+                                    <p:cond delay="0"/>
+                                  </p:stCondLst>
+                                  <p:childTnLst>
+                                    <p:set>
+                                      <p:cBhvr>
+                                        <p:cTn id="20" dur="1" fill="hold">
+                                          <p:stCondLst>
+                                            <p:cond delay="0"/>
+                                          </p:stCondLst>
+                                        </p:cTn>
+                                        <p:tgtEl>
+                                          <p:spTgt spid="3">
+                                            <p:txEl>
+                                              <p:pRg st="3" end="3"/>
+                                            </p:txEl>
+                                          </p:spTgt>
+                                        </p:tgtEl>
+                                        <p:attrNameLst>
+                                          <p:attrName>style.visibility</p:attrName>
+                                        </p:attrNameLst>
+                                      </p:cBhvr>
+                                      <p:to>
+                                        <p:strVal val="visible"/>
+                                      </p:to>
+                                    </p:set>
+                                    <p:animEffect transition="in" filter="fade">
+                                      <p:cBhvr>
+                                        <p:cTn id="21" dur="500"/>
+                                        <p:tgtEl>
+                                          <p:spTgt spid="3">
+                                            <p:txEl>
+                                              <p:pRg st="3" end="3"/>
+                                            </p:txEl>
+                                          </p:spTgt>
+                                        </p:tgtEl>
+                                      </p:cBhvr>
+                                    </p:animEffect>
+                                  </p:childTnLst>
+                                </p:cTn>
+                              </p:par>
+                            </p:childTnLst>
+                          </p:cTn>
+                        </p:par>
+                      </p:childTnLst>
+                    </p:cTn>
+                  </p:par>
+                  <p:par>
+                    <p:cTn id="22" fill="hold">
+                      <p:stCondLst>
+                        <p:cond delay="indefinite"/>
+                      </p:stCondLst>
+                      <p:childTnLst>
+                        <p:par>
+                          <p:cTn id="23" fill="hold">
+                            <p:stCondLst>
+                              <p:cond delay="0"/>
+                            </p:stCondLst>
+                            <p:childTnLst>
+                              <p:par>
+                                <p:cTn id="24" presetID="10" presetClass="entr" presetSubtype="0" fill="hold" grpId="0" nodeType="clickEffect">
+                                  <p:stCondLst>
+                                    <p:cond delay="0"/>
+                                  </p:stCondLst>
+                                  <p:childTnLst>
+                                    <p:set>
+                                      <p:cBhvr>
+                                        <p:cTn id="25" dur="1" fill="hold">
+                                          <p:stCondLst>
+                                            <p:cond delay="0"/>
+                                          </p:stCondLst>
+                                        </p:cTn>
+                                        <p:tgtEl>
+                                          <p:spTgt spid="3">
+                                            <p:txEl>
+                                              <p:pRg st="5" end="5"/>
+                                            </p:txEl>
+                                          </p:spTgt>
+                                        </p:tgtEl>
+                                        <p:attrNameLst>
+                                          <p:attrName>style.visibility</p:attrName>
+                                        </p:attrNameLst>
+                                      </p:cBhvr>
+                                      <p:to>
+                                        <p:strVal val="visible"/>
+                                      </p:to>
+                                    </p:set>
+                                    <p:animEffect transition="in" filter="fade">
+                                      <p:cBhvr>
+                                        <p:cTn id="26" dur="500"/>
+                                        <p:tgtEl>
+                                          <p:spTgt spid="3">
+                                            <p:txEl>
+                                              <p:pRg st="5" end="5"/>
+                                            </p:txEl>
+                                          </p:spTgt>
+                                        </p:tgtEl>
+                                      </p:cBhvr>
+                                    </p:animEffect>
+                                  </p:childTnLst>
+                                </p:cTn>
+                              </p:par>
+                            </p:childTnLst>
+                          </p:cTn>
+                        </p:par>
+                      </p:childTnLst>
+                    </p:cTn>
+                  </p:par>
+                </p:childTnLst>
+              </p:cTn>
+              <p:prevCondLst>
+                <p:cond evt="onPrev" delay="0">
+                  <p:tgtEl>
+                    <p:sldTgt/>
+                  </p:tgtEl>
+                </p:cond>
+              </p:prevCondLst>
+              <p:nextCondLst>
+                <p:cond evt="onNext" delay="0">
+                  <p:tgtEl>
+                    <p:sldTgt/>
+                  </p:tgtEl>
+                </p:cond>
+              </p:nextCondLst>
+            </p:seq>
+          </p:childTnLst>
+        </p:cTn>
+      </p:par>
+    </p:tnLst>
+    <p:bldLst>
+      <p:bldP spid="2" grpId="0"/>
+      <p:bldP spid="3" grpId="0" build="p"/>
+    </p:bldLst>
+  </p:timing>
 </p:sld>
 </file>
 
@@ -4992,7 +7709,7 @@
           <a:p>
             <a:r>
               <a:rPr lang="en-US" dirty="0"/>
-              <a:t>XSS Playground</a:t>
+              <a:t>Validating “is it a number”</a:t>
             </a:r>
             <a:endParaRPr lang="en-CH" dirty="0"/>
           </a:p>
@@ -5021,7 +7738,7 @@
           <a:p>
             <a:r>
               <a:rPr lang="en-US" dirty="0"/>
-              <a:t>Damn Vulnerable Web App</a:t>
+              <a:t>Check that all characters are numbers and maximum one separator</a:t>
             </a:r>
           </a:p>
           <a:p>
@@ -5029,120 +7746,50 @@
           </a:p>
           <a:p>
             <a:r>
-              <a:rPr lang="en-US"/>
-              <a:t>Pygoat</a:t>
-            </a:r>
+              <a:rPr lang="en-US" dirty="0"/>
+              <a:t>Candidates:</a:t>
+            </a:r>
+          </a:p>
+          <a:p>
+            <a:pPr lvl="1"/>
+            <a:r>
+              <a:rPr lang="en-US" dirty="0"/>
+              <a:t>0.3113</a:t>
+            </a:r>
+          </a:p>
+          <a:p>
+            <a:pPr lvl="1"/>
+            <a:r>
+              <a:rPr lang="en-US" dirty="0"/>
+              <a:t>42</a:t>
+            </a:r>
+          </a:p>
+          <a:p>
+            <a:pPr lvl="1"/>
+            <a:r>
+              <a:rPr lang="en-US" dirty="0"/>
+              <a:t>1337</a:t>
+            </a:r>
+          </a:p>
+          <a:p>
+            <a:pPr lvl="1"/>
+            <a:r>
+              <a:rPr lang="en-US" dirty="0"/>
+              <a:t>.1</a:t>
+            </a:r>
+          </a:p>
+          <a:p>
+            <a:pPr lvl="1"/>
+            <a:r>
+              <a:rPr lang="en-US" dirty="0"/>
+              <a:t>420.69</a:t>
+            </a:r>
+          </a:p>
+          <a:p>
             <a:endParaRPr lang="en-US" dirty="0"/>
           </a:p>
           <a:p>
             <a:endParaRPr lang="en-US" dirty="0"/>
-          </a:p>
-          <a:p>
-            <a:endParaRPr lang="en-US" dirty="0"/>
-          </a:p>
-        </p:txBody>
-      </p:sp>
-    </p:spTree>
-    <p:extLst>
-      <p:ext uri="{BB962C8B-B14F-4D97-AF65-F5344CB8AC3E}">
-        <p14:creationId xmlns:p14="http://schemas.microsoft.com/office/powerpoint/2010/main" val="946374237"/>
-      </p:ext>
-    </p:extLst>
-  </p:cSld>
-  <p:clrMapOvr>
-    <a:masterClrMapping/>
-  </p:clrMapOvr>
-</p:sld>
-</file>
-
-<file path=ppt/slides/slide17.xml><?xml version="1.0" encoding="utf-8"?>
-<p:sld xmlns:a="http://schemas.openxmlformats.org/drawingml/2006/main" xmlns:r="http://schemas.openxmlformats.org/officeDocument/2006/relationships" xmlns:p="http://schemas.openxmlformats.org/presentationml/2006/main">
-  <p:cSld>
-    <p:spTree>
-      <p:nvGrpSpPr>
-        <p:cNvPr id="1" name=""/>
-        <p:cNvGrpSpPr/>
-        <p:nvPr/>
-      </p:nvGrpSpPr>
-      <p:grpSpPr>
-        <a:xfrm>
-          <a:off x="0" y="0"/>
-          <a:ext cx="0" cy="0"/>
-          <a:chOff x="0" y="0"/>
-          <a:chExt cx="0" cy="0"/>
-        </a:xfrm>
-      </p:grpSpPr>
-      <p:sp>
-        <p:nvSpPr>
-          <p:cNvPr id="2" name="Title 1">
-            <a:extLst>
-              <a:ext uri="{FF2B5EF4-FFF2-40B4-BE49-F238E27FC236}">
-                <a16:creationId xmlns:a16="http://schemas.microsoft.com/office/drawing/2014/main" id="{6E723F03-2447-47A2-91A9-FDAAFCA731B9}"/>
-              </a:ext>
-            </a:extLst>
-          </p:cNvPr>
-          <p:cNvSpPr>
-            <a:spLocks noGrp="1"/>
-          </p:cNvSpPr>
-          <p:nvPr>
-            <p:ph type="title"/>
-          </p:nvPr>
-        </p:nvSpPr>
-        <p:spPr/>
-        <p:txBody>
-          <a:bodyPr/>
-          <a:lstStyle/>
-          <a:p>
-            <a:r>
-              <a:rPr lang="en-US" dirty="0"/>
-              <a:t>Availability</a:t>
-            </a:r>
-          </a:p>
-        </p:txBody>
-      </p:sp>
-      <p:sp>
-        <p:nvSpPr>
-          <p:cNvPr id="5" name="Content Placeholder 4">
-            <a:extLst>
-              <a:ext uri="{FF2B5EF4-FFF2-40B4-BE49-F238E27FC236}">
-                <a16:creationId xmlns:a16="http://schemas.microsoft.com/office/drawing/2014/main" id="{79CF8910-6973-435E-91F1-60BEA395842C}"/>
-              </a:ext>
-            </a:extLst>
-          </p:cNvPr>
-          <p:cNvSpPr>
-            <a:spLocks noGrp="1"/>
-          </p:cNvSpPr>
-          <p:nvPr>
-            <p:ph idx="1"/>
-          </p:nvPr>
-        </p:nvSpPr>
-        <p:spPr>
-          <a:xfrm>
-            <a:off x="838200" y="1825625"/>
-            <a:ext cx="10515600" cy="523875"/>
-          </a:xfrm>
-        </p:spPr>
-        <p:txBody>
-          <a:bodyPr/>
-          <a:lstStyle/>
-          <a:p>
-            <a:pPr marL="0" indent="0">
-              <a:buNone/>
-            </a:pPr>
-            <a:r>
-              <a:rPr lang="en-US" dirty="0"/>
-              <a:t>Work licensed under Creative Commons : CC-BY-SA (</a:t>
-            </a:r>
-            <a:r>
-              <a:rPr lang="en-US" dirty="0" err="1">
-                <a:hlinkClick r:id="rId3"/>
-              </a:rPr>
-              <a:t>legalcode</a:t>
-            </a:r>
-            <a:r>
-              <a:rPr lang="en-US" dirty="0"/>
-              <a:t>)</a:t>
-            </a:r>
           </a:p>
         </p:txBody>
       </p:sp>
@@ -5151,7 +7798,7 @@
           <p:cNvPr id="4" name="TextBox 3">
             <a:extLst>
               <a:ext uri="{FF2B5EF4-FFF2-40B4-BE49-F238E27FC236}">
-                <a16:creationId xmlns:a16="http://schemas.microsoft.com/office/drawing/2014/main" id="{E0918DD1-0C91-491B-B0B5-F462180A8B66}"/>
+                <a16:creationId xmlns:a16="http://schemas.microsoft.com/office/drawing/2014/main" id="{AF17D8D0-C665-47FD-8E9E-46E8E195BAF7}"/>
               </a:ext>
             </a:extLst>
           </p:cNvPr>
@@ -5196,10 +7843,10 @@
       </p:sp>
       <p:pic>
         <p:nvPicPr>
-          <p:cNvPr id="3" name="Picture 2">
+          <p:cNvPr id="7" name="Picture 6">
             <a:extLst>
               <a:ext uri="{FF2B5EF4-FFF2-40B4-BE49-F238E27FC236}">
-                <a16:creationId xmlns:a16="http://schemas.microsoft.com/office/drawing/2014/main" id="{D8D0D41B-97F1-4F22-A0B5-4A60137ACDD0}"/>
+                <a16:creationId xmlns:a16="http://schemas.microsoft.com/office/drawing/2014/main" id="{1082A6E0-F542-4BF9-99F8-1F7856E67274}"/>
               </a:ext>
             </a:extLst>
           </p:cNvPr>
@@ -5209,141 +7856,25 @@
           <p:nvPr/>
         </p:nvPicPr>
         <p:blipFill>
-          <a:blip r:embed="rId4"/>
+          <a:blip r:embed="rId2"/>
           <a:stretch>
             <a:fillRect/>
           </a:stretch>
         </p:blipFill>
         <p:spPr>
           <a:xfrm>
-            <a:off x="838200" y="4508501"/>
-            <a:ext cx="5266198" cy="1124996"/>
+            <a:off x="4013469" y="5349467"/>
+            <a:ext cx="4165062" cy="827496"/>
           </a:xfrm>
           <a:prstGeom prst="rect">
             <a:avLst/>
           </a:prstGeom>
         </p:spPr>
       </p:pic>
-      <p:grpSp>
-        <p:nvGrpSpPr>
-          <p:cNvPr id="9" name="Group 8">
-            <a:extLst>
-              <a:ext uri="{FF2B5EF4-FFF2-40B4-BE49-F238E27FC236}">
-                <a16:creationId xmlns:a16="http://schemas.microsoft.com/office/drawing/2014/main" id="{0520B612-280A-4223-A894-86DB5E73DA69}"/>
-              </a:ext>
-            </a:extLst>
-          </p:cNvPr>
-          <p:cNvGrpSpPr/>
-          <p:nvPr/>
-        </p:nvGrpSpPr>
-        <p:grpSpPr>
-          <a:xfrm>
-            <a:off x="6867900" y="2602706"/>
-            <a:ext cx="4485900" cy="3409849"/>
-            <a:chOff x="6867900" y="2349500"/>
-            <a:chExt cx="4485900" cy="3409849"/>
-          </a:xfrm>
-        </p:grpSpPr>
-        <p:pic>
-          <p:nvPicPr>
-            <p:cNvPr id="7" name="Picture 6">
-              <a:extLst>
-                <a:ext uri="{FF2B5EF4-FFF2-40B4-BE49-F238E27FC236}">
-                  <a16:creationId xmlns:a16="http://schemas.microsoft.com/office/drawing/2014/main" id="{E8465EA7-C4A1-45B7-9F96-5566408080FE}"/>
-                </a:ext>
-              </a:extLst>
-            </p:cNvPr>
-            <p:cNvPicPr>
-              <a:picLocks noChangeAspect="1"/>
-            </p:cNvPicPr>
-            <p:nvPr/>
-          </p:nvPicPr>
-          <p:blipFill rotWithShape="1">
-            <a:blip r:embed="rId5"/>
-            <a:srcRect b="61693"/>
-            <a:stretch/>
-          </p:blipFill>
-          <p:spPr>
-            <a:xfrm>
-              <a:off x="6867900" y="2349500"/>
-              <a:ext cx="4485900" cy="1500188"/>
-            </a:xfrm>
-            <a:prstGeom prst="rect">
-              <a:avLst/>
-            </a:prstGeom>
-          </p:spPr>
-        </p:pic>
-        <p:pic>
-          <p:nvPicPr>
-            <p:cNvPr id="8" name="Picture 7">
-              <a:extLst>
-                <a:ext uri="{FF2B5EF4-FFF2-40B4-BE49-F238E27FC236}">
-                  <a16:creationId xmlns:a16="http://schemas.microsoft.com/office/drawing/2014/main" id="{D6DF8960-AFA8-4CA3-9C49-6987D4F4CBED}"/>
-                </a:ext>
-              </a:extLst>
-            </p:cNvPr>
-            <p:cNvPicPr>
-              <a:picLocks noChangeAspect="1"/>
-            </p:cNvPicPr>
-            <p:nvPr/>
-          </p:nvPicPr>
-          <p:blipFill rotWithShape="1">
-            <a:blip r:embed="rId5"/>
-            <a:srcRect t="51238"/>
-            <a:stretch/>
-          </p:blipFill>
-          <p:spPr>
-            <a:xfrm>
-              <a:off x="6867900" y="3849688"/>
-              <a:ext cx="4485900" cy="1909661"/>
-            </a:xfrm>
-            <a:prstGeom prst="rect">
-              <a:avLst/>
-            </a:prstGeom>
-          </p:spPr>
-        </p:pic>
-      </p:grpSp>
-      <p:sp>
-        <p:nvSpPr>
-          <p:cNvPr id="10" name="TextBox 9">
-            <a:extLst>
-              <a:ext uri="{FF2B5EF4-FFF2-40B4-BE49-F238E27FC236}">
-                <a16:creationId xmlns:a16="http://schemas.microsoft.com/office/drawing/2014/main" id="{B7EDF901-6F46-4F6D-AC74-F306877D741A}"/>
-              </a:ext>
-            </a:extLst>
-          </p:cNvPr>
-          <p:cNvSpPr txBox="1"/>
-          <p:nvPr/>
-        </p:nvSpPr>
-        <p:spPr>
-          <a:xfrm>
-            <a:off x="1530298" y="3160888"/>
-            <a:ext cx="3882001" cy="584775"/>
-          </a:xfrm>
-          <a:prstGeom prst="rect">
-            <a:avLst/>
-          </a:prstGeom>
-          <a:noFill/>
-        </p:spPr>
-        <p:txBody>
-          <a:bodyPr wrap="square" rtlCol="0">
-            <a:spAutoFit/>
-          </a:bodyPr>
-          <a:lstStyle/>
-          <a:p>
-            <a:pPr algn="ctr"/>
-            <a:r>
-              <a:rPr lang="fr-CH" sz="3200" dirty="0"/>
-              <a:t>Open License</a:t>
-            </a:r>
-            <a:endParaRPr lang="en-CH" sz="3200" dirty="0"/>
-          </a:p>
-        </p:txBody>
-      </p:sp>
     </p:spTree>
     <p:extLst>
       <p:ext uri="{BB962C8B-B14F-4D97-AF65-F5344CB8AC3E}">
-        <p14:creationId xmlns:p14="http://schemas.microsoft.com/office/powerpoint/2010/main" val="2069255591"/>
+        <p14:creationId xmlns:p14="http://schemas.microsoft.com/office/powerpoint/2010/main" val="4180948435"/>
       </p:ext>
     </p:extLst>
   </p:cSld>
@@ -5440,7 +7971,7 @@
                                           </p:stCondLst>
                                         </p:cTn>
                                         <p:tgtEl>
-                                          <p:spTgt spid="5">
+                                          <p:spTgt spid="3">
                                             <p:txEl>
                                               <p:pRg st="0" end="0"/>
                                             </p:txEl>
@@ -5458,7 +7989,7 @@
                                       <p:cBhvr>
                                         <p:cTn id="12" dur="500"/>
                                         <p:tgtEl>
-                                          <p:spTgt spid="5">
+                                          <p:spTgt spid="3">
                                             <p:txEl>
                                               <p:pRg st="0" end="0"/>
                                             </p:txEl>
@@ -5501,7 +8032,11 @@
                                           </p:stCondLst>
                                         </p:cTn>
                                         <p:tgtEl>
-                                          <p:spTgt spid="10"/>
+                                          <p:spTgt spid="3">
+                                            <p:txEl>
+                                              <p:pRg st="2" end="2"/>
+                                            </p:txEl>
+                                          </p:spTgt>
                                         </p:tgtEl>
                                         <p:attrNameLst>
                                           <p:attrName>style.visibility</p:attrName>
@@ -5515,28 +8050,54 @@
                                       <p:cBhvr>
                                         <p:cTn id="17" dur="500"/>
                                         <p:tgtEl>
-                                          <p:spTgt spid="10"/>
+                                          <p:spTgt spid="3">
+                                            <p:txEl>
+                                              <p:pRg st="2" end="2"/>
+                                            </p:txEl>
+                                          </p:spTgt>
                                         </p:tgtEl>
                                       </p:cBhvr>
                                     </p:animEffect>
                                   </p:childTnLst>
                                 </p:cTn>
                               </p:par>
+                            </p:childTnLst>
+                          </p:cTn>
+                        </p:par>
+                      </p:childTnLst>
+                    </p:cTn>
+                  </p:par>
+                  <p:par>
+                    <p:cTn id="18" fill="hold">
+                      <p:stCondLst>
+                        <p:cond delay="indefinite"/>
+                      </p:stCondLst>
+                      <p:childTnLst>
+                        <p:par>
+                          <p:cTn id="19" fill="hold">
+                            <p:stCondLst>
+                              <p:cond delay="0"/>
+                            </p:stCondLst>
+                            <p:childTnLst>
                               <p:par>
-                                <p:cTn id="18" presetID="10" presetClass="entr" presetSubtype="0" fill="hold" nodeType="withEffect">
+                                <p:cTn id="20" presetID="10" presetClass="entr" presetSubtype="0" fill="hold" grpId="0" nodeType="clickEffect">
                                   <p:stCondLst>
                                     <p:cond delay="0"/>
                                   </p:stCondLst>
                                   <p:childTnLst>
                                     <p:set>
                                       <p:cBhvr>
-                                        <p:cTn id="19" dur="1" fill="hold">
+                                        <p:cTn id="21" dur="1" fill="hold">
                                           <p:stCondLst>
                                             <p:cond delay="0"/>
                                           </p:stCondLst>
                                         </p:cTn>
                                         <p:tgtEl>
-                                          <p:spTgt spid="3"/>
+                                          <p:spTgt spid="3">
+                                            <p:txEl>
+                                              <p:pRg st="3" end="3"/>
+                                            </p:txEl>
+                                          </p:spTgt>
                                         </p:tgtEl>
                                         <p:attrNameLst>
                                           <p:attrName>style.visibility</p:attrName>
@@ -5548,30 +8109,56 @@
                                     </p:set>
                                     <p:animEffect transition="in" filter="fade">
                                       <p:cBhvr>
-                                        <p:cTn id="20" dur="500"/>
-                                        <p:tgtEl>
-                                          <p:spTgt spid="3"/>
+                                        <p:cTn id="22" dur="500"/>
+                                        <p:tgtEl>
+                                          <p:spTgt spid="3">
+                                            <p:txEl>
+                                              <p:pRg st="3" end="3"/>
+                                            </p:txEl>
+                                          </p:spTgt>
                                         </p:tgtEl>
                                       </p:cBhvr>
                                     </p:animEffect>
                                   </p:childTnLst>
                                 </p:cTn>
                               </p:par>
+                            </p:childTnLst>
+                          </p:cTn>
+                        </p:par>
+                      </p:childTnLst>
+                    </p:cTn>
+                  </p:par>
+                  <p:par>
+                    <p:cTn id="23" fill="hold">
+                      <p:stCondLst>
+                        <p:cond delay="indefinite"/>
+                      </p:stCondLst>
+                      <p:childTnLst>
+                        <p:par>
+                          <p:cTn id="24" fill="hold">
+                            <p:stCondLst>
+                              <p:cond delay="0"/>
+                            </p:stCondLst>
+                            <p:childTnLst>
                               <p:par>
-                                <p:cTn id="21" presetID="10" presetClass="entr" presetSubtype="0" fill="hold" nodeType="withEffect">
+                                <p:cTn id="25" presetID="10" presetClass="entr" presetSubtype="0" fill="hold" grpId="0" nodeType="clickEffect">
                                   <p:stCondLst>
                                     <p:cond delay="0"/>
                                   </p:stCondLst>
                                   <p:childTnLst>
                                     <p:set>
                                       <p:cBhvr>
-                                        <p:cTn id="22" dur="1" fill="hold">
+                                        <p:cTn id="26" dur="1" fill="hold">
                                           <p:stCondLst>
                                             <p:cond delay="0"/>
                                           </p:stCondLst>
                                         </p:cTn>
                                         <p:tgtEl>
-                                          <p:spTgt spid="9"/>
+                                          <p:spTgt spid="3">
+                                            <p:txEl>
+                                              <p:pRg st="4" end="4"/>
+                                            </p:txEl>
+                                          </p:spTgt>
                                         </p:tgtEl>
                                         <p:attrNameLst>
                                           <p:attrName>style.visibility</p:attrName>
@@ -5583,9 +8170,249 @@
                                     </p:set>
                                     <p:animEffect transition="in" filter="fade">
                                       <p:cBhvr>
-                                        <p:cTn id="23" dur="500"/>
-                                        <p:tgtEl>
-                                          <p:spTgt spid="9"/>
+                                        <p:cTn id="27" dur="500"/>
+                                        <p:tgtEl>
+                                          <p:spTgt spid="3">
+                                            <p:txEl>
+                                              <p:pRg st="4" end="4"/>
+                                            </p:txEl>
+                                          </p:spTgt>
+                                        </p:tgtEl>
+                                      </p:cBhvr>
+                                    </p:animEffect>
+                                  </p:childTnLst>
+                                </p:cTn>
+                              </p:par>
+                            </p:childTnLst>
+                          </p:cTn>
+                        </p:par>
+                      </p:childTnLst>
+                    </p:cTn>
+                  </p:par>
+                  <p:par>
+                    <p:cTn id="28" fill="hold">
+                      <p:stCondLst>
+                        <p:cond delay="indefinite"/>
+                      </p:stCondLst>
+                      <p:childTnLst>
+                        <p:par>
+                          <p:cTn id="29" fill="hold">
+                            <p:stCondLst>
+                              <p:cond delay="0"/>
+                            </p:stCondLst>
+                            <p:childTnLst>
+                              <p:par>
+                                <p:cTn id="30" presetID="10" presetClass="entr" presetSubtype="0" fill="hold" grpId="0" nodeType="clickEffect">
+                                  <p:stCondLst>
+                                    <p:cond delay="0"/>
+                                  </p:stCondLst>
+                                  <p:childTnLst>
+                                    <p:set>
+                                      <p:cBhvr>
+                                        <p:cTn id="31" dur="1" fill="hold">
+                                          <p:stCondLst>
+                                            <p:cond delay="0"/>
+                                          </p:stCondLst>
+                                        </p:cTn>
+                                        <p:tgtEl>
+                                          <p:spTgt spid="3">
+                                            <p:txEl>
+                                              <p:pRg st="5" end="5"/>
+                                            </p:txEl>
+                                          </p:spTgt>
+                                        </p:tgtEl>
+                                        <p:attrNameLst>
+                                          <p:attrName>style.visibility</p:attrName>
+                                        </p:attrNameLst>
+                                      </p:cBhvr>
+                                      <p:to>
+                                        <p:strVal val="visible"/>
+                                      </p:to>
+                                    </p:set>
+                                    <p:animEffect transition="in" filter="fade">
+                                      <p:cBhvr>
+                                        <p:cTn id="32" dur="500"/>
+                                        <p:tgtEl>
+                                          <p:spTgt spid="3">
+                                            <p:txEl>
+                                              <p:pRg st="5" end="5"/>
+                                            </p:txEl>
+                                          </p:spTgt>
+                                        </p:tgtEl>
+                                      </p:cBhvr>
+                                    </p:animEffect>
+                                  </p:childTnLst>
+                                </p:cTn>
+                              </p:par>
+                            </p:childTnLst>
+                          </p:cTn>
+                        </p:par>
+                      </p:childTnLst>
+                    </p:cTn>
+                  </p:par>
+                  <p:par>
+                    <p:cTn id="33" fill="hold">
+                      <p:stCondLst>
+                        <p:cond delay="indefinite"/>
+                      </p:stCondLst>
+                      <p:childTnLst>
+                        <p:par>
+                          <p:cTn id="34" fill="hold">
+                            <p:stCondLst>
+                              <p:cond delay="0"/>
+                            </p:stCondLst>
+                            <p:childTnLst>
+                              <p:par>
+                                <p:cTn id="35" presetID="10" presetClass="entr" presetSubtype="0" fill="hold" grpId="0" nodeType="clickEffect">
+                                  <p:stCondLst>
+                                    <p:cond delay="0"/>
+                                  </p:stCondLst>
+                                  <p:childTnLst>
+                                    <p:set>
+                                      <p:cBhvr>
+                                        <p:cTn id="36" dur="1" fill="hold">
+                                          <p:stCondLst>
+                                            <p:cond delay="0"/>
+                                          </p:stCondLst>
+                                        </p:cTn>
+                                        <p:tgtEl>
+                                          <p:spTgt spid="3">
+                                            <p:txEl>
+                                              <p:pRg st="6" end="6"/>
+                                            </p:txEl>
+                                          </p:spTgt>
+                                        </p:tgtEl>
+                                        <p:attrNameLst>
+                                          <p:attrName>style.visibility</p:attrName>
+                                        </p:attrNameLst>
+                                      </p:cBhvr>
+                                      <p:to>
+                                        <p:strVal val="visible"/>
+                                      </p:to>
+                                    </p:set>
+                                    <p:animEffect transition="in" filter="fade">
+                                      <p:cBhvr>
+                                        <p:cTn id="37" dur="500"/>
+                                        <p:tgtEl>
+                                          <p:spTgt spid="3">
+                                            <p:txEl>
+                                              <p:pRg st="6" end="6"/>
+                                            </p:txEl>
+                                          </p:spTgt>
+                                        </p:tgtEl>
+                                      </p:cBhvr>
+                                    </p:animEffect>
+                                  </p:childTnLst>
+                                </p:cTn>
+                              </p:par>
+                            </p:childTnLst>
+                          </p:cTn>
+                        </p:par>
+                      </p:childTnLst>
+                    </p:cTn>
+                  </p:par>
+                  <p:par>
+                    <p:cTn id="38" fill="hold">
+                      <p:stCondLst>
+                        <p:cond delay="indefinite"/>
+                      </p:stCondLst>
+                      <p:childTnLst>
+                        <p:par>
+                          <p:cTn id="39" fill="hold">
+                            <p:stCondLst>
+                              <p:cond delay="0"/>
+                            </p:stCondLst>
+                            <p:childTnLst>
+                              <p:par>
+                                <p:cTn id="40" presetID="10" presetClass="entr" presetSubtype="0" fill="hold" grpId="0" nodeType="clickEffect">
+                                  <p:stCondLst>
+                                    <p:cond delay="0"/>
+                                  </p:stCondLst>
+                                  <p:childTnLst>
+                                    <p:set>
+                                      <p:cBhvr>
+                                        <p:cTn id="41" dur="1" fill="hold">
+                                          <p:stCondLst>
+                                            <p:cond delay="0"/>
+                                          </p:stCondLst>
+                                        </p:cTn>
+                                        <p:tgtEl>
+                                          <p:spTgt spid="3">
+                                            <p:txEl>
+                                              <p:pRg st="7" end="7"/>
+                                            </p:txEl>
+                                          </p:spTgt>
+                                        </p:tgtEl>
+                                        <p:attrNameLst>
+                                          <p:attrName>style.visibility</p:attrName>
+                                        </p:attrNameLst>
+                                      </p:cBhvr>
+                                      <p:to>
+                                        <p:strVal val="visible"/>
+                                      </p:to>
+                                    </p:set>
+                                    <p:animEffect transition="in" filter="fade">
+                                      <p:cBhvr>
+                                        <p:cTn id="42" dur="500"/>
+                                        <p:tgtEl>
+                                          <p:spTgt spid="3">
+                                            <p:txEl>
+                                              <p:pRg st="7" end="7"/>
+                                            </p:txEl>
+                                          </p:spTgt>
+                                        </p:tgtEl>
+                                      </p:cBhvr>
+                                    </p:animEffect>
+                                  </p:childTnLst>
+                                </p:cTn>
+                              </p:par>
+                            </p:childTnLst>
+                          </p:cTn>
+                        </p:par>
+                      </p:childTnLst>
+                    </p:cTn>
+                  </p:par>
+                  <p:par>
+                    <p:cTn id="43" fill="hold">
+                      <p:stCondLst>
+                        <p:cond delay="indefinite"/>
+                      </p:stCondLst>
+                      <p:childTnLst>
+                        <p:par>
+                          <p:cTn id="44" fill="hold">
+                            <p:stCondLst>
+                              <p:cond delay="0"/>
+                            </p:stCondLst>
+                            <p:childTnLst>
+                              <p:par>
+                                <p:cTn id="45" presetID="10" presetClass="entr" presetSubtype="0" fill="hold" nodeType="clickEffect">
+                                  <p:stCondLst>
+                                    <p:cond delay="0"/>
+                                  </p:stCondLst>
+                                  <p:childTnLst>
+                                    <p:set>
+                                      <p:cBhvr>
+                                        <p:cTn id="46" dur="1" fill="hold">
+                                          <p:stCondLst>
+                                            <p:cond delay="0"/>
+                                          </p:stCondLst>
+                                        </p:cTn>
+                                        <p:tgtEl>
+                                          <p:spTgt spid="7"/>
+                                        </p:tgtEl>
+                                        <p:attrNameLst>
+                                          <p:attrName>style.visibility</p:attrName>
+                                        </p:attrNameLst>
+                                      </p:cBhvr>
+                                      <p:to>
+                                        <p:strVal val="visible"/>
+                                      </p:to>
+                                    </p:set>
+                                    <p:animEffect transition="in" filter="fade">
+                                      <p:cBhvr>
+                                        <p:cTn id="47" dur="500"/>
+                                        <p:tgtEl>
+                                          <p:spTgt spid="7"/>
                                         </p:tgtEl>
                                       </p:cBhvr>
                                     </p:animEffect>
@@ -5621,14 +8448,13 @@
     </p:tnLst>
     <p:bldLst>
       <p:bldP spid="2" grpId="0"/>
-      <p:bldP spid="5" grpId="0" build="p"/>
-      <p:bldP spid="10" grpId="0"/>
+      <p:bldP spid="3" grpId="0" uiExpand="1" build="p"/>
     </p:bldLst>
   </p:timing>
 </p:sld>
 </file>
 
-<file path=ppt/slides/slide18.xml><?xml version="1.0" encoding="utf-8"?>
+<file path=ppt/slides/slide17.xml><?xml version="1.0" encoding="utf-8"?>
 <p:sld xmlns:a="http://schemas.openxmlformats.org/drawingml/2006/main" xmlns:r="http://schemas.openxmlformats.org/officeDocument/2006/relationships" xmlns:p="http://schemas.openxmlformats.org/presentationml/2006/main">
   <p:cSld>
     <p:spTree>
@@ -5647,190 +8473,133 @@
       </p:grpSpPr>
       <p:sp>
         <p:nvSpPr>
-          <p:cNvPr id="26" name="TextBox 25">
+          <p:cNvPr id="2" name="Title 1">
             <a:extLst>
               <a:ext uri="{FF2B5EF4-FFF2-40B4-BE49-F238E27FC236}">
-                <a16:creationId xmlns:a16="http://schemas.microsoft.com/office/drawing/2014/main" id="{45E764EE-9947-47FA-AD1E-FDF879DBCE5F}"/>
+                <a16:creationId xmlns:a16="http://schemas.microsoft.com/office/drawing/2014/main" id="{9F0716FE-931B-4C7A-AF14-4D9B35CF5666}"/>
               </a:ext>
             </a:extLst>
           </p:cNvPr>
-          <p:cNvSpPr txBox="1"/>
-          <p:nvPr/>
+          <p:cNvSpPr>
+            <a:spLocks noGrp="1"/>
+          </p:cNvSpPr>
+          <p:nvPr>
+            <p:ph type="title"/>
+          </p:nvPr>
+        </p:nvSpPr>
+        <p:spPr/>
+        <p:txBody>
+          <a:bodyPr/>
+          <a:lstStyle/>
+          <a:p>
+            <a:r>
+              <a:rPr lang="en-US" dirty="0"/>
+              <a:t>Validating “is it an email”</a:t>
+            </a:r>
+            <a:endParaRPr lang="en-CH" dirty="0"/>
+          </a:p>
+        </p:txBody>
+      </p:sp>
+      <p:sp>
+        <p:nvSpPr>
+          <p:cNvPr id="3" name="Content Placeholder 2">
+            <a:extLst>
+              <a:ext uri="{FF2B5EF4-FFF2-40B4-BE49-F238E27FC236}">
+                <a16:creationId xmlns:a16="http://schemas.microsoft.com/office/drawing/2014/main" id="{5E6363D9-85D0-4A47-9AA6-415BC8105161}"/>
+              </a:ext>
+            </a:extLst>
+          </p:cNvPr>
+          <p:cNvSpPr>
+            <a:spLocks noGrp="1"/>
+          </p:cNvSpPr>
+          <p:nvPr>
+            <p:ph idx="1"/>
+          </p:nvPr>
         </p:nvSpPr>
         <p:spPr>
           <a:xfrm>
-            <a:off x="3048000" y="2521058"/>
-            <a:ext cx="6096000" cy="1815882"/>
+            <a:off x="838200" y="1825625"/>
+            <a:ext cx="10515600" cy="3168406"/>
           </a:xfrm>
-          <a:prstGeom prst="rect">
-            <a:avLst/>
-          </a:prstGeom>
-          <a:noFill/>
         </p:spPr>
         <p:txBody>
-          <a:bodyPr wrap="square">
-            <a:spAutoFit/>
-          </a:bodyPr>
+          <a:bodyPr/>
           <a:lstStyle/>
           <a:p>
-            <a:pPr algn="ctr"/>
-            <a:r>
-              <a:rPr lang="en-US" sz="2800" dirty="0"/>
-              <a:t>Discord : @AtomicNicos#1404</a:t>
-            </a:r>
-          </a:p>
-          <a:p>
-            <a:pPr algn="ctr"/>
-            <a:r>
-              <a:rPr lang="en-US" sz="2800" dirty="0"/>
-              <a:t>Slack : @AtomicNicos</a:t>
-            </a:r>
-          </a:p>
-          <a:p>
-            <a:pPr algn="ctr"/>
-            <a:r>
-              <a:rPr lang="en-US" sz="2800" dirty="0"/>
-              <a:t>Twitter : @AtomicNicos</a:t>
-            </a:r>
-          </a:p>
-          <a:p>
-            <a:pPr algn="ctr"/>
-            <a:r>
-              <a:rPr lang="en-US" sz="2800" dirty="0"/>
-              <a:t>LinkedIn : Nicolas-</a:t>
-            </a:r>
-            <a:r>
-              <a:rPr lang="en-US" sz="2800" dirty="0" err="1"/>
-              <a:t>boeckh</a:t>
-            </a:r>
-            <a:endParaRPr lang="en-US" sz="2800" dirty="0"/>
+            <a:r>
+              <a:rPr lang="en-US" dirty="0"/>
+              <a:t>Alphanumerical sequence with dots, dashes, plus and tildes (“.”, “-”, “+”, “~”), followed by an at symbol (“@”) followed by at least one domain name (size &gt; 0) and one TLD name (size ≥ 2)</a:t>
+            </a:r>
+          </a:p>
+          <a:p>
+            <a:endParaRPr lang="en-US" dirty="0"/>
+          </a:p>
+          <a:p>
+            <a:r>
+              <a:rPr lang="en-US" dirty="0"/>
+              <a:t>Candidates:</a:t>
+            </a:r>
+          </a:p>
+          <a:p>
+            <a:pPr lvl="1"/>
+            <a:r>
+              <a:rPr lang="en-US" dirty="0">
+                <a:hlinkClick r:id="rId2"/>
+              </a:rPr>
+              <a:t>a@b.cd</a:t>
+            </a:r>
+            <a:endParaRPr lang="en-US" dirty="0"/>
+          </a:p>
+          <a:p>
+            <a:pPr lvl="1"/>
+            <a:r>
+              <a:rPr lang="en-US" dirty="0">
+                <a:hlinkClick r:id="rId3"/>
+              </a:rPr>
+              <a:t>a-legit-human_truly+spam@test.somewhere.au</a:t>
+            </a:r>
+            <a:endParaRPr lang="en-US" dirty="0"/>
+          </a:p>
+          <a:p>
+            <a:pPr lvl="1"/>
+            <a:endParaRPr lang="en-CH" dirty="0"/>
           </a:p>
         </p:txBody>
       </p:sp>
       <p:pic>
         <p:nvPicPr>
-          <p:cNvPr id="28" name="Picture 2" descr="Dialogue | Training Journal">
+          <p:cNvPr id="5" name="Picture 4">
             <a:extLst>
               <a:ext uri="{FF2B5EF4-FFF2-40B4-BE49-F238E27FC236}">
-                <a16:creationId xmlns:a16="http://schemas.microsoft.com/office/drawing/2014/main" id="{0FAF135F-4A06-4CD2-9E85-A7752F517C17}"/>
+                <a16:creationId xmlns:a16="http://schemas.microsoft.com/office/drawing/2014/main" id="{E3C10F84-C740-48BE-BB96-2A158F389BEC}"/>
               </a:ext>
             </a:extLst>
           </p:cNvPr>
           <p:cNvPicPr>
-            <a:picLocks noChangeAspect="1" noChangeArrowheads="1"/>
+            <a:picLocks noChangeAspect="1"/>
           </p:cNvPicPr>
           <p:nvPr/>
         </p:nvPicPr>
-        <p:blipFill rotWithShape="1">
-          <a:blip r:embed="rId3">
-            <a:extLst>
-              <a:ext uri="{BEBA8EAE-BF5A-486C-A8C5-ECC9F3942E4B}">
-                <a14:imgProps xmlns:a14="http://schemas.microsoft.com/office/drawing/2010/main">
-                  <a14:imgLayer r:embed="rId4">
-                    <a14:imgEffect>
-                      <a14:backgroundRemoval t="5625" b="90000" l="14355" r="59355">
-                        <a14:foregroundMark x1="25645" y1="73125" x2="25806" y2="77500"/>
-                        <a14:foregroundMark x1="25968" y1="63750" x2="27581" y2="62500"/>
-                        <a14:foregroundMark x1="46774" y1="65938" x2="48226" y2="64688"/>
-                        <a14:foregroundMark x1="47742" y1="76250" x2="48871" y2="74688"/>
-                        <a14:foregroundMark x1="36613" y1="11563" x2="41290" y2="12812"/>
-                        <a14:foregroundMark x1="20161" y1="5625" x2="21613" y2="9375"/>
-                        <a14:foregroundMark x1="14516" y1="17188" x2="14677" y2="25313"/>
-                        <a14:foregroundMark x1="59355" y1="30312" x2="58387" y2="37188"/>
-                        <a14:foregroundMark x1="47903" y1="8750" x2="47903" y2="8750"/>
-                        <a14:foregroundMark x1="49516" y1="10625" x2="49677" y2="10625"/>
-                      </a14:backgroundRemoval>
-                    </a14:imgEffect>
-                  </a14:imgLayer>
-                </a14:imgProps>
-              </a:ext>
-              <a:ext uri="{28A0092B-C50C-407E-A947-70E740481C1C}">
-                <a14:useLocalDpi xmlns:a14="http://schemas.microsoft.com/office/drawing/2010/main" val="0"/>
-              </a:ext>
-            </a:extLst>
-          </a:blip>
-          <a:srcRect l="11207" r="36681"/>
-          <a:stretch/>
+        <p:blipFill>
+          <a:blip r:embed="rId4"/>
+          <a:stretch>
+            <a:fillRect/>
+          </a:stretch>
         </p:blipFill>
-        <p:spPr bwMode="auto">
-          <a:xfrm>
-            <a:off x="9726490" y="2669586"/>
-            <a:ext cx="1533525" cy="1518827"/>
-          </a:xfrm>
-          <a:prstGeom prst="rect">
-            <a:avLst/>
-          </a:prstGeom>
-          <a:noFill/>
-          <a:extLst>
-            <a:ext uri="{909E8E84-426E-40DD-AFC4-6F175D3DCCD1}">
-              <a14:hiddenFill xmlns:a14="http://schemas.microsoft.com/office/drawing/2010/main">
-                <a:solidFill>
-                  <a:srgbClr val="FFFFFF"/>
-                </a:solidFill>
-              </a14:hiddenFill>
-            </a:ext>
-          </a:extLst>
-        </p:spPr>
-      </p:pic>
-      <p:sp>
-        <p:nvSpPr>
-          <p:cNvPr id="30" name="Title 1">
-            <a:extLst>
-              <a:ext uri="{FF2B5EF4-FFF2-40B4-BE49-F238E27FC236}">
-                <a16:creationId xmlns:a16="http://schemas.microsoft.com/office/drawing/2014/main" id="{495D0C0B-2645-461F-81B3-6130084B8DA6}"/>
-              </a:ext>
-            </a:extLst>
-          </p:cNvPr>
-          <p:cNvSpPr txBox="1">
-            <a:spLocks/>
-          </p:cNvSpPr>
-          <p:nvPr/>
-        </p:nvSpPr>
         <p:spPr>
           <a:xfrm>
-            <a:off x="744415" y="2766219"/>
-            <a:ext cx="1533525" cy="1325563"/>
+            <a:off x="2285527" y="5128968"/>
+            <a:ext cx="7620946" cy="1486144"/>
           </a:xfrm>
           <a:prstGeom prst="rect">
             <a:avLst/>
           </a:prstGeom>
         </p:spPr>
-        <p:txBody>
-          <a:bodyPr vert="horz" lIns="91440" tIns="45720" rIns="91440" bIns="45720" rtlCol="0" anchor="ctr">
-            <a:normAutofit/>
-          </a:bodyPr>
-          <a:lstStyle>
-            <a:lvl1pPr algn="l" defTabSz="914400" rtl="0" eaLnBrk="1" latinLnBrk="0" hangingPunct="1">
-              <a:lnSpc>
-                <a:spcPct val="90000"/>
-              </a:lnSpc>
-              <a:spcBef>
-                <a:spcPct val="0"/>
-              </a:spcBef>
-              <a:buNone/>
-              <a:defRPr sz="4400" kern="1200">
-                <a:solidFill>
-                  <a:schemeClr val="tx1"/>
-                </a:solidFill>
-                <a:latin typeface="+mj-lt"/>
-                <a:ea typeface="+mj-ea"/>
-                <a:cs typeface="+mj-cs"/>
-              </a:defRPr>
-            </a:lvl1pPr>
-          </a:lstStyle>
-          <a:p>
-            <a:r>
-              <a:rPr lang="fr-CH" dirty="0"/>
-              <a:t>AMA</a:t>
-            </a:r>
-            <a:endParaRPr lang="en-CH" dirty="0"/>
-          </a:p>
-        </p:txBody>
-      </p:sp>
+      </p:pic>
     </p:spTree>
     <p:extLst>
       <p:ext uri="{BB962C8B-B14F-4D97-AF65-F5344CB8AC3E}">
-        <p14:creationId xmlns:p14="http://schemas.microsoft.com/office/powerpoint/2010/main" val="2780528569"/>
+        <p14:creationId xmlns:p14="http://schemas.microsoft.com/office/powerpoint/2010/main" val="506562856"/>
       </p:ext>
     </p:extLst>
   </p:cSld>
@@ -5849,6 +8618,9 @@
                     <p:cTn id="3" fill="hold">
                       <p:stCondLst>
                         <p:cond delay="indefinite"/>
+                        <p:cond evt="onBegin" delay="0">
+                          <p:tn val="2"/>
+                        </p:cond>
                       </p:stCondLst>
                       <p:childTnLst>
                         <p:par>
@@ -5858,7 +8630,7 @@
                             </p:stCondLst>
                             <p:childTnLst>
                               <p:par>
-                                <p:cTn id="5" presetID="10" presetClass="entr" presetSubtype="0" fill="hold" grpId="0" nodeType="clickEffect">
+                                <p:cTn id="5" presetID="10" presetClass="entr" presetSubtype="0" fill="hold" grpId="0" nodeType="withEffect">
                                   <p:stCondLst>
                                     <p:cond delay="0"/>
                                   </p:stCondLst>
@@ -5871,7 +8643,7 @@
                                           </p:stCondLst>
                                         </p:cTn>
                                         <p:tgtEl>
-                                          <p:spTgt spid="30"/>
+                                          <p:spTgt spid="2"/>
                                         </p:tgtEl>
                                         <p:attrNameLst>
                                           <p:attrName>style.visibility</p:attrName>
@@ -5885,7 +8657,129 @@
                                       <p:cBhvr>
                                         <p:cTn id="7" dur="500"/>
                                         <p:tgtEl>
-                                          <p:spTgt spid="30"/>
+                                          <p:spTgt spid="2"/>
+                                        </p:tgtEl>
+                                      </p:cBhvr>
+                                    </p:animEffect>
+                                  </p:childTnLst>
+                                </p:cTn>
+                              </p:par>
+                            </p:childTnLst>
+                          </p:cTn>
+                        </p:par>
+                      </p:childTnLst>
+                    </p:cTn>
+                  </p:par>
+                  <p:par>
+                    <p:cTn id="8" fill="hold">
+                      <p:stCondLst>
+                        <p:cond delay="indefinite"/>
+                      </p:stCondLst>
+                      <p:childTnLst>
+                        <p:par>
+                          <p:cTn id="9" fill="hold">
+                            <p:stCondLst>
+                              <p:cond delay="0"/>
+                            </p:stCondLst>
+                            <p:childTnLst>
+                              <p:par>
+                                <p:cTn id="10" presetID="10" presetClass="entr" presetSubtype="0" fill="hold" grpId="0" nodeType="clickEffect">
+                                  <p:stCondLst>
+                                    <p:cond delay="0"/>
+                                  </p:stCondLst>
+                                  <p:childTnLst>
+                                    <p:set>
+                                      <p:cBhvr>
+                                        <p:cTn id="11" dur="1" fill="hold">
+                                          <p:stCondLst>
+                                            <p:cond delay="0"/>
+                                          </p:stCondLst>
+                                        </p:cTn>
+                                        <p:tgtEl>
+                                          <p:spTgt spid="3">
+                                            <p:txEl>
+                                              <p:pRg st="0" end="0"/>
+                                            </p:txEl>
+                                          </p:spTgt>
+                                        </p:tgtEl>
+                                        <p:attrNameLst>
+                                          <p:attrName>style.visibility</p:attrName>
+                                        </p:attrNameLst>
+                                      </p:cBhvr>
+                                      <p:to>
+                                        <p:strVal val="visible"/>
+                                      </p:to>
+                                    </p:set>
+                                    <p:animEffect transition="in" filter="fade">
+                                      <p:cBhvr>
+                                        <p:cTn id="12" dur="500"/>
+                                        <p:tgtEl>
+                                          <p:spTgt spid="3">
+                                            <p:txEl>
+                                              <p:pRg st="0" end="0"/>
+                                            </p:txEl>
+                                          </p:spTgt>
+                                        </p:tgtEl>
+                                      </p:cBhvr>
+                                    </p:animEffect>
+                                  </p:childTnLst>
+                                </p:cTn>
+                              </p:par>
+                            </p:childTnLst>
+                          </p:cTn>
+                        </p:par>
+                      </p:childTnLst>
+                    </p:cTn>
+                  </p:par>
+                  <p:par>
+                    <p:cTn id="13" fill="hold">
+                      <p:stCondLst>
+                        <p:cond delay="indefinite"/>
+                      </p:stCondLst>
+                      <p:childTnLst>
+                        <p:par>
+                          <p:cTn id="14" fill="hold">
+                            <p:stCondLst>
+                              <p:cond delay="0"/>
+                            </p:stCondLst>
+                            <p:childTnLst>
+                              <p:par>
+                                <p:cTn id="15" presetID="10" presetClass="entr" presetSubtype="0" fill="hold" grpId="0" nodeType="clickEffect">
+                                  <p:stCondLst>
+                                    <p:cond delay="0"/>
+                                  </p:stCondLst>
+                                  <p:childTnLst>
+                                    <p:set>
+                                      <p:cBhvr>
+                                        <p:cTn id="16" dur="1" fill="hold">
+                                          <p:stCondLst>
+                                            <p:cond delay="0"/>
+                                          </p:stCondLst>
+                                        </p:cTn>
+                                        <p:tgtEl>
+                                          <p:spTgt spid="3">
+                                            <p:txEl>
+                                              <p:pRg st="2" end="2"/>
+                                            </p:txEl>
+                                          </p:spTgt>
+                                        </p:tgtEl>
+                                        <p:attrNameLst>
+                                          <p:attrName>style.visibility</p:attrName>
+                                        </p:attrNameLst>
+                                      </p:cBhvr>
+                                      <p:to>
+                                        <p:strVal val="visible"/>
+                                      </p:to>
+                                    </p:set>
+                                    <p:animEffect transition="in" filter="fade">
+                                      <p:cBhvr>
+                                        <p:cTn id="17" dur="500"/>
+                                        <p:tgtEl>
+                                          <p:spTgt spid="3">
+                                            <p:txEl>
+                                              <p:pRg st="2" end="2"/>
+                                            </p:txEl>
+                                          </p:spTgt>
                                         </p:tgtEl>
                                       </p:cBhvr>
                                     </p:animEffect>
@@ -5893,20 +8787,24 @@
                                 </p:cTn>
                               </p:par>
                               <p:par>
-                                <p:cTn id="8" presetID="10" presetClass="entr" presetSubtype="0" fill="hold" grpId="0" nodeType="withEffect">
+                                <p:cTn id="18" presetID="10" presetClass="entr" presetSubtype="0" fill="hold" grpId="0" nodeType="withEffect">
                                   <p:stCondLst>
                                     <p:cond delay="0"/>
                                   </p:stCondLst>
                                   <p:childTnLst>
                                     <p:set>
                                       <p:cBhvr>
-                                        <p:cTn id="9" dur="1" fill="hold">
+                                        <p:cTn id="19" dur="1" fill="hold">
                                           <p:stCondLst>
                                             <p:cond delay="0"/>
                                           </p:stCondLst>
                                         </p:cTn>
                                         <p:tgtEl>
-                                          <p:spTgt spid="26"/>
+                                          <p:spTgt spid="3">
+                                            <p:txEl>
+                                              <p:pRg st="3" end="3"/>
+                                            </p:txEl>
+                                          </p:spTgt>
                                         </p:tgtEl>
                                         <p:attrNameLst>
                                           <p:attrName>style.visibility</p:attrName>
@@ -5918,9 +8816,13 @@
                                     </p:set>
                                     <p:animEffect transition="in" filter="fade">
                                       <p:cBhvr>
-                                        <p:cTn id="10" dur="500"/>
-                                        <p:tgtEl>
-                                          <p:spTgt spid="26"/>
+                                        <p:cTn id="20" dur="500"/>
+                                        <p:tgtEl>
+                                          <p:spTgt spid="3">
+                                            <p:txEl>
+                                              <p:pRg st="3" end="3"/>
+                                            </p:txEl>
+                                          </p:spTgt>
                                         </p:tgtEl>
                                       </p:cBhvr>
                                     </p:animEffect>
@@ -5928,20 +8830,24 @@
                                 </p:cTn>
                               </p:par>
                               <p:par>
-                                <p:cTn id="11" presetID="10" presetClass="entr" presetSubtype="0" fill="hold" nodeType="withEffect">
+                                <p:cTn id="21" presetID="10" presetClass="entr" presetSubtype="0" fill="hold" grpId="0" nodeType="withEffect">
                                   <p:stCondLst>
                                     <p:cond delay="0"/>
                                   </p:stCondLst>
                                   <p:childTnLst>
                                     <p:set>
                                       <p:cBhvr>
-                                        <p:cTn id="12" dur="1" fill="hold">
+                                        <p:cTn id="22" dur="1" fill="hold">
                                           <p:stCondLst>
                                             <p:cond delay="0"/>
                                           </p:stCondLst>
                                         </p:cTn>
                                         <p:tgtEl>
-                                          <p:spTgt spid="28"/>
+                                          <p:spTgt spid="3">
+                                            <p:txEl>
+                                              <p:pRg st="4" end="4"/>
+                                            </p:txEl>
+                                          </p:spTgt>
                                         </p:tgtEl>
                                         <p:attrNameLst>
                                           <p:attrName>style.visibility</p:attrName>
@@ -5953,9 +8859,66 @@
                                     </p:set>
                                     <p:animEffect transition="in" filter="fade">
                                       <p:cBhvr>
-                                        <p:cTn id="13" dur="500"/>
-                                        <p:tgtEl>
-                                          <p:spTgt spid="28"/>
+                                        <p:cTn id="23" dur="500"/>
+                                        <p:tgtEl>
+                                          <p:spTgt spid="3">
+                                            <p:txEl>
+                                              <p:pRg st="4" end="4"/>
+                                            </p:txEl>
+                                          </p:spTgt>
+                                        </p:tgtEl>
+                                      </p:cBhvr>
+                                    </p:animEffect>
+                                  </p:childTnLst>
+                                </p:cTn>
+                              </p:par>
+                            </p:childTnLst>
+                          </p:cTn>
+                        </p:par>
+                      </p:childTnLst>
+                    </p:cTn>
+                  </p:par>
+                  <p:par>
+                    <p:cTn id="24" fill="hold">
+                      <p:stCondLst>
+                        <p:cond delay="indefinite"/>
+                      </p:stCondLst>
+                      <p:childTnLst>
+                        <p:par>
+                          <p:cTn id="25" fill="hold">
+                            <p:stCondLst>
+                              <p:cond delay="0"/>
+                            </p:stCondLst>
+                            <p:childTnLst>
+                              <p:par>
+                                <p:cTn id="26" presetID="10" presetClass="entr" presetSubtype="0" fill="hold" nodeType="clickEffect">
+                                  <p:stCondLst>
+                                    <p:cond delay="0"/>
+                                  </p:stCondLst>
+                                  <p:childTnLst>
+                                    <p:set>
+                                      <p:cBhvr>
+                                        <p:cTn id="27" dur="1" fill="hold">
+                                          <p:stCondLst>
+                                            <p:cond delay="0"/>
+                                          </p:stCondLst>
+                                        </p:cTn>
+                                        <p:tgtEl>
+                                          <p:spTgt spid="5"/>
+                                        </p:tgtEl>
+                                        <p:attrNameLst>
+                                          <p:attrName>style.visibility</p:attrName>
+                                        </p:attrNameLst>
+                                      </p:cBhvr>
+                                      <p:to>
+                                        <p:strVal val="visible"/>
+                                      </p:to>
+                                    </p:set>
+                                    <p:animEffect transition="in" filter="fade">
+                                      <p:cBhvr>
+                                        <p:cTn id="28" dur="500"/>
+                                        <p:tgtEl>
+                                          <p:spTgt spid="5"/>
                                         </p:tgtEl>
                                       </p:cBhvr>
                                     </p:animEffect>
@@ -5990,8 +8953,884 @@
       </p:par>
     </p:tnLst>
     <p:bldLst>
-      <p:bldP spid="26" grpId="0"/>
-      <p:bldP spid="30" grpId="0"/>
+      <p:bldP spid="2" grpId="0"/>
+      <p:bldP spid="3" grpId="0" build="p"/>
+    </p:bldLst>
+  </p:timing>
+</p:sld>
+</file>
+
+<file path=ppt/slides/slide18.xml><?xml version="1.0" encoding="utf-8"?>
+<p:sld xmlns:a="http://schemas.openxmlformats.org/drawingml/2006/main" xmlns:r="http://schemas.openxmlformats.org/officeDocument/2006/relationships" xmlns:p="http://schemas.openxmlformats.org/presentationml/2006/main">
+  <p:cSld>
+    <p:spTree>
+      <p:nvGrpSpPr>
+        <p:cNvPr id="1" name=""/>
+        <p:cNvGrpSpPr/>
+        <p:nvPr/>
+      </p:nvGrpSpPr>
+      <p:grpSpPr>
+        <a:xfrm>
+          <a:off x="0" y="0"/>
+          <a:ext cx="0" cy="0"/>
+          <a:chOff x="0" y="0"/>
+          <a:chExt cx="0" cy="0"/>
+        </a:xfrm>
+      </p:grpSpPr>
+      <p:sp>
+        <p:nvSpPr>
+          <p:cNvPr id="2" name="Title 1">
+            <a:extLst>
+              <a:ext uri="{FF2B5EF4-FFF2-40B4-BE49-F238E27FC236}">
+                <a16:creationId xmlns:a16="http://schemas.microsoft.com/office/drawing/2014/main" id="{B119560B-5DF9-49BD-946E-404C047019B1}"/>
+              </a:ext>
+            </a:extLst>
+          </p:cNvPr>
+          <p:cNvSpPr>
+            <a:spLocks noGrp="1"/>
+          </p:cNvSpPr>
+          <p:nvPr>
+            <p:ph type="title"/>
+          </p:nvPr>
+        </p:nvSpPr>
+        <p:spPr/>
+        <p:txBody>
+          <a:bodyPr/>
+          <a:lstStyle/>
+          <a:p>
+            <a:r>
+              <a:rPr lang="en-US" dirty="0"/>
+              <a:t>Playground</a:t>
+            </a:r>
+            <a:endParaRPr lang="en-CH" dirty="0"/>
+          </a:p>
+        </p:txBody>
+      </p:sp>
+      <p:sp>
+        <p:nvSpPr>
+          <p:cNvPr id="3" name="Content Placeholder 2">
+            <a:extLst>
+              <a:ext uri="{FF2B5EF4-FFF2-40B4-BE49-F238E27FC236}">
+                <a16:creationId xmlns:a16="http://schemas.microsoft.com/office/drawing/2014/main" id="{3863C739-E7C5-4D63-990E-4D4FB3303F88}"/>
+              </a:ext>
+            </a:extLst>
+          </p:cNvPr>
+          <p:cNvSpPr>
+            <a:spLocks noGrp="1"/>
+          </p:cNvSpPr>
+          <p:nvPr>
+            <p:ph idx="1"/>
+          </p:nvPr>
+        </p:nvSpPr>
+        <p:spPr/>
+        <p:txBody>
+          <a:bodyPr anchor="ctr"/>
+          <a:lstStyle/>
+          <a:p>
+            <a:r>
+              <a:rPr lang="en-US" dirty="0"/>
+              <a:t>Damn Vulnerable Web App</a:t>
+            </a:r>
+          </a:p>
+          <a:p>
+            <a:endParaRPr lang="en-US" dirty="0"/>
+          </a:p>
+          <a:p>
+            <a:r>
+              <a:rPr lang="en-US" dirty="0"/>
+              <a:t>Various challenges</a:t>
+            </a:r>
+          </a:p>
+        </p:txBody>
+      </p:sp>
+      <p:sp>
+        <p:nvSpPr>
+          <p:cNvPr id="4" name="TextBox 3">
+            <a:extLst>
+              <a:ext uri="{FF2B5EF4-FFF2-40B4-BE49-F238E27FC236}">
+                <a16:creationId xmlns:a16="http://schemas.microsoft.com/office/drawing/2014/main" id="{1E3E01AE-CACF-4C32-AC3A-97E89D304E4F}"/>
+              </a:ext>
+            </a:extLst>
+          </p:cNvPr>
+          <p:cNvSpPr txBox="1"/>
+          <p:nvPr/>
+        </p:nvSpPr>
+        <p:spPr>
+          <a:xfrm>
+            <a:off x="0" y="6396335"/>
+            <a:ext cx="2103121" cy="461665"/>
+          </a:xfrm>
+          <a:prstGeom prst="rect">
+            <a:avLst/>
+          </a:prstGeom>
+          <a:noFill/>
+        </p:spPr>
+        <p:txBody>
+          <a:bodyPr wrap="square">
+            <a:spAutoFit/>
+          </a:bodyPr>
+          <a:lstStyle/>
+          <a:p>
+            <a:r>
+              <a:rPr lang="en-US" sz="2400" dirty="0">
+                <a:solidFill>
+                  <a:schemeClr val="tx2">
+                    <a:lumMod val="75000"/>
+                  </a:schemeClr>
+                </a:solidFill>
+              </a:rPr>
+              <a:t>@AtomicNicos</a:t>
+            </a:r>
+            <a:endParaRPr lang="en-CH" sz="2400" dirty="0">
+              <a:solidFill>
+                <a:schemeClr val="tx2">
+                  <a:lumMod val="75000"/>
+                </a:schemeClr>
+              </a:solidFill>
+            </a:endParaRPr>
+          </a:p>
+        </p:txBody>
+      </p:sp>
+    </p:spTree>
+    <p:extLst>
+      <p:ext uri="{BB962C8B-B14F-4D97-AF65-F5344CB8AC3E}">
+        <p14:creationId xmlns:p14="http://schemas.microsoft.com/office/powerpoint/2010/main" val="946374237"/>
+      </p:ext>
+    </p:extLst>
+  </p:cSld>
+  <p:clrMapOvr>
+    <a:masterClrMapping/>
+  </p:clrMapOvr>
+  <p:timing>
+    <p:tnLst>
+      <p:par>
+        <p:cTn id="1" dur="indefinite" restart="never" nodeType="tmRoot">
+          <p:childTnLst>
+            <p:seq concurrent="1" nextAc="seek">
+              <p:cTn id="2" dur="indefinite" nodeType="mainSeq">
+                <p:childTnLst>
+                  <p:par>
+                    <p:cTn id="3" fill="hold">
+                      <p:stCondLst>
+                        <p:cond delay="indefinite"/>
+                        <p:cond evt="onBegin" delay="0">
+                          <p:tn val="2"/>
+                        </p:cond>
+                      </p:stCondLst>
+                      <p:childTnLst>
+                        <p:par>
+                          <p:cTn id="4" fill="hold">
+                            <p:stCondLst>
+                              <p:cond delay="0"/>
+                            </p:stCondLst>
+                            <p:childTnLst>
+                              <p:par>
+                                <p:cTn id="5" presetID="10" presetClass="entr" presetSubtype="0" fill="hold" grpId="0" nodeType="withEffect">
+                                  <p:stCondLst>
+                                    <p:cond delay="0"/>
+                                  </p:stCondLst>
+                                  <p:childTnLst>
+                                    <p:set>
+                                      <p:cBhvr>
+                                        <p:cTn id="6" dur="1" fill="hold">
+                                          <p:stCondLst>
+                                            <p:cond delay="0"/>
+                                          </p:stCondLst>
+                                        </p:cTn>
+                                        <p:tgtEl>
+                                          <p:spTgt spid="2"/>
+                                        </p:tgtEl>
+                                        <p:attrNameLst>
+                                          <p:attrName>style.visibility</p:attrName>
+                                        </p:attrNameLst>
+                                      </p:cBhvr>
+                                      <p:to>
+                                        <p:strVal val="visible"/>
+                                      </p:to>
+                                    </p:set>
+                                    <p:animEffect transition="in" filter="fade">
+                                      <p:cBhvr>
+                                        <p:cTn id="7" dur="500"/>
+                                        <p:tgtEl>
+                                          <p:spTgt spid="2"/>
+                                        </p:tgtEl>
+                                      </p:cBhvr>
+                                    </p:animEffect>
+                                  </p:childTnLst>
+                                </p:cTn>
+                              </p:par>
+                            </p:childTnLst>
+                          </p:cTn>
+                        </p:par>
+                      </p:childTnLst>
+                    </p:cTn>
+                  </p:par>
+                  <p:par>
+                    <p:cTn id="8" fill="hold">
+                      <p:stCondLst>
+                        <p:cond delay="indefinite"/>
+                      </p:stCondLst>
+                      <p:childTnLst>
+                        <p:par>
+                          <p:cTn id="9" fill="hold">
+                            <p:stCondLst>
+                              <p:cond delay="0"/>
+                            </p:stCondLst>
+                            <p:childTnLst>
+                              <p:par>
+                                <p:cTn id="10" presetID="10" presetClass="entr" presetSubtype="0" fill="hold" grpId="0" nodeType="clickEffect">
+                                  <p:stCondLst>
+                                    <p:cond delay="0"/>
+                                  </p:stCondLst>
+                                  <p:childTnLst>
+                                    <p:set>
+                                      <p:cBhvr>
+                                        <p:cTn id="11" dur="1" fill="hold">
+                                          <p:stCondLst>
+                                            <p:cond delay="0"/>
+                                          </p:stCondLst>
+                                        </p:cTn>
+                                        <p:tgtEl>
+                                          <p:spTgt spid="3">
+                                            <p:txEl>
+                                              <p:pRg st="0" end="0"/>
+                                            </p:txEl>
+                                          </p:spTgt>
+                                        </p:tgtEl>
+                                        <p:attrNameLst>
+                                          <p:attrName>style.visibility</p:attrName>
+                                        </p:attrNameLst>
+                                      </p:cBhvr>
+                                      <p:to>
+                                        <p:strVal val="visible"/>
+                                      </p:to>
+                                    </p:set>
+                                    <p:animEffect transition="in" filter="fade">
+                                      <p:cBhvr>
+                                        <p:cTn id="12" dur="500"/>
+                                        <p:tgtEl>
+                                          <p:spTgt spid="3">
+                                            <p:txEl>
+                                              <p:pRg st="0" end="0"/>
+                                            </p:txEl>
+                                          </p:spTgt>
+                                        </p:tgtEl>
+                                      </p:cBhvr>
+                                    </p:animEffect>
+                                  </p:childTnLst>
+                                </p:cTn>
+                              </p:par>
+                            </p:childTnLst>
+                          </p:cTn>
+                        </p:par>
+                      </p:childTnLst>
+                    </p:cTn>
+                  </p:par>
+                  <p:par>
+                    <p:cTn id="13" fill="hold">
+                      <p:stCondLst>
+                        <p:cond delay="indefinite"/>
+                      </p:stCondLst>
+                      <p:childTnLst>
+                        <p:par>
+                          <p:cTn id="14" fill="hold">
+                            <p:stCondLst>
+                              <p:cond delay="0"/>
+                            </p:stCondLst>
+                            <p:childTnLst>
+                              <p:par>
+                                <p:cTn id="15" presetID="10" presetClass="entr" presetSubtype="0" fill="hold" grpId="0" nodeType="clickEffect">
+                                  <p:stCondLst>
+                                    <p:cond delay="0"/>
+                                  </p:stCondLst>
+                                  <p:childTnLst>
+                                    <p:set>
+                                      <p:cBhvr>
+                                        <p:cTn id="16" dur="1" fill="hold">
+                                          <p:stCondLst>
+                                            <p:cond delay="0"/>
+                                          </p:stCondLst>
+                                        </p:cTn>
+                                        <p:tgtEl>
+                                          <p:spTgt spid="3">
+                                            <p:txEl>
+                                              <p:pRg st="2" end="2"/>
+                                            </p:txEl>
+                                          </p:spTgt>
+                                        </p:tgtEl>
+                                        <p:attrNameLst>
+                                          <p:attrName>style.visibility</p:attrName>
+                                        </p:attrNameLst>
+                                      </p:cBhvr>
+                                      <p:to>
+                                        <p:strVal val="visible"/>
+                                      </p:to>
+                                    </p:set>
+                                    <p:animEffect transition="in" filter="fade">
+                                      <p:cBhvr>
+                                        <p:cTn id="17" dur="500"/>
+                                        <p:tgtEl>
+                                          <p:spTgt spid="3">
+                                            <p:txEl>
+                                              <p:pRg st="2" end="2"/>
+                                            </p:txEl>
+                                          </p:spTgt>
+                                        </p:tgtEl>
+                                      </p:cBhvr>
+                                    </p:animEffect>
+                                  </p:childTnLst>
+                                </p:cTn>
+                              </p:par>
+                            </p:childTnLst>
+                          </p:cTn>
+                        </p:par>
+                      </p:childTnLst>
+                    </p:cTn>
+                  </p:par>
+                </p:childTnLst>
+              </p:cTn>
+              <p:prevCondLst>
+                <p:cond evt="onPrev" delay="0">
+                  <p:tgtEl>
+                    <p:sldTgt/>
+                  </p:tgtEl>
+                </p:cond>
+              </p:prevCondLst>
+              <p:nextCondLst>
+                <p:cond evt="onNext" delay="0">
+                  <p:tgtEl>
+                    <p:sldTgt/>
+                  </p:tgtEl>
+                </p:cond>
+              </p:nextCondLst>
+            </p:seq>
+          </p:childTnLst>
+        </p:cTn>
+      </p:par>
+    </p:tnLst>
+    <p:bldLst>
+      <p:bldP spid="2" grpId="0"/>
+      <p:bldP spid="3" grpId="0" build="p"/>
+    </p:bldLst>
+  </p:timing>
+</p:sld>
+</file>
+
+<file path=ppt/slides/slide19.xml><?xml version="1.0" encoding="utf-8"?>
+<p:sld xmlns:a="http://schemas.openxmlformats.org/drawingml/2006/main" xmlns:r="http://schemas.openxmlformats.org/officeDocument/2006/relationships" xmlns:p="http://schemas.openxmlformats.org/presentationml/2006/main">
+  <p:cSld>
+    <p:spTree>
+      <p:nvGrpSpPr>
+        <p:cNvPr id="1" name=""/>
+        <p:cNvGrpSpPr/>
+        <p:nvPr/>
+      </p:nvGrpSpPr>
+      <p:grpSpPr>
+        <a:xfrm>
+          <a:off x="0" y="0"/>
+          <a:ext cx="0" cy="0"/>
+          <a:chOff x="0" y="0"/>
+          <a:chExt cx="0" cy="0"/>
+        </a:xfrm>
+      </p:grpSpPr>
+      <p:sp>
+        <p:nvSpPr>
+          <p:cNvPr id="2" name="Title 1">
+            <a:extLst>
+              <a:ext uri="{FF2B5EF4-FFF2-40B4-BE49-F238E27FC236}">
+                <a16:creationId xmlns:a16="http://schemas.microsoft.com/office/drawing/2014/main" id="{90483C70-98CB-49DD-AF94-855B25D37CC6}"/>
+              </a:ext>
+            </a:extLst>
+          </p:cNvPr>
+          <p:cNvSpPr>
+            <a:spLocks noGrp="1"/>
+          </p:cNvSpPr>
+          <p:nvPr>
+            <p:ph type="title"/>
+          </p:nvPr>
+        </p:nvSpPr>
+        <p:spPr/>
+        <p:txBody>
+          <a:bodyPr/>
+          <a:lstStyle/>
+          <a:p>
+            <a:r>
+              <a:rPr lang="en-US" dirty="0"/>
+              <a:t>Installing Docker</a:t>
+            </a:r>
+            <a:endParaRPr lang="en-CH" dirty="0"/>
+          </a:p>
+        </p:txBody>
+      </p:sp>
+      <p:sp>
+        <p:nvSpPr>
+          <p:cNvPr id="3" name="Content Placeholder 2">
+            <a:extLst>
+              <a:ext uri="{FF2B5EF4-FFF2-40B4-BE49-F238E27FC236}">
+                <a16:creationId xmlns:a16="http://schemas.microsoft.com/office/drawing/2014/main" id="{FE10C416-3595-4862-B0AE-023092E47C24}"/>
+              </a:ext>
+            </a:extLst>
+          </p:cNvPr>
+          <p:cNvSpPr>
+            <a:spLocks noGrp="1"/>
+          </p:cNvSpPr>
+          <p:nvPr>
+            <p:ph idx="1"/>
+          </p:nvPr>
+        </p:nvSpPr>
+        <p:spPr>
+          <a:xfrm>
+            <a:off x="838200" y="1825625"/>
+            <a:ext cx="10515600" cy="2277452"/>
+          </a:xfrm>
+        </p:spPr>
+        <p:txBody>
+          <a:bodyPr>
+            <a:normAutofit fontScale="92500" lnSpcReduction="10000"/>
+          </a:bodyPr>
+          <a:lstStyle/>
+          <a:p>
+            <a:r>
+              <a:rPr lang="en-US" dirty="0"/>
+              <a:t>Go to </a:t>
+            </a:r>
+            <a:r>
+              <a:rPr lang="en-US" dirty="0">
+                <a:hlinkClick r:id="rId2"/>
+              </a:rPr>
+              <a:t>https://www.docker.com/get-started</a:t>
+            </a:r>
+            <a:endParaRPr lang="en-US" dirty="0"/>
+          </a:p>
+          <a:p>
+            <a:endParaRPr lang="en-US" dirty="0"/>
+          </a:p>
+          <a:p>
+            <a:r>
+              <a:rPr lang="en-US" dirty="0" err="1"/>
+              <a:t>MacOSX</a:t>
+            </a:r>
+            <a:r>
+              <a:rPr lang="en-US" dirty="0"/>
+              <a:t> and Windows – Download and install Docker Desktop</a:t>
+            </a:r>
+          </a:p>
+          <a:p>
+            <a:endParaRPr lang="en-US" dirty="0"/>
+          </a:p>
+          <a:p>
+            <a:r>
+              <a:rPr lang="en-US" dirty="0"/>
+              <a:t>Linux: Run the following commands</a:t>
+            </a:r>
+          </a:p>
+          <a:p>
+            <a:endParaRPr lang="en-US" dirty="0"/>
+          </a:p>
+          <a:p>
+            <a:endParaRPr lang="en-CH" dirty="0"/>
+          </a:p>
+        </p:txBody>
+      </p:sp>
+      <p:pic>
+        <p:nvPicPr>
+          <p:cNvPr id="7" name="Picture 6" descr="Text&#10;&#10;Description automatically generated">
+            <a:extLst>
+              <a:ext uri="{FF2B5EF4-FFF2-40B4-BE49-F238E27FC236}">
+                <a16:creationId xmlns:a16="http://schemas.microsoft.com/office/drawing/2014/main" id="{FA31D8C2-2D9B-4529-99C7-C435C4CDB461}"/>
+              </a:ext>
+            </a:extLst>
+          </p:cNvPr>
+          <p:cNvPicPr>
+            <a:picLocks noChangeAspect="1"/>
+          </p:cNvPicPr>
+          <p:nvPr/>
+        </p:nvPicPr>
+        <p:blipFill rotWithShape="1">
+          <a:blip r:embed="rId3">
+            <a:extLst>
+              <a:ext uri="{28A0092B-C50C-407E-A947-70E740481C1C}">
+                <a14:useLocalDpi xmlns:a14="http://schemas.microsoft.com/office/drawing/2010/main" val="0"/>
+              </a:ext>
+            </a:extLst>
+          </a:blip>
+          <a:srcRect l="6439" t="19023" r="6209" b="19024"/>
+          <a:stretch/>
+        </p:blipFill>
+        <p:spPr>
+          <a:xfrm>
+            <a:off x="1652953" y="4238014"/>
+            <a:ext cx="8886093" cy="2171563"/>
+          </a:xfrm>
+          <a:prstGeom prst="rect">
+            <a:avLst/>
+          </a:prstGeom>
+        </p:spPr>
+      </p:pic>
+      <p:sp>
+        <p:nvSpPr>
+          <p:cNvPr id="8" name="TextBox 7">
+            <a:extLst>
+              <a:ext uri="{FF2B5EF4-FFF2-40B4-BE49-F238E27FC236}">
+                <a16:creationId xmlns:a16="http://schemas.microsoft.com/office/drawing/2014/main" id="{5090864C-2329-4A6A-8E94-727940A8199F}"/>
+              </a:ext>
+            </a:extLst>
+          </p:cNvPr>
+          <p:cNvSpPr txBox="1"/>
+          <p:nvPr/>
+        </p:nvSpPr>
+        <p:spPr>
+          <a:xfrm>
+            <a:off x="0" y="6396335"/>
+            <a:ext cx="2103121" cy="461665"/>
+          </a:xfrm>
+          <a:prstGeom prst="rect">
+            <a:avLst/>
+          </a:prstGeom>
+          <a:noFill/>
+        </p:spPr>
+        <p:txBody>
+          <a:bodyPr wrap="square">
+            <a:spAutoFit/>
+          </a:bodyPr>
+          <a:lstStyle/>
+          <a:p>
+            <a:r>
+              <a:rPr lang="en-US" sz="2400" dirty="0">
+                <a:solidFill>
+                  <a:schemeClr val="tx2">
+                    <a:lumMod val="75000"/>
+                  </a:schemeClr>
+                </a:solidFill>
+              </a:rPr>
+              <a:t>@AtomicNicos</a:t>
+            </a:r>
+            <a:endParaRPr lang="en-CH" sz="2400" dirty="0">
+              <a:solidFill>
+                <a:schemeClr val="tx2">
+                  <a:lumMod val="75000"/>
+                </a:schemeClr>
+              </a:solidFill>
+            </a:endParaRPr>
+          </a:p>
+        </p:txBody>
+      </p:sp>
+    </p:spTree>
+    <p:extLst>
+      <p:ext uri="{BB962C8B-B14F-4D97-AF65-F5344CB8AC3E}">
+        <p14:creationId xmlns:p14="http://schemas.microsoft.com/office/powerpoint/2010/main" val="3502761786"/>
+      </p:ext>
+    </p:extLst>
+  </p:cSld>
+  <p:clrMapOvr>
+    <a:masterClrMapping/>
+  </p:clrMapOvr>
+  <p:timing>
+    <p:tnLst>
+      <p:par>
+        <p:cTn id="1" dur="indefinite" restart="never" nodeType="tmRoot">
+          <p:childTnLst>
+            <p:seq concurrent="1" nextAc="seek">
+              <p:cTn id="2" dur="indefinite" nodeType="mainSeq">
+                <p:childTnLst>
+                  <p:par>
+                    <p:cTn id="3" fill="hold">
+                      <p:stCondLst>
+                        <p:cond delay="indefinite"/>
+                        <p:cond evt="onBegin" delay="0">
+                          <p:tn val="2"/>
+                        </p:cond>
+                      </p:stCondLst>
+                      <p:childTnLst>
+                        <p:par>
+                          <p:cTn id="4" fill="hold">
+                            <p:stCondLst>
+                              <p:cond delay="0"/>
+                            </p:stCondLst>
+                            <p:childTnLst>
+                              <p:par>
+                                <p:cTn id="5" presetID="10" presetClass="entr" presetSubtype="0" fill="hold" grpId="0" nodeType="withEffect">
+                                  <p:stCondLst>
+                                    <p:cond delay="0"/>
+                                  </p:stCondLst>
+                                  <p:childTnLst>
+                                    <p:set>
+                                      <p:cBhvr>
+                                        <p:cTn id="6" dur="1" fill="hold">
+                                          <p:stCondLst>
+                                            <p:cond delay="0"/>
+                                          </p:stCondLst>
+                                        </p:cTn>
+                                        <p:tgtEl>
+                                          <p:spTgt spid="2"/>
+                                        </p:tgtEl>
+                                        <p:attrNameLst>
+                                          <p:attrName>style.visibility</p:attrName>
+                                        </p:attrNameLst>
+                                      </p:cBhvr>
+                                      <p:to>
+                                        <p:strVal val="visible"/>
+                                      </p:to>
+                                    </p:set>
+                                    <p:animEffect transition="in" filter="fade">
+                                      <p:cBhvr>
+                                        <p:cTn id="7" dur="500"/>
+                                        <p:tgtEl>
+                                          <p:spTgt spid="2"/>
+                                        </p:tgtEl>
+                                      </p:cBhvr>
+                                    </p:animEffect>
+                                  </p:childTnLst>
+                                </p:cTn>
+                              </p:par>
+                            </p:childTnLst>
+                          </p:cTn>
+                        </p:par>
+                      </p:childTnLst>
+                    </p:cTn>
+                  </p:par>
+                  <p:par>
+                    <p:cTn id="8" fill="hold">
+                      <p:stCondLst>
+                        <p:cond delay="indefinite"/>
+                      </p:stCondLst>
+                      <p:childTnLst>
+                        <p:par>
+                          <p:cTn id="9" fill="hold">
+                            <p:stCondLst>
+                              <p:cond delay="0"/>
+                            </p:stCondLst>
+                            <p:childTnLst>
+                              <p:par>
+                                <p:cTn id="10" presetID="10" presetClass="entr" presetSubtype="0" fill="hold" grpId="0" nodeType="clickEffect">
+                                  <p:stCondLst>
+                                    <p:cond delay="0"/>
+                                  </p:stCondLst>
+                                  <p:childTnLst>
+                                    <p:set>
+                                      <p:cBhvr>
+                                        <p:cTn id="11" dur="1" fill="hold">
+                                          <p:stCondLst>
+                                            <p:cond delay="0"/>
+                                          </p:stCondLst>
+                                        </p:cTn>
+                                        <p:tgtEl>
+                                          <p:spTgt spid="3">
+                                            <p:txEl>
+                                              <p:pRg st="0" end="0"/>
+                                            </p:txEl>
+                                          </p:spTgt>
+                                        </p:tgtEl>
+                                        <p:attrNameLst>
+                                          <p:attrName>style.visibility</p:attrName>
+                                        </p:attrNameLst>
+                                      </p:cBhvr>
+                                      <p:to>
+                                        <p:strVal val="visible"/>
+                                      </p:to>
+                                    </p:set>
+                                    <p:animEffect transition="in" filter="fade">
+                                      <p:cBhvr>
+                                        <p:cTn id="12" dur="500"/>
+                                        <p:tgtEl>
+                                          <p:spTgt spid="3">
+                                            <p:txEl>
+                                              <p:pRg st="0" end="0"/>
+                                            </p:txEl>
+                                          </p:spTgt>
+                                        </p:tgtEl>
+                                      </p:cBhvr>
+                                    </p:animEffect>
+                                  </p:childTnLst>
+                                </p:cTn>
+                              </p:par>
+                            </p:childTnLst>
+                          </p:cTn>
+                        </p:par>
+                      </p:childTnLst>
+                    </p:cTn>
+                  </p:par>
+                  <p:par>
+                    <p:cTn id="13" fill="hold">
+                      <p:stCondLst>
+                        <p:cond delay="indefinite"/>
+                      </p:stCondLst>
+                      <p:childTnLst>
+                        <p:par>
+                          <p:cTn id="14" fill="hold">
+                            <p:stCondLst>
+                              <p:cond delay="0"/>
+                            </p:stCondLst>
+                            <p:childTnLst>
+                              <p:par>
+                                <p:cTn id="15" presetID="10" presetClass="entr" presetSubtype="0" fill="hold" grpId="0" nodeType="clickEffect">
+                                  <p:stCondLst>
+                                    <p:cond delay="0"/>
+                                  </p:stCondLst>
+                                  <p:childTnLst>
+                                    <p:set>
+                                      <p:cBhvr>
+                                        <p:cTn id="16" dur="1" fill="hold">
+                                          <p:stCondLst>
+                                            <p:cond delay="0"/>
+                                          </p:stCondLst>
+                                        </p:cTn>
+                                        <p:tgtEl>
+                                          <p:spTgt spid="3">
+                                            <p:txEl>
+                                              <p:pRg st="2" end="2"/>
+                                            </p:txEl>
+                                          </p:spTgt>
+                                        </p:tgtEl>
+                                        <p:attrNameLst>
+                                          <p:attrName>style.visibility</p:attrName>
+                                        </p:attrNameLst>
+                                      </p:cBhvr>
+                                      <p:to>
+                                        <p:strVal val="visible"/>
+                                      </p:to>
+                                    </p:set>
+                                    <p:animEffect transition="in" filter="fade">
+                                      <p:cBhvr>
+                                        <p:cTn id="17" dur="500"/>
+                                        <p:tgtEl>
+                                          <p:spTgt spid="3">
+                                            <p:txEl>
+                                              <p:pRg st="2" end="2"/>
+                                            </p:txEl>
+                                          </p:spTgt>
+                                        </p:tgtEl>
+                                      </p:cBhvr>
+                                    </p:animEffect>
+                                  </p:childTnLst>
+                                </p:cTn>
+                              </p:par>
+                            </p:childTnLst>
+                          </p:cTn>
+                        </p:par>
+                      </p:childTnLst>
+                    </p:cTn>
+                  </p:par>
+                  <p:par>
+                    <p:cTn id="18" fill="hold">
+                      <p:stCondLst>
+                        <p:cond delay="indefinite"/>
+                      </p:stCondLst>
+                      <p:childTnLst>
+                        <p:par>
+                          <p:cTn id="19" fill="hold">
+                            <p:stCondLst>
+                              <p:cond delay="0"/>
+                            </p:stCondLst>
+                            <p:childTnLst>
+                              <p:par>
+                                <p:cTn id="20" presetID="10" presetClass="entr" presetSubtype="0" fill="hold" grpId="0" nodeType="clickEffect">
+                                  <p:stCondLst>
+                                    <p:cond delay="0"/>
+                                  </p:stCondLst>
+                                  <p:childTnLst>
+                                    <p:set>
+                                      <p:cBhvr>
+                                        <p:cTn id="21" dur="1" fill="hold">
+                                          <p:stCondLst>
+                                            <p:cond delay="0"/>
+                                          </p:stCondLst>
+                                        </p:cTn>
+                                        <p:tgtEl>
+                                          <p:spTgt spid="3">
+                                            <p:txEl>
+                                              <p:pRg st="4" end="4"/>
+                                            </p:txEl>
+                                          </p:spTgt>
+                                        </p:tgtEl>
+                                        <p:attrNameLst>
+                                          <p:attrName>style.visibility</p:attrName>
+                                        </p:attrNameLst>
+                                      </p:cBhvr>
+                                      <p:to>
+                                        <p:strVal val="visible"/>
+                                      </p:to>
+                                    </p:set>
+                                    <p:animEffect transition="in" filter="fade">
+                                      <p:cBhvr>
+                                        <p:cTn id="22" dur="500"/>
+                                        <p:tgtEl>
+                                          <p:spTgt spid="3">
+                                            <p:txEl>
+                                              <p:pRg st="4" end="4"/>
+                                            </p:txEl>
+                                          </p:spTgt>
+                                        </p:tgtEl>
+                                      </p:cBhvr>
+                                    </p:animEffect>
+                                  </p:childTnLst>
+                                </p:cTn>
+                              </p:par>
+                              <p:par>
+                                <p:cTn id="23" presetID="10" presetClass="entr" presetSubtype="0" fill="hold" nodeType="withEffect">
+                                  <p:stCondLst>
+                                    <p:cond delay="0"/>
+                                  </p:stCondLst>
+                                  <p:childTnLst>
+                                    <p:set>
+                                      <p:cBhvr>
+                                        <p:cTn id="24" dur="1" fill="hold">
+                                          <p:stCondLst>
+                                            <p:cond delay="0"/>
+                                          </p:stCondLst>
+                                        </p:cTn>
+                                        <p:tgtEl>
+                                          <p:spTgt spid="7"/>
+                                        </p:tgtEl>
+                                        <p:attrNameLst>
+                                          <p:attrName>style.visibility</p:attrName>
+                                        </p:attrNameLst>
+                                      </p:cBhvr>
+                                      <p:to>
+                                        <p:strVal val="visible"/>
+                                      </p:to>
+                                    </p:set>
+                                    <p:animEffect transition="in" filter="fade">
+                                      <p:cBhvr>
+                                        <p:cTn id="25" dur="500"/>
+                                        <p:tgtEl>
+                                          <p:spTgt spid="7"/>
+                                        </p:tgtEl>
+                                      </p:cBhvr>
+                                    </p:animEffect>
+                                  </p:childTnLst>
+                                </p:cTn>
+                              </p:par>
+                            </p:childTnLst>
+                          </p:cTn>
+                        </p:par>
+                      </p:childTnLst>
+                    </p:cTn>
+                  </p:par>
+                </p:childTnLst>
+              </p:cTn>
+              <p:prevCondLst>
+                <p:cond evt="onPrev" delay="0">
+                  <p:tgtEl>
+                    <p:sldTgt/>
+                  </p:tgtEl>
+                </p:cond>
+              </p:prevCondLst>
+              <p:nextCondLst>
+                <p:cond evt="onNext" delay="0">
+                  <p:tgtEl>
+                    <p:sldTgt/>
+                  </p:tgtEl>
+                </p:cond>
+              </p:nextCondLst>
+            </p:seq>
+          </p:childTnLst>
+        </p:cTn>
+      </p:par>
+    </p:tnLst>
+    <p:bldLst>
+      <p:bldP spid="2" grpId="0"/>
+      <p:bldP spid="3" grpId="0" build="p"/>
     </p:bldLst>
   </p:timing>
 </p:sld>
@@ -6636,6 +10475,1552 @@
 </p:sld>
 </file>
 
+<file path=ppt/slides/slide20.xml><?xml version="1.0" encoding="utf-8"?>
+<p:sld xmlns:a="http://schemas.openxmlformats.org/drawingml/2006/main" xmlns:r="http://schemas.openxmlformats.org/officeDocument/2006/relationships" xmlns:p="http://schemas.openxmlformats.org/presentationml/2006/main">
+  <p:cSld>
+    <p:spTree>
+      <p:nvGrpSpPr>
+        <p:cNvPr id="1" name=""/>
+        <p:cNvGrpSpPr/>
+        <p:nvPr/>
+      </p:nvGrpSpPr>
+      <p:grpSpPr>
+        <a:xfrm>
+          <a:off x="0" y="0"/>
+          <a:ext cx="0" cy="0"/>
+          <a:chOff x="0" y="0"/>
+          <a:chExt cx="0" cy="0"/>
+        </a:xfrm>
+      </p:grpSpPr>
+      <p:sp>
+        <p:nvSpPr>
+          <p:cNvPr id="2" name="Title 1">
+            <a:extLst>
+              <a:ext uri="{FF2B5EF4-FFF2-40B4-BE49-F238E27FC236}">
+                <a16:creationId xmlns:a16="http://schemas.microsoft.com/office/drawing/2014/main" id="{90483C70-98CB-49DD-AF94-855B25D37CC6}"/>
+              </a:ext>
+            </a:extLst>
+          </p:cNvPr>
+          <p:cNvSpPr>
+            <a:spLocks noGrp="1"/>
+          </p:cNvSpPr>
+          <p:nvPr>
+            <p:ph type="title"/>
+          </p:nvPr>
+        </p:nvSpPr>
+        <p:spPr/>
+        <p:txBody>
+          <a:bodyPr/>
+          <a:lstStyle/>
+          <a:p>
+            <a:r>
+              <a:rPr lang="en-US" dirty="0"/>
+              <a:t>Downloading/running the workshop materials</a:t>
+            </a:r>
+            <a:endParaRPr lang="en-CH" dirty="0"/>
+          </a:p>
+        </p:txBody>
+      </p:sp>
+      <p:sp>
+        <p:nvSpPr>
+          <p:cNvPr id="3" name="Content Placeholder 2">
+            <a:extLst>
+              <a:ext uri="{FF2B5EF4-FFF2-40B4-BE49-F238E27FC236}">
+                <a16:creationId xmlns:a16="http://schemas.microsoft.com/office/drawing/2014/main" id="{FE10C416-3595-4862-B0AE-023092E47C24}"/>
+              </a:ext>
+            </a:extLst>
+          </p:cNvPr>
+          <p:cNvSpPr>
+            <a:spLocks noGrp="1"/>
+          </p:cNvSpPr>
+          <p:nvPr>
+            <p:ph idx="1"/>
+          </p:nvPr>
+        </p:nvSpPr>
+        <p:spPr>
+          <a:xfrm>
+            <a:off x="838200" y="1825625"/>
+            <a:ext cx="10515600" cy="4364160"/>
+          </a:xfrm>
+        </p:spPr>
+        <p:txBody>
+          <a:bodyPr>
+            <a:normAutofit/>
+          </a:bodyPr>
+          <a:lstStyle/>
+          <a:p>
+            <a:r>
+              <a:rPr lang="en-US" dirty="0"/>
+              <a:t>Go to </a:t>
+            </a:r>
+            <a:r>
+              <a:rPr lang="en-US" dirty="0">
+                <a:hlinkClick r:id="rId2"/>
+              </a:rPr>
+              <a:t>https://github.com/AtomicNicos/bsides-ncl-workshop</a:t>
+            </a:r>
+            <a:endParaRPr lang="en-US" dirty="0"/>
+          </a:p>
+          <a:p>
+            <a:endParaRPr lang="en-US" dirty="0"/>
+          </a:p>
+          <a:p>
+            <a:r>
+              <a:rPr lang="en-US" dirty="0"/>
+              <a:t>Either git clone it or click on the zip file and download/extract that.</a:t>
+            </a:r>
+          </a:p>
+          <a:p>
+            <a:endParaRPr lang="en-US" dirty="0"/>
+          </a:p>
+          <a:p>
+            <a:r>
+              <a:rPr lang="en-US" dirty="0"/>
+              <a:t>Execute the run.sh (</a:t>
+            </a:r>
+            <a:r>
+              <a:rPr lang="en-US" dirty="0" err="1"/>
+              <a:t>MacOSx</a:t>
+            </a:r>
+            <a:r>
+              <a:rPr lang="en-US" dirty="0"/>
+              <a:t> and Linux) or run.bat (Windows) in your default shell environment.</a:t>
+            </a:r>
+          </a:p>
+          <a:p>
+            <a:endParaRPr lang="en-US" dirty="0"/>
+          </a:p>
+          <a:p>
+            <a:r>
+              <a:rPr lang="en-US" dirty="0"/>
+              <a:t>When you are done, execute kill.sh / kill.bat</a:t>
+            </a:r>
+          </a:p>
+          <a:p>
+            <a:endParaRPr lang="en-CH" dirty="0"/>
+          </a:p>
+        </p:txBody>
+      </p:sp>
+      <p:pic>
+        <p:nvPicPr>
+          <p:cNvPr id="5" name="Picture 4">
+            <a:extLst>
+              <a:ext uri="{FF2B5EF4-FFF2-40B4-BE49-F238E27FC236}">
+                <a16:creationId xmlns:a16="http://schemas.microsoft.com/office/drawing/2014/main" id="{AB70F63C-4739-45B9-9D6F-CF16A8E5F547}"/>
+              </a:ext>
+            </a:extLst>
+          </p:cNvPr>
+          <p:cNvPicPr>
+            <a:picLocks noChangeAspect="1"/>
+          </p:cNvPicPr>
+          <p:nvPr/>
+        </p:nvPicPr>
+        <p:blipFill>
+          <a:blip r:embed="rId3"/>
+          <a:stretch>
+            <a:fillRect/>
+          </a:stretch>
+        </p:blipFill>
+        <p:spPr>
+          <a:xfrm>
+            <a:off x="8031040" y="4613334"/>
+            <a:ext cx="3322760" cy="1879541"/>
+          </a:xfrm>
+          <a:prstGeom prst="rect">
+            <a:avLst/>
+          </a:prstGeom>
+        </p:spPr>
+      </p:pic>
+      <p:sp>
+        <p:nvSpPr>
+          <p:cNvPr id="8" name="TextBox 7">
+            <a:extLst>
+              <a:ext uri="{FF2B5EF4-FFF2-40B4-BE49-F238E27FC236}">
+                <a16:creationId xmlns:a16="http://schemas.microsoft.com/office/drawing/2014/main" id="{89A065BC-17AB-4254-B84C-519C5781AF82}"/>
+              </a:ext>
+            </a:extLst>
+          </p:cNvPr>
+          <p:cNvSpPr txBox="1"/>
+          <p:nvPr/>
+        </p:nvSpPr>
+        <p:spPr>
+          <a:xfrm>
+            <a:off x="0" y="6396335"/>
+            <a:ext cx="2103121" cy="461665"/>
+          </a:xfrm>
+          <a:prstGeom prst="rect">
+            <a:avLst/>
+          </a:prstGeom>
+          <a:noFill/>
+        </p:spPr>
+        <p:txBody>
+          <a:bodyPr wrap="square">
+            <a:spAutoFit/>
+          </a:bodyPr>
+          <a:lstStyle/>
+          <a:p>
+            <a:r>
+              <a:rPr lang="en-US" sz="2400" dirty="0">
+                <a:solidFill>
+                  <a:schemeClr val="tx2">
+                    <a:lumMod val="75000"/>
+                  </a:schemeClr>
+                </a:solidFill>
+              </a:rPr>
+              <a:t>@AtomicNicos</a:t>
+            </a:r>
+            <a:endParaRPr lang="en-CH" sz="2400" dirty="0">
+              <a:solidFill>
+                <a:schemeClr val="tx2">
+                  <a:lumMod val="75000"/>
+                </a:schemeClr>
+              </a:solidFill>
+            </a:endParaRPr>
+          </a:p>
+        </p:txBody>
+      </p:sp>
+    </p:spTree>
+    <p:extLst>
+      <p:ext uri="{BB962C8B-B14F-4D97-AF65-F5344CB8AC3E}">
+        <p14:creationId xmlns:p14="http://schemas.microsoft.com/office/powerpoint/2010/main" val="337019081"/>
+      </p:ext>
+    </p:extLst>
+  </p:cSld>
+  <p:clrMapOvr>
+    <a:masterClrMapping/>
+  </p:clrMapOvr>
+  <p:timing>
+    <p:tnLst>
+      <p:par>
+        <p:cTn id="1" dur="indefinite" restart="never" nodeType="tmRoot">
+          <p:childTnLst>
+            <p:seq concurrent="1" nextAc="seek">
+              <p:cTn id="2" dur="indefinite" nodeType="mainSeq">
+                <p:childTnLst>
+                  <p:par>
+                    <p:cTn id="3" fill="hold">
+                      <p:stCondLst>
+                        <p:cond delay="indefinite"/>
+                        <p:cond evt="onBegin" delay="0">
+                          <p:tn val="2"/>
+                        </p:cond>
+                      </p:stCondLst>
+                      <p:childTnLst>
+                        <p:par>
+                          <p:cTn id="4" fill="hold">
+                            <p:stCondLst>
+                              <p:cond delay="0"/>
+                            </p:stCondLst>
+                            <p:childTnLst>
+                              <p:par>
+                                <p:cTn id="5" presetID="10" presetClass="entr" presetSubtype="0" fill="hold" grpId="0" nodeType="withEffect">
+                                  <p:stCondLst>
+                                    <p:cond delay="0"/>
+                                  </p:stCondLst>
+                                  <p:childTnLst>
+                                    <p:set>
+                                      <p:cBhvr>
+                                        <p:cTn id="6" dur="1" fill="hold">
+                                          <p:stCondLst>
+                                            <p:cond delay="0"/>
+                                          </p:stCondLst>
+                                        </p:cTn>
+                                        <p:tgtEl>
+                                          <p:spTgt spid="2"/>
+                                        </p:tgtEl>
+                                        <p:attrNameLst>
+                                          <p:attrName>style.visibility</p:attrName>
+                                        </p:attrNameLst>
+                                      </p:cBhvr>
+                                      <p:to>
+                                        <p:strVal val="visible"/>
+                                      </p:to>
+                                    </p:set>
+                                    <p:animEffect transition="in" filter="fade">
+                                      <p:cBhvr>
+                                        <p:cTn id="7" dur="500"/>
+                                        <p:tgtEl>
+                                          <p:spTgt spid="2"/>
+                                        </p:tgtEl>
+                                      </p:cBhvr>
+                                    </p:animEffect>
+                                  </p:childTnLst>
+                                </p:cTn>
+                              </p:par>
+                            </p:childTnLst>
+                          </p:cTn>
+                        </p:par>
+                      </p:childTnLst>
+                    </p:cTn>
+                  </p:par>
+                  <p:par>
+                    <p:cTn id="8" fill="hold">
+                      <p:stCondLst>
+                        <p:cond delay="indefinite"/>
+                      </p:stCondLst>
+                      <p:childTnLst>
+                        <p:par>
+                          <p:cTn id="9" fill="hold">
+                            <p:stCondLst>
+                              <p:cond delay="0"/>
+                            </p:stCondLst>
+                            <p:childTnLst>
+                              <p:par>
+                                <p:cTn id="10" presetID="10" presetClass="entr" presetSubtype="0" fill="hold" grpId="0" nodeType="clickEffect">
+                                  <p:stCondLst>
+                                    <p:cond delay="0"/>
+                                  </p:stCondLst>
+                                  <p:childTnLst>
+                                    <p:set>
+                                      <p:cBhvr>
+                                        <p:cTn id="11" dur="1" fill="hold">
+                                          <p:stCondLst>
+                                            <p:cond delay="0"/>
+                                          </p:stCondLst>
+                                        </p:cTn>
+                                        <p:tgtEl>
+                                          <p:spTgt spid="3">
+                                            <p:txEl>
+                                              <p:pRg st="0" end="0"/>
+                                            </p:txEl>
+                                          </p:spTgt>
+                                        </p:tgtEl>
+                                        <p:attrNameLst>
+                                          <p:attrName>style.visibility</p:attrName>
+                                        </p:attrNameLst>
+                                      </p:cBhvr>
+                                      <p:to>
+                                        <p:strVal val="visible"/>
+                                      </p:to>
+                                    </p:set>
+                                    <p:animEffect transition="in" filter="fade">
+                                      <p:cBhvr>
+                                        <p:cTn id="12" dur="500"/>
+                                        <p:tgtEl>
+                                          <p:spTgt spid="3">
+                                            <p:txEl>
+                                              <p:pRg st="0" end="0"/>
+                                            </p:txEl>
+                                          </p:spTgt>
+                                        </p:tgtEl>
+                                      </p:cBhvr>
+                                    </p:animEffect>
+                                  </p:childTnLst>
+                                </p:cTn>
+                              </p:par>
+                            </p:childTnLst>
+                          </p:cTn>
+                        </p:par>
+                      </p:childTnLst>
+                    </p:cTn>
+                  </p:par>
+                  <p:par>
+                    <p:cTn id="13" fill="hold">
+                      <p:stCondLst>
+                        <p:cond delay="indefinite"/>
+                      </p:stCondLst>
+                      <p:childTnLst>
+                        <p:par>
+                          <p:cTn id="14" fill="hold">
+                            <p:stCondLst>
+                              <p:cond delay="0"/>
+                            </p:stCondLst>
+                            <p:childTnLst>
+                              <p:par>
+                                <p:cTn id="15" presetID="10" presetClass="entr" presetSubtype="0" fill="hold" grpId="0" nodeType="clickEffect">
+                                  <p:stCondLst>
+                                    <p:cond delay="0"/>
+                                  </p:stCondLst>
+                                  <p:childTnLst>
+                                    <p:set>
+                                      <p:cBhvr>
+                                        <p:cTn id="16" dur="1" fill="hold">
+                                          <p:stCondLst>
+                                            <p:cond delay="0"/>
+                                          </p:stCondLst>
+                                        </p:cTn>
+                                        <p:tgtEl>
+                                          <p:spTgt spid="3">
+                                            <p:txEl>
+                                              <p:pRg st="2" end="2"/>
+                                            </p:txEl>
+                                          </p:spTgt>
+                                        </p:tgtEl>
+                                        <p:attrNameLst>
+                                          <p:attrName>style.visibility</p:attrName>
+                                        </p:attrNameLst>
+                                      </p:cBhvr>
+                                      <p:to>
+                                        <p:strVal val="visible"/>
+                                      </p:to>
+                                    </p:set>
+                                    <p:animEffect transition="in" filter="fade">
+                                      <p:cBhvr>
+                                        <p:cTn id="17" dur="500"/>
+                                        <p:tgtEl>
+                                          <p:spTgt spid="3">
+                                            <p:txEl>
+                                              <p:pRg st="2" end="2"/>
+                                            </p:txEl>
+                                          </p:spTgt>
+                                        </p:tgtEl>
+                                      </p:cBhvr>
+                                    </p:animEffect>
+                                  </p:childTnLst>
+                                </p:cTn>
+                              </p:par>
+                            </p:childTnLst>
+                          </p:cTn>
+                        </p:par>
+                      </p:childTnLst>
+                    </p:cTn>
+                  </p:par>
+                  <p:par>
+                    <p:cTn id="18" fill="hold">
+                      <p:stCondLst>
+                        <p:cond delay="indefinite"/>
+                      </p:stCondLst>
+                      <p:childTnLst>
+                        <p:par>
+                          <p:cTn id="19" fill="hold">
+                            <p:stCondLst>
+                              <p:cond delay="0"/>
+                            </p:stCondLst>
+                            <p:childTnLst>
+                              <p:par>
+                                <p:cTn id="20" presetID="10" presetClass="entr" presetSubtype="0" fill="hold" grpId="0" nodeType="clickEffect">
+                                  <p:stCondLst>
+                                    <p:cond delay="0"/>
+                                  </p:stCondLst>
+                                  <p:childTnLst>
+                                    <p:set>
+                                      <p:cBhvr>
+                                        <p:cTn id="21" dur="1" fill="hold">
+                                          <p:stCondLst>
+                                            <p:cond delay="0"/>
+                                          </p:stCondLst>
+                                        </p:cTn>
+                                        <p:tgtEl>
+                                          <p:spTgt spid="3">
+                                            <p:txEl>
+                                              <p:pRg st="4" end="4"/>
+                                            </p:txEl>
+                                          </p:spTgt>
+                                        </p:tgtEl>
+                                        <p:attrNameLst>
+                                          <p:attrName>style.visibility</p:attrName>
+                                        </p:attrNameLst>
+                                      </p:cBhvr>
+                                      <p:to>
+                                        <p:strVal val="visible"/>
+                                      </p:to>
+                                    </p:set>
+                                    <p:animEffect transition="in" filter="fade">
+                                      <p:cBhvr>
+                                        <p:cTn id="22" dur="500"/>
+                                        <p:tgtEl>
+                                          <p:spTgt spid="3">
+                                            <p:txEl>
+                                              <p:pRg st="4" end="4"/>
+                                            </p:txEl>
+                                          </p:spTgt>
+                                        </p:tgtEl>
+                                      </p:cBhvr>
+                                    </p:animEffect>
+                                  </p:childTnLst>
+                                </p:cTn>
+                              </p:par>
+                            </p:childTnLst>
+                          </p:cTn>
+                        </p:par>
+                      </p:childTnLst>
+                    </p:cTn>
+                  </p:par>
+                  <p:par>
+                    <p:cTn id="23" fill="hold">
+                      <p:stCondLst>
+                        <p:cond delay="indefinite"/>
+                      </p:stCondLst>
+                      <p:childTnLst>
+                        <p:par>
+                          <p:cTn id="24" fill="hold">
+                            <p:stCondLst>
+                              <p:cond delay="0"/>
+                            </p:stCondLst>
+                            <p:childTnLst>
+                              <p:par>
+                                <p:cTn id="25" presetID="10" presetClass="entr" presetSubtype="0" fill="hold" nodeType="clickEffect">
+                                  <p:stCondLst>
+                                    <p:cond delay="0"/>
+                                  </p:stCondLst>
+                                  <p:childTnLst>
+                                    <p:set>
+                                      <p:cBhvr>
+                                        <p:cTn id="26" dur="1" fill="hold">
+                                          <p:stCondLst>
+                                            <p:cond delay="0"/>
+                                          </p:stCondLst>
+                                        </p:cTn>
+                                        <p:tgtEl>
+                                          <p:spTgt spid="5"/>
+                                        </p:tgtEl>
+                                        <p:attrNameLst>
+                                          <p:attrName>style.visibility</p:attrName>
+                                        </p:attrNameLst>
+                                      </p:cBhvr>
+                                      <p:to>
+                                        <p:strVal val="visible"/>
+                                      </p:to>
+                                    </p:set>
+                                    <p:animEffect transition="in" filter="fade">
+                                      <p:cBhvr>
+                                        <p:cTn id="27" dur="500"/>
+                                        <p:tgtEl>
+                                          <p:spTgt spid="5"/>
+                                        </p:tgtEl>
+                                      </p:cBhvr>
+                                    </p:animEffect>
+                                  </p:childTnLst>
+                                </p:cTn>
+                              </p:par>
+                            </p:childTnLst>
+                          </p:cTn>
+                        </p:par>
+                      </p:childTnLst>
+                    </p:cTn>
+                  </p:par>
+                  <p:par>
+                    <p:cTn id="28" fill="hold">
+                      <p:stCondLst>
+                        <p:cond delay="indefinite"/>
+                      </p:stCondLst>
+                      <p:childTnLst>
+                        <p:par>
+                          <p:cTn id="29" fill="hold">
+                            <p:stCondLst>
+                              <p:cond delay="0"/>
+                            </p:stCondLst>
+                            <p:childTnLst>
+                              <p:par>
+                                <p:cTn id="30" presetID="10" presetClass="entr" presetSubtype="0" fill="hold" grpId="0" nodeType="clickEffect">
+                                  <p:stCondLst>
+                                    <p:cond delay="0"/>
+                                  </p:stCondLst>
+                                  <p:childTnLst>
+                                    <p:set>
+                                      <p:cBhvr>
+                                        <p:cTn id="31" dur="1" fill="hold">
+                                          <p:stCondLst>
+                                            <p:cond delay="0"/>
+                                          </p:stCondLst>
+                                        </p:cTn>
+                                        <p:tgtEl>
+                                          <p:spTgt spid="3">
+                                            <p:txEl>
+                                              <p:pRg st="6" end="6"/>
+                                            </p:txEl>
+                                          </p:spTgt>
+                                        </p:tgtEl>
+                                        <p:attrNameLst>
+                                          <p:attrName>style.visibility</p:attrName>
+                                        </p:attrNameLst>
+                                      </p:cBhvr>
+                                      <p:to>
+                                        <p:strVal val="visible"/>
+                                      </p:to>
+                                    </p:set>
+                                    <p:animEffect transition="in" filter="fade">
+                                      <p:cBhvr>
+                                        <p:cTn id="32" dur="500"/>
+                                        <p:tgtEl>
+                                          <p:spTgt spid="3">
+                                            <p:txEl>
+                                              <p:pRg st="6" end="6"/>
+                                            </p:txEl>
+                                          </p:spTgt>
+                                        </p:tgtEl>
+                                      </p:cBhvr>
+                                    </p:animEffect>
+                                  </p:childTnLst>
+                                </p:cTn>
+                              </p:par>
+                            </p:childTnLst>
+                          </p:cTn>
+                        </p:par>
+                      </p:childTnLst>
+                    </p:cTn>
+                  </p:par>
+                </p:childTnLst>
+              </p:cTn>
+              <p:prevCondLst>
+                <p:cond evt="onPrev" delay="0">
+                  <p:tgtEl>
+                    <p:sldTgt/>
+                  </p:tgtEl>
+                </p:cond>
+              </p:prevCondLst>
+              <p:nextCondLst>
+                <p:cond evt="onNext" delay="0">
+                  <p:tgtEl>
+                    <p:sldTgt/>
+                  </p:tgtEl>
+                </p:cond>
+              </p:nextCondLst>
+            </p:seq>
+          </p:childTnLst>
+        </p:cTn>
+      </p:par>
+    </p:tnLst>
+    <p:bldLst>
+      <p:bldP spid="2" grpId="0"/>
+      <p:bldP spid="3" grpId="0" uiExpand="1" build="p"/>
+    </p:bldLst>
+  </p:timing>
+</p:sld>
+</file>
+
+<file path=ppt/slides/slide21.xml><?xml version="1.0" encoding="utf-8"?>
+<p:sld xmlns:a="http://schemas.openxmlformats.org/drawingml/2006/main" xmlns:r="http://schemas.openxmlformats.org/officeDocument/2006/relationships" xmlns:p="http://schemas.openxmlformats.org/presentationml/2006/main">
+  <p:cSld>
+    <p:spTree>
+      <p:nvGrpSpPr>
+        <p:cNvPr id="1" name=""/>
+        <p:cNvGrpSpPr/>
+        <p:nvPr/>
+      </p:nvGrpSpPr>
+      <p:grpSpPr>
+        <a:xfrm>
+          <a:off x="0" y="0"/>
+          <a:ext cx="0" cy="0"/>
+          <a:chOff x="0" y="0"/>
+          <a:chExt cx="0" cy="0"/>
+        </a:xfrm>
+      </p:grpSpPr>
+      <p:sp>
+        <p:nvSpPr>
+          <p:cNvPr id="2" name="Title 1">
+            <a:extLst>
+              <a:ext uri="{FF2B5EF4-FFF2-40B4-BE49-F238E27FC236}">
+                <a16:creationId xmlns:a16="http://schemas.microsoft.com/office/drawing/2014/main" id="{6E723F03-2447-47A2-91A9-FDAAFCA731B9}"/>
+              </a:ext>
+            </a:extLst>
+          </p:cNvPr>
+          <p:cNvSpPr>
+            <a:spLocks noGrp="1"/>
+          </p:cNvSpPr>
+          <p:nvPr>
+            <p:ph type="title"/>
+          </p:nvPr>
+        </p:nvSpPr>
+        <p:spPr/>
+        <p:txBody>
+          <a:bodyPr/>
+          <a:lstStyle/>
+          <a:p>
+            <a:r>
+              <a:rPr lang="en-US" dirty="0"/>
+              <a:t>Availability</a:t>
+            </a:r>
+          </a:p>
+        </p:txBody>
+      </p:sp>
+      <p:sp>
+        <p:nvSpPr>
+          <p:cNvPr id="5" name="Content Placeholder 4">
+            <a:extLst>
+              <a:ext uri="{FF2B5EF4-FFF2-40B4-BE49-F238E27FC236}">
+                <a16:creationId xmlns:a16="http://schemas.microsoft.com/office/drawing/2014/main" id="{79CF8910-6973-435E-91F1-60BEA395842C}"/>
+              </a:ext>
+            </a:extLst>
+          </p:cNvPr>
+          <p:cNvSpPr>
+            <a:spLocks noGrp="1"/>
+          </p:cNvSpPr>
+          <p:nvPr>
+            <p:ph idx="1"/>
+          </p:nvPr>
+        </p:nvSpPr>
+        <p:spPr>
+          <a:xfrm>
+            <a:off x="838200" y="1825625"/>
+            <a:ext cx="10515600" cy="523875"/>
+          </a:xfrm>
+        </p:spPr>
+        <p:txBody>
+          <a:bodyPr/>
+          <a:lstStyle/>
+          <a:p>
+            <a:pPr marL="0" indent="0">
+              <a:buNone/>
+            </a:pPr>
+            <a:r>
+              <a:rPr lang="en-US" dirty="0"/>
+              <a:t>Work licensed under Creative Commons : CC-BY-SA (</a:t>
+            </a:r>
+            <a:r>
+              <a:rPr lang="en-US" dirty="0" err="1">
+                <a:hlinkClick r:id="rId3"/>
+              </a:rPr>
+              <a:t>legalcode</a:t>
+            </a:r>
+            <a:r>
+              <a:rPr lang="en-US" dirty="0"/>
+              <a:t>)</a:t>
+            </a:r>
+          </a:p>
+        </p:txBody>
+      </p:sp>
+      <p:sp>
+        <p:nvSpPr>
+          <p:cNvPr id="4" name="TextBox 3">
+            <a:extLst>
+              <a:ext uri="{FF2B5EF4-FFF2-40B4-BE49-F238E27FC236}">
+                <a16:creationId xmlns:a16="http://schemas.microsoft.com/office/drawing/2014/main" id="{E0918DD1-0C91-491B-B0B5-F462180A8B66}"/>
+              </a:ext>
+            </a:extLst>
+          </p:cNvPr>
+          <p:cNvSpPr txBox="1"/>
+          <p:nvPr/>
+        </p:nvSpPr>
+        <p:spPr>
+          <a:xfrm>
+            <a:off x="0" y="6396335"/>
+            <a:ext cx="2103121" cy="461665"/>
+          </a:xfrm>
+          <a:prstGeom prst="rect">
+            <a:avLst/>
+          </a:prstGeom>
+          <a:noFill/>
+        </p:spPr>
+        <p:txBody>
+          <a:bodyPr wrap="square">
+            <a:spAutoFit/>
+          </a:bodyPr>
+          <a:lstStyle/>
+          <a:p>
+            <a:r>
+              <a:rPr lang="en-US" sz="2400" dirty="0">
+                <a:solidFill>
+                  <a:schemeClr val="tx2">
+                    <a:lumMod val="75000"/>
+                  </a:schemeClr>
+                </a:solidFill>
+              </a:rPr>
+              <a:t>@AtomicNicos</a:t>
+            </a:r>
+            <a:endParaRPr lang="en-CH" sz="2400" dirty="0">
+              <a:solidFill>
+                <a:schemeClr val="tx2">
+                  <a:lumMod val="75000"/>
+                </a:schemeClr>
+              </a:solidFill>
+            </a:endParaRPr>
+          </a:p>
+        </p:txBody>
+      </p:sp>
+      <p:pic>
+        <p:nvPicPr>
+          <p:cNvPr id="3" name="Picture 2">
+            <a:extLst>
+              <a:ext uri="{FF2B5EF4-FFF2-40B4-BE49-F238E27FC236}">
+                <a16:creationId xmlns:a16="http://schemas.microsoft.com/office/drawing/2014/main" id="{D8D0D41B-97F1-4F22-A0B5-4A60137ACDD0}"/>
+              </a:ext>
+            </a:extLst>
+          </p:cNvPr>
+          <p:cNvPicPr>
+            <a:picLocks noChangeAspect="1"/>
+          </p:cNvPicPr>
+          <p:nvPr/>
+        </p:nvPicPr>
+        <p:blipFill>
+          <a:blip r:embed="rId4"/>
+          <a:stretch>
+            <a:fillRect/>
+          </a:stretch>
+        </p:blipFill>
+        <p:spPr>
+          <a:xfrm>
+            <a:off x="838200" y="4508501"/>
+            <a:ext cx="5266198" cy="1124996"/>
+          </a:xfrm>
+          <a:prstGeom prst="rect">
+            <a:avLst/>
+          </a:prstGeom>
+        </p:spPr>
+      </p:pic>
+      <p:grpSp>
+        <p:nvGrpSpPr>
+          <p:cNvPr id="9" name="Group 8">
+            <a:extLst>
+              <a:ext uri="{FF2B5EF4-FFF2-40B4-BE49-F238E27FC236}">
+                <a16:creationId xmlns:a16="http://schemas.microsoft.com/office/drawing/2014/main" id="{0520B612-280A-4223-A894-86DB5E73DA69}"/>
+              </a:ext>
+            </a:extLst>
+          </p:cNvPr>
+          <p:cNvGrpSpPr/>
+          <p:nvPr/>
+        </p:nvGrpSpPr>
+        <p:grpSpPr>
+          <a:xfrm>
+            <a:off x="6867900" y="2602706"/>
+            <a:ext cx="4485900" cy="3409849"/>
+            <a:chOff x="6867900" y="2349500"/>
+            <a:chExt cx="4485900" cy="3409849"/>
+          </a:xfrm>
+        </p:grpSpPr>
+        <p:pic>
+          <p:nvPicPr>
+            <p:cNvPr id="7" name="Picture 6">
+              <a:extLst>
+                <a:ext uri="{FF2B5EF4-FFF2-40B4-BE49-F238E27FC236}">
+                  <a16:creationId xmlns:a16="http://schemas.microsoft.com/office/drawing/2014/main" id="{E8465EA7-C4A1-45B7-9F96-5566408080FE}"/>
+                </a:ext>
+              </a:extLst>
+            </p:cNvPr>
+            <p:cNvPicPr>
+              <a:picLocks noChangeAspect="1"/>
+            </p:cNvPicPr>
+            <p:nvPr/>
+          </p:nvPicPr>
+          <p:blipFill rotWithShape="1">
+            <a:blip r:embed="rId5"/>
+            <a:srcRect b="61693"/>
+            <a:stretch/>
+          </p:blipFill>
+          <p:spPr>
+            <a:xfrm>
+              <a:off x="6867900" y="2349500"/>
+              <a:ext cx="4485900" cy="1500188"/>
+            </a:xfrm>
+            <a:prstGeom prst="rect">
+              <a:avLst/>
+            </a:prstGeom>
+          </p:spPr>
+        </p:pic>
+        <p:pic>
+          <p:nvPicPr>
+            <p:cNvPr id="8" name="Picture 7">
+              <a:extLst>
+                <a:ext uri="{FF2B5EF4-FFF2-40B4-BE49-F238E27FC236}">
+                  <a16:creationId xmlns:a16="http://schemas.microsoft.com/office/drawing/2014/main" id="{D6DF8960-AFA8-4CA3-9C49-6987D4F4CBED}"/>
+                </a:ext>
+              </a:extLst>
+            </p:cNvPr>
+            <p:cNvPicPr>
+              <a:picLocks noChangeAspect="1"/>
+            </p:cNvPicPr>
+            <p:nvPr/>
+          </p:nvPicPr>
+          <p:blipFill rotWithShape="1">
+            <a:blip r:embed="rId5"/>
+            <a:srcRect t="51238"/>
+            <a:stretch/>
+          </p:blipFill>
+          <p:spPr>
+            <a:xfrm>
+              <a:off x="6867900" y="3849688"/>
+              <a:ext cx="4485900" cy="1909661"/>
+            </a:xfrm>
+            <a:prstGeom prst="rect">
+              <a:avLst/>
+            </a:prstGeom>
+          </p:spPr>
+        </p:pic>
+      </p:grpSp>
+      <p:sp>
+        <p:nvSpPr>
+          <p:cNvPr id="10" name="TextBox 9">
+            <a:extLst>
+              <a:ext uri="{FF2B5EF4-FFF2-40B4-BE49-F238E27FC236}">
+                <a16:creationId xmlns:a16="http://schemas.microsoft.com/office/drawing/2014/main" id="{B7EDF901-6F46-4F6D-AC74-F306877D741A}"/>
+              </a:ext>
+            </a:extLst>
+          </p:cNvPr>
+          <p:cNvSpPr txBox="1"/>
+          <p:nvPr/>
+        </p:nvSpPr>
+        <p:spPr>
+          <a:xfrm>
+            <a:off x="1530298" y="3160888"/>
+            <a:ext cx="3882001" cy="584775"/>
+          </a:xfrm>
+          <a:prstGeom prst="rect">
+            <a:avLst/>
+          </a:prstGeom>
+          <a:noFill/>
+        </p:spPr>
+        <p:txBody>
+          <a:bodyPr wrap="square" rtlCol="0">
+            <a:spAutoFit/>
+          </a:bodyPr>
+          <a:lstStyle/>
+          <a:p>
+            <a:pPr algn="ctr"/>
+            <a:r>
+              <a:rPr lang="fr-CH" sz="3200" dirty="0"/>
+              <a:t>Open License</a:t>
+            </a:r>
+            <a:endParaRPr lang="en-CH" sz="3200" dirty="0"/>
+          </a:p>
+        </p:txBody>
+      </p:sp>
+    </p:spTree>
+    <p:extLst>
+      <p:ext uri="{BB962C8B-B14F-4D97-AF65-F5344CB8AC3E}">
+        <p14:creationId xmlns:p14="http://schemas.microsoft.com/office/powerpoint/2010/main" val="2069255591"/>
+      </p:ext>
+    </p:extLst>
+  </p:cSld>
+  <p:clrMapOvr>
+    <a:masterClrMapping/>
+  </p:clrMapOvr>
+  <p:timing>
+    <p:tnLst>
+      <p:par>
+        <p:cTn id="1" dur="indefinite" restart="never" nodeType="tmRoot">
+          <p:childTnLst>
+            <p:seq concurrent="1" nextAc="seek">
+              <p:cTn id="2" dur="indefinite" nodeType="mainSeq">
+                <p:childTnLst>
+                  <p:par>
+                    <p:cTn id="3" fill="hold">
+                      <p:stCondLst>
+                        <p:cond delay="indefinite"/>
+                        <p:cond evt="onBegin" delay="0">
+                          <p:tn val="2"/>
+                        </p:cond>
+                      </p:stCondLst>
+                      <p:childTnLst>
+                        <p:par>
+                          <p:cTn id="4" fill="hold">
+                            <p:stCondLst>
+                              <p:cond delay="0"/>
+                            </p:stCondLst>
+                            <p:childTnLst>
+                              <p:par>
+                                <p:cTn id="5" presetID="10" presetClass="entr" presetSubtype="0" fill="hold" grpId="0" nodeType="withEffect">
+                                  <p:stCondLst>
+                                    <p:cond delay="0"/>
+                                  </p:stCondLst>
+                                  <p:childTnLst>
+                                    <p:set>
+                                      <p:cBhvr>
+                                        <p:cTn id="6" dur="1" fill="hold">
+                                          <p:stCondLst>
+                                            <p:cond delay="0"/>
+                                          </p:stCondLst>
+                                        </p:cTn>
+                                        <p:tgtEl>
+                                          <p:spTgt spid="2"/>
+                                        </p:tgtEl>
+                                        <p:attrNameLst>
+                                          <p:attrName>style.visibility</p:attrName>
+                                        </p:attrNameLst>
+                                      </p:cBhvr>
+                                      <p:to>
+                                        <p:strVal val="visible"/>
+                                      </p:to>
+                                    </p:set>
+                                    <p:animEffect transition="in" filter="fade">
+                                      <p:cBhvr>
+                                        <p:cTn id="7" dur="500"/>
+                                        <p:tgtEl>
+                                          <p:spTgt spid="2"/>
+                                        </p:tgtEl>
+                                      </p:cBhvr>
+                                    </p:animEffect>
+                                  </p:childTnLst>
+                                </p:cTn>
+                              </p:par>
+                            </p:childTnLst>
+                          </p:cTn>
+                        </p:par>
+                      </p:childTnLst>
+                    </p:cTn>
+                  </p:par>
+                  <p:par>
+                    <p:cTn id="8" fill="hold">
+                      <p:stCondLst>
+                        <p:cond delay="indefinite"/>
+                      </p:stCondLst>
+                      <p:childTnLst>
+                        <p:par>
+                          <p:cTn id="9" fill="hold">
+                            <p:stCondLst>
+                              <p:cond delay="0"/>
+                            </p:stCondLst>
+                            <p:childTnLst>
+                              <p:par>
+                                <p:cTn id="10" presetID="10" presetClass="entr" presetSubtype="0" fill="hold" grpId="0" nodeType="clickEffect">
+                                  <p:stCondLst>
+                                    <p:cond delay="0"/>
+                                  </p:stCondLst>
+                                  <p:childTnLst>
+                                    <p:set>
+                                      <p:cBhvr>
+                                        <p:cTn id="11" dur="1" fill="hold">
+                                          <p:stCondLst>
+                                            <p:cond delay="0"/>
+                                          </p:stCondLst>
+                                        </p:cTn>
+                                        <p:tgtEl>
+                                          <p:spTgt spid="5">
+                                            <p:txEl>
+                                              <p:pRg st="0" end="0"/>
+                                            </p:txEl>
+                                          </p:spTgt>
+                                        </p:tgtEl>
+                                        <p:attrNameLst>
+                                          <p:attrName>style.visibility</p:attrName>
+                                        </p:attrNameLst>
+                                      </p:cBhvr>
+                                      <p:to>
+                                        <p:strVal val="visible"/>
+                                      </p:to>
+                                    </p:set>
+                                    <p:animEffect transition="in" filter="fade">
+                                      <p:cBhvr>
+                                        <p:cTn id="12" dur="500"/>
+                                        <p:tgtEl>
+                                          <p:spTgt spid="5">
+                                            <p:txEl>
+                                              <p:pRg st="0" end="0"/>
+                                            </p:txEl>
+                                          </p:spTgt>
+                                        </p:tgtEl>
+                                      </p:cBhvr>
+                                    </p:animEffect>
+                                  </p:childTnLst>
+                                </p:cTn>
+                              </p:par>
+                            </p:childTnLst>
+                          </p:cTn>
+                        </p:par>
+                      </p:childTnLst>
+                    </p:cTn>
+                  </p:par>
+                  <p:par>
+                    <p:cTn id="13" fill="hold">
+                      <p:stCondLst>
+                        <p:cond delay="indefinite"/>
+                      </p:stCondLst>
+                      <p:childTnLst>
+                        <p:par>
+                          <p:cTn id="14" fill="hold">
+                            <p:stCondLst>
+                              <p:cond delay="0"/>
+                            </p:stCondLst>
+                            <p:childTnLst>
+                              <p:par>
+                                <p:cTn id="15" presetID="10" presetClass="entr" presetSubtype="0" fill="hold" grpId="0" nodeType="clickEffect">
+                                  <p:stCondLst>
+                                    <p:cond delay="0"/>
+                                  </p:stCondLst>
+                                  <p:childTnLst>
+                                    <p:set>
+                                      <p:cBhvr>
+                                        <p:cTn id="16" dur="1" fill="hold">
+                                          <p:stCondLst>
+                                            <p:cond delay="0"/>
+                                          </p:stCondLst>
+                                        </p:cTn>
+                                        <p:tgtEl>
+                                          <p:spTgt spid="10"/>
+                                        </p:tgtEl>
+                                        <p:attrNameLst>
+                                          <p:attrName>style.visibility</p:attrName>
+                                        </p:attrNameLst>
+                                      </p:cBhvr>
+                                      <p:to>
+                                        <p:strVal val="visible"/>
+                                      </p:to>
+                                    </p:set>
+                                    <p:animEffect transition="in" filter="fade">
+                                      <p:cBhvr>
+                                        <p:cTn id="17" dur="500"/>
+                                        <p:tgtEl>
+                                          <p:spTgt spid="10"/>
+                                        </p:tgtEl>
+                                      </p:cBhvr>
+                                    </p:animEffect>
+                                  </p:childTnLst>
+                                </p:cTn>
+                              </p:par>
+                              <p:par>
+                                <p:cTn id="18" presetID="10" presetClass="entr" presetSubtype="0" fill="hold" nodeType="withEffect">
+                                  <p:stCondLst>
+                                    <p:cond delay="0"/>
+                                  </p:stCondLst>
+                                  <p:childTnLst>
+                                    <p:set>
+                                      <p:cBhvr>
+                                        <p:cTn id="19" dur="1" fill="hold">
+                                          <p:stCondLst>
+                                            <p:cond delay="0"/>
+                                          </p:stCondLst>
+                                        </p:cTn>
+                                        <p:tgtEl>
+                                          <p:spTgt spid="3"/>
+                                        </p:tgtEl>
+                                        <p:attrNameLst>
+                                          <p:attrName>style.visibility</p:attrName>
+                                        </p:attrNameLst>
+                                      </p:cBhvr>
+                                      <p:to>
+                                        <p:strVal val="visible"/>
+                                      </p:to>
+                                    </p:set>
+                                    <p:animEffect transition="in" filter="fade">
+                                      <p:cBhvr>
+                                        <p:cTn id="20" dur="500"/>
+                                        <p:tgtEl>
+                                          <p:spTgt spid="3"/>
+                                        </p:tgtEl>
+                                      </p:cBhvr>
+                                    </p:animEffect>
+                                  </p:childTnLst>
+                                </p:cTn>
+                              </p:par>
+                              <p:par>
+                                <p:cTn id="21" presetID="10" presetClass="entr" presetSubtype="0" fill="hold" nodeType="withEffect">
+                                  <p:stCondLst>
+                                    <p:cond delay="0"/>
+                                  </p:stCondLst>
+                                  <p:childTnLst>
+                                    <p:set>
+                                      <p:cBhvr>
+                                        <p:cTn id="22" dur="1" fill="hold">
+                                          <p:stCondLst>
+                                            <p:cond delay="0"/>
+                                          </p:stCondLst>
+                                        </p:cTn>
+                                        <p:tgtEl>
+                                          <p:spTgt spid="9"/>
+                                        </p:tgtEl>
+                                        <p:attrNameLst>
+                                          <p:attrName>style.visibility</p:attrName>
+                                        </p:attrNameLst>
+                                      </p:cBhvr>
+                                      <p:to>
+                                        <p:strVal val="visible"/>
+                                      </p:to>
+                                    </p:set>
+                                    <p:animEffect transition="in" filter="fade">
+                                      <p:cBhvr>
+                                        <p:cTn id="23" dur="500"/>
+                                        <p:tgtEl>
+                                          <p:spTgt spid="9"/>
+                                        </p:tgtEl>
+                                      </p:cBhvr>
+                                    </p:animEffect>
+                                  </p:childTnLst>
+                                </p:cTn>
+                              </p:par>
+                            </p:childTnLst>
+                          </p:cTn>
+                        </p:par>
+                      </p:childTnLst>
+                    </p:cTn>
+                  </p:par>
+                </p:childTnLst>
+              </p:cTn>
+              <p:prevCondLst>
+                <p:cond evt="onPrev" delay="0">
+                  <p:tgtEl>
+                    <p:sldTgt/>
+                  </p:tgtEl>
+                </p:cond>
+              </p:prevCondLst>
+              <p:nextCondLst>
+                <p:cond evt="onNext" delay="0">
+                  <p:tgtEl>
+                    <p:sldTgt/>
+                  </p:tgtEl>
+                </p:cond>
+              </p:nextCondLst>
+            </p:seq>
+          </p:childTnLst>
+        </p:cTn>
+      </p:par>
+    </p:tnLst>
+    <p:bldLst>
+      <p:bldP spid="2" grpId="0"/>
+      <p:bldP spid="5" grpId="0" build="p"/>
+      <p:bldP spid="10" grpId="0"/>
+    </p:bldLst>
+  </p:timing>
+</p:sld>
+</file>
+
+<file path=ppt/slides/slide22.xml><?xml version="1.0" encoding="utf-8"?>
+<p:sld xmlns:a="http://schemas.openxmlformats.org/drawingml/2006/main" xmlns:r="http://schemas.openxmlformats.org/officeDocument/2006/relationships" xmlns:p="http://schemas.openxmlformats.org/presentationml/2006/main">
+  <p:cSld>
+    <p:spTree>
+      <p:nvGrpSpPr>
+        <p:cNvPr id="1" name=""/>
+        <p:cNvGrpSpPr/>
+        <p:nvPr/>
+      </p:nvGrpSpPr>
+      <p:grpSpPr>
+        <a:xfrm>
+          <a:off x="0" y="0"/>
+          <a:ext cx="0" cy="0"/>
+          <a:chOff x="0" y="0"/>
+          <a:chExt cx="0" cy="0"/>
+        </a:xfrm>
+      </p:grpSpPr>
+      <p:sp>
+        <p:nvSpPr>
+          <p:cNvPr id="26" name="TextBox 25">
+            <a:extLst>
+              <a:ext uri="{FF2B5EF4-FFF2-40B4-BE49-F238E27FC236}">
+                <a16:creationId xmlns:a16="http://schemas.microsoft.com/office/drawing/2014/main" id="{45E764EE-9947-47FA-AD1E-FDF879DBCE5F}"/>
+              </a:ext>
+            </a:extLst>
+          </p:cNvPr>
+          <p:cNvSpPr txBox="1"/>
+          <p:nvPr/>
+        </p:nvSpPr>
+        <p:spPr>
+          <a:xfrm>
+            <a:off x="3048000" y="2521058"/>
+            <a:ext cx="6096000" cy="1815882"/>
+          </a:xfrm>
+          <a:prstGeom prst="rect">
+            <a:avLst/>
+          </a:prstGeom>
+          <a:noFill/>
+        </p:spPr>
+        <p:txBody>
+          <a:bodyPr wrap="square">
+            <a:spAutoFit/>
+          </a:bodyPr>
+          <a:lstStyle/>
+          <a:p>
+            <a:pPr algn="ctr"/>
+            <a:r>
+              <a:rPr lang="en-US" sz="2800" dirty="0"/>
+              <a:t>Discord : @AtomicNicos#1404</a:t>
+            </a:r>
+          </a:p>
+          <a:p>
+            <a:pPr algn="ctr"/>
+            <a:r>
+              <a:rPr lang="en-US" sz="2800" dirty="0"/>
+              <a:t>Slack : @AtomicNicos</a:t>
+            </a:r>
+          </a:p>
+          <a:p>
+            <a:pPr algn="ctr"/>
+            <a:r>
+              <a:rPr lang="en-US" sz="2800" dirty="0"/>
+              <a:t>Twitter : @AtomicNicos</a:t>
+            </a:r>
+          </a:p>
+          <a:p>
+            <a:pPr algn="ctr"/>
+            <a:r>
+              <a:rPr lang="en-US" sz="2800" dirty="0"/>
+              <a:t>LinkedIn : Nicolas-</a:t>
+            </a:r>
+            <a:r>
+              <a:rPr lang="en-US" sz="2800" dirty="0" err="1"/>
+              <a:t>boeckh</a:t>
+            </a:r>
+            <a:endParaRPr lang="en-US" sz="2800" dirty="0"/>
+          </a:p>
+        </p:txBody>
+      </p:sp>
+      <p:pic>
+        <p:nvPicPr>
+          <p:cNvPr id="28" name="Picture 2" descr="Dialogue | Training Journal">
+            <a:extLst>
+              <a:ext uri="{FF2B5EF4-FFF2-40B4-BE49-F238E27FC236}">
+                <a16:creationId xmlns:a16="http://schemas.microsoft.com/office/drawing/2014/main" id="{0FAF135F-4A06-4CD2-9E85-A7752F517C17}"/>
+              </a:ext>
+            </a:extLst>
+          </p:cNvPr>
+          <p:cNvPicPr>
+            <a:picLocks noChangeAspect="1" noChangeArrowheads="1"/>
+          </p:cNvPicPr>
+          <p:nvPr/>
+        </p:nvPicPr>
+        <p:blipFill rotWithShape="1">
+          <a:blip r:embed="rId3">
+            <a:extLst>
+              <a:ext uri="{BEBA8EAE-BF5A-486C-A8C5-ECC9F3942E4B}">
+                <a14:imgProps xmlns:a14="http://schemas.microsoft.com/office/drawing/2010/main">
+                  <a14:imgLayer r:embed="rId4">
+                    <a14:imgEffect>
+                      <a14:backgroundRemoval t="5625" b="90000" l="14355" r="59355">
+                        <a14:foregroundMark x1="25645" y1="73125" x2="25806" y2="77500"/>
+                        <a14:foregroundMark x1="25968" y1="63750" x2="27581" y2="62500"/>
+                        <a14:foregroundMark x1="46774" y1="65938" x2="48226" y2="64688"/>
+                        <a14:foregroundMark x1="47742" y1="76250" x2="48871" y2="74688"/>
+                        <a14:foregroundMark x1="36613" y1="11563" x2="41290" y2="12812"/>
+                        <a14:foregroundMark x1="20161" y1="5625" x2="21613" y2="9375"/>
+                        <a14:foregroundMark x1="14516" y1="17188" x2="14677" y2="25313"/>
+                        <a14:foregroundMark x1="59355" y1="30312" x2="58387" y2="37188"/>
+                        <a14:foregroundMark x1="47903" y1="8750" x2="47903" y2="8750"/>
+                        <a14:foregroundMark x1="49516" y1="10625" x2="49677" y2="10625"/>
+                      </a14:backgroundRemoval>
+                    </a14:imgEffect>
+                  </a14:imgLayer>
+                </a14:imgProps>
+              </a:ext>
+              <a:ext uri="{28A0092B-C50C-407E-A947-70E740481C1C}">
+                <a14:useLocalDpi xmlns:a14="http://schemas.microsoft.com/office/drawing/2010/main" val="0"/>
+              </a:ext>
+            </a:extLst>
+          </a:blip>
+          <a:srcRect l="11207" r="36681"/>
+          <a:stretch/>
+        </p:blipFill>
+        <p:spPr bwMode="auto">
+          <a:xfrm>
+            <a:off x="9726490" y="2669586"/>
+            <a:ext cx="1533525" cy="1518827"/>
+          </a:xfrm>
+          <a:prstGeom prst="rect">
+            <a:avLst/>
+          </a:prstGeom>
+          <a:noFill/>
+          <a:extLst>
+            <a:ext uri="{909E8E84-426E-40DD-AFC4-6F175D3DCCD1}">
+              <a14:hiddenFill xmlns:a14="http://schemas.microsoft.com/office/drawing/2010/main">
+                <a:solidFill>
+                  <a:srgbClr val="FFFFFF"/>
+                </a:solidFill>
+              </a14:hiddenFill>
+            </a:ext>
+          </a:extLst>
+        </p:spPr>
+      </p:pic>
+      <p:sp>
+        <p:nvSpPr>
+          <p:cNvPr id="30" name="Title 1">
+            <a:extLst>
+              <a:ext uri="{FF2B5EF4-FFF2-40B4-BE49-F238E27FC236}">
+                <a16:creationId xmlns:a16="http://schemas.microsoft.com/office/drawing/2014/main" id="{495D0C0B-2645-461F-81B3-6130084B8DA6}"/>
+              </a:ext>
+            </a:extLst>
+          </p:cNvPr>
+          <p:cNvSpPr txBox="1">
+            <a:spLocks/>
+          </p:cNvSpPr>
+          <p:nvPr/>
+        </p:nvSpPr>
+        <p:spPr>
+          <a:xfrm>
+            <a:off x="744415" y="2766219"/>
+            <a:ext cx="1533525" cy="1325563"/>
+          </a:xfrm>
+          <a:prstGeom prst="rect">
+            <a:avLst/>
+          </a:prstGeom>
+        </p:spPr>
+        <p:txBody>
+          <a:bodyPr vert="horz" lIns="91440" tIns="45720" rIns="91440" bIns="45720" rtlCol="0" anchor="ctr">
+            <a:normAutofit/>
+          </a:bodyPr>
+          <a:lstStyle>
+            <a:lvl1pPr algn="l" defTabSz="914400" rtl="0" eaLnBrk="1" latinLnBrk="0" hangingPunct="1">
+              <a:lnSpc>
+                <a:spcPct val="90000"/>
+              </a:lnSpc>
+              <a:spcBef>
+                <a:spcPct val="0"/>
+              </a:spcBef>
+              <a:buNone/>
+              <a:defRPr sz="4400" kern="1200">
+                <a:solidFill>
+                  <a:schemeClr val="tx1"/>
+                </a:solidFill>
+                <a:latin typeface="+mj-lt"/>
+                <a:ea typeface="+mj-ea"/>
+                <a:cs typeface="+mj-cs"/>
+              </a:defRPr>
+            </a:lvl1pPr>
+          </a:lstStyle>
+          <a:p>
+            <a:r>
+              <a:rPr lang="fr-CH" dirty="0"/>
+              <a:t>AMA</a:t>
+            </a:r>
+            <a:endParaRPr lang="en-CH" dirty="0"/>
+          </a:p>
+        </p:txBody>
+      </p:sp>
+    </p:spTree>
+    <p:extLst>
+      <p:ext uri="{BB962C8B-B14F-4D97-AF65-F5344CB8AC3E}">
+        <p14:creationId xmlns:p14="http://schemas.microsoft.com/office/powerpoint/2010/main" val="2780528569"/>
+      </p:ext>
+    </p:extLst>
+  </p:cSld>
+  <p:clrMapOvr>
+    <a:masterClrMapping/>
+  </p:clrMapOvr>
+  <p:timing>
+    <p:tnLst>
+      <p:par>
+        <p:cTn id="1" dur="indefinite" restart="never" nodeType="tmRoot">
+          <p:childTnLst>
+            <p:seq concurrent="1" nextAc="seek">
+              <p:cTn id="2" dur="indefinite" nodeType="mainSeq">
+                <p:childTnLst>
+                  <p:par>
+                    <p:cTn id="3" fill="hold">
+                      <p:stCondLst>
+                        <p:cond delay="indefinite"/>
+                      </p:stCondLst>
+                      <p:childTnLst>
+                        <p:par>
+                          <p:cTn id="4" fill="hold">
+                            <p:stCondLst>
+                              <p:cond delay="0"/>
+                            </p:stCondLst>
+                            <p:childTnLst>
+                              <p:par>
+                                <p:cTn id="5" presetID="10" presetClass="entr" presetSubtype="0" fill="hold" grpId="0" nodeType="clickEffect">
+                                  <p:stCondLst>
+                                    <p:cond delay="0"/>
+                                  </p:stCondLst>
+                                  <p:childTnLst>
+                                    <p:set>
+                                      <p:cBhvr>
+                                        <p:cTn id="6" dur="1" fill="hold">
+                                          <p:stCondLst>
+                                            <p:cond delay="0"/>
+                                          </p:stCondLst>
+                                        </p:cTn>
+                                        <p:tgtEl>
+                                          <p:spTgt spid="30"/>
+                                        </p:tgtEl>
+                                        <p:attrNameLst>
+                                          <p:attrName>style.visibility</p:attrName>
+                                        </p:attrNameLst>
+                                      </p:cBhvr>
+                                      <p:to>
+                                        <p:strVal val="visible"/>
+                                      </p:to>
+                                    </p:set>
+                                    <p:animEffect transition="in" filter="fade">
+                                      <p:cBhvr>
+                                        <p:cTn id="7" dur="500"/>
+                                        <p:tgtEl>
+                                          <p:spTgt spid="30"/>
+                                        </p:tgtEl>
+                                      </p:cBhvr>
+                                    </p:animEffect>
+                                  </p:childTnLst>
+                                </p:cTn>
+                              </p:par>
+                              <p:par>
+                                <p:cTn id="8" presetID="10" presetClass="entr" presetSubtype="0" fill="hold" grpId="0" nodeType="withEffect">
+                                  <p:stCondLst>
+                                    <p:cond delay="0"/>
+                                  </p:stCondLst>
+                                  <p:childTnLst>
+                                    <p:set>
+                                      <p:cBhvr>
+                                        <p:cTn id="9" dur="1" fill="hold">
+                                          <p:stCondLst>
+                                            <p:cond delay="0"/>
+                                          </p:stCondLst>
+                                        </p:cTn>
+                                        <p:tgtEl>
+                                          <p:spTgt spid="26"/>
+                                        </p:tgtEl>
+                                        <p:attrNameLst>
+                                          <p:attrName>style.visibility</p:attrName>
+                                        </p:attrNameLst>
+                                      </p:cBhvr>
+                                      <p:to>
+                                        <p:strVal val="visible"/>
+                                      </p:to>
+                                    </p:set>
+                                    <p:animEffect transition="in" filter="fade">
+                                      <p:cBhvr>
+                                        <p:cTn id="10" dur="500"/>
+                                        <p:tgtEl>
+                                          <p:spTgt spid="26"/>
+                                        </p:tgtEl>
+                                      </p:cBhvr>
+                                    </p:animEffect>
+                                  </p:childTnLst>
+                                </p:cTn>
+                              </p:par>
+                              <p:par>
+                                <p:cTn id="11" presetID="10" presetClass="entr" presetSubtype="0" fill="hold" nodeType="withEffect">
+                                  <p:stCondLst>
+                                    <p:cond delay="0"/>
+                                  </p:stCondLst>
+                                  <p:childTnLst>
+                                    <p:set>
+                                      <p:cBhvr>
+                                        <p:cTn id="12" dur="1" fill="hold">
+                                          <p:stCondLst>
+                                            <p:cond delay="0"/>
+                                          </p:stCondLst>
+                                        </p:cTn>
+                                        <p:tgtEl>
+                                          <p:spTgt spid="28"/>
+                                        </p:tgtEl>
+                                        <p:attrNameLst>
+                                          <p:attrName>style.visibility</p:attrName>
+                                        </p:attrNameLst>
+                                      </p:cBhvr>
+                                      <p:to>
+                                        <p:strVal val="visible"/>
+                                      </p:to>
+                                    </p:set>
+                                    <p:animEffect transition="in" filter="fade">
+                                      <p:cBhvr>
+                                        <p:cTn id="13" dur="500"/>
+                                        <p:tgtEl>
+                                          <p:spTgt spid="28"/>
+                                        </p:tgtEl>
+                                      </p:cBhvr>
+                                    </p:animEffect>
+                                  </p:childTnLst>
+                                </p:cTn>
+                              </p:par>
+                            </p:childTnLst>
+                          </p:cTn>
+                        </p:par>
+                      </p:childTnLst>
+                    </p:cTn>
+                  </p:par>
+                </p:childTnLst>
+              </p:cTn>
+              <p:prevCondLst>
+                <p:cond evt="onPrev" delay="0">
+                  <p:tgtEl>
+                    <p:sldTgt/>
+                  </p:tgtEl>
+                </p:cond>
+              </p:prevCondLst>
+              <p:nextCondLst>
+                <p:cond evt="onNext" delay="0">
+                  <p:tgtEl>
+                    <p:sldTgt/>
+                  </p:tgtEl>
+                </p:cond>
+              </p:nextCondLst>
+            </p:seq>
+          </p:childTnLst>
+        </p:cTn>
+      </p:par>
+    </p:tnLst>
+    <p:bldLst>
+      <p:bldP spid="26" grpId="0"/>
+      <p:bldP spid="30" grpId="0"/>
+    </p:bldLst>
+  </p:timing>
+</p:sld>
+</file>
+
 <file path=ppt/slides/slide3.xml><?xml version="1.0" encoding="utf-8"?>
 <p:sld xmlns:a="http://schemas.openxmlformats.org/drawingml/2006/main" xmlns:r="http://schemas.openxmlformats.org/officeDocument/2006/relationships" xmlns:p="http://schemas.openxmlformats.org/presentationml/2006/main">
   <p:cSld>
@@ -6739,6 +12124,54 @@
           </a:extLst>
         </p:spPr>
       </p:pic>
+      <p:sp>
+        <p:nvSpPr>
+          <p:cNvPr id="4" name="TextBox 3">
+            <a:extLst>
+              <a:ext uri="{FF2B5EF4-FFF2-40B4-BE49-F238E27FC236}">
+                <a16:creationId xmlns:a16="http://schemas.microsoft.com/office/drawing/2014/main" id="{B3A1E187-C21E-40A3-A690-3D8BAA3BAC2F}"/>
+              </a:ext>
+            </a:extLst>
+          </p:cNvPr>
+          <p:cNvSpPr txBox="1"/>
+          <p:nvPr/>
+        </p:nvSpPr>
+        <p:spPr>
+          <a:xfrm>
+            <a:off x="0" y="6396335"/>
+            <a:ext cx="2103121" cy="461665"/>
+          </a:xfrm>
+          <a:prstGeom prst="rect">
+            <a:avLst/>
+          </a:prstGeom>
+          <a:noFill/>
+        </p:spPr>
+        <p:txBody>
+          <a:bodyPr wrap="square">
+            <a:spAutoFit/>
+          </a:bodyPr>
+          <a:lstStyle/>
+          <a:p>
+            <a:r>
+              <a:rPr lang="en-US" sz="2400" dirty="0">
+                <a:solidFill>
+                  <a:schemeClr val="tx2">
+                    <a:lumMod val="75000"/>
+                  </a:schemeClr>
+                </a:solidFill>
+              </a:rPr>
+              <a:t>@AtomicNicos</a:t>
+            </a:r>
+            <a:endParaRPr lang="en-CH" sz="2400" dirty="0">
+              <a:solidFill>
+                <a:schemeClr val="tx2">
+                  <a:lumMod val="75000"/>
+                </a:schemeClr>
+              </a:solidFill>
+            </a:endParaRPr>
+          </a:p>
+        </p:txBody>
+      </p:sp>
     </p:spTree>
     <p:extLst>
       <p:ext uri="{BB962C8B-B14F-4D97-AF65-F5344CB8AC3E}">
@@ -6749,6 +12182,148 @@
   <p:clrMapOvr>
     <a:masterClrMapping/>
   </p:clrMapOvr>
+  <p:timing>
+    <p:tnLst>
+      <p:par>
+        <p:cTn id="1" dur="indefinite" restart="never" nodeType="tmRoot">
+          <p:childTnLst>
+            <p:seq concurrent="1" nextAc="seek">
+              <p:cTn id="2" dur="indefinite" nodeType="mainSeq">
+                <p:childTnLst>
+                  <p:par>
+                    <p:cTn id="3" fill="hold">
+                      <p:stCondLst>
+                        <p:cond delay="indefinite"/>
+                        <p:cond evt="onBegin" delay="0">
+                          <p:tn val="2"/>
+                        </p:cond>
+                      </p:stCondLst>
+                      <p:childTnLst>
+                        <p:par>
+                          <p:cTn id="4" fill="hold">
+                            <p:stCondLst>
+                              <p:cond delay="0"/>
+                            </p:stCondLst>
+                            <p:childTnLst>
+                              <p:par>
+                                <p:cTn id="5" presetID="10" presetClass="entr" presetSubtype="0" fill="hold" grpId="0" nodeType="withEffect">
+                                  <p:stCondLst>
+                                    <p:cond delay="0"/>
+                                  </p:stCondLst>
+                                  <p:childTnLst>
+                                    <p:set>
+                                      <p:cBhvr>
+                                        <p:cTn id="6" dur="1" fill="hold">
+                                          <p:stCondLst>
+                                            <p:cond delay="0"/>
+                                          </p:stCondLst>
+                                        </p:cTn>
+                                        <p:tgtEl>
+                                          <p:spTgt spid="2"/>
+                                        </p:tgtEl>
+                                        <p:attrNameLst>
+                                          <p:attrName>style.visibility</p:attrName>
+                                        </p:attrNameLst>
+                                      </p:cBhvr>
+                                      <p:to>
+                                        <p:strVal val="visible"/>
+                                      </p:to>
+                                    </p:set>
+                                    <p:animEffect transition="in" filter="fade">
+                                      <p:cBhvr>
+                                        <p:cTn id="7" dur="500"/>
+                                        <p:tgtEl>
+                                          <p:spTgt spid="2"/>
+                                        </p:tgtEl>
+                                      </p:cBhvr>
+                                    </p:animEffect>
+                                  </p:childTnLst>
+                                </p:cTn>
+                              </p:par>
+                            </p:childTnLst>
+                          </p:cTn>
+                        </p:par>
+                      </p:childTnLst>
+                    </p:cTn>
+                  </p:par>
+                  <p:par>
+                    <p:cTn id="8" fill="hold">
+                      <p:stCondLst>
+                        <p:cond delay="indefinite"/>
+                      </p:stCondLst>
+                      <p:childTnLst>
+                        <p:par>
+                          <p:cTn id="9" fill="hold">
+                            <p:stCondLst>
+                              <p:cond delay="0"/>
+                            </p:stCondLst>
+                            <p:childTnLst>
+                              <p:par>
+                                <p:cTn id="10" presetID="10" presetClass="entr" presetSubtype="0" fill="hold" nodeType="clickEffect">
+                                  <p:stCondLst>
+                                    <p:cond delay="0"/>
+                                  </p:stCondLst>
+                                  <p:childTnLst>
+                                    <p:set>
+                                      <p:cBhvr>
+                                        <p:cTn id="11" dur="1" fill="hold">
+                                          <p:stCondLst>
+                                            <p:cond delay="0"/>
+                                          </p:stCondLst>
+                                        </p:cTn>
+                                        <p:tgtEl>
+                                          <p:spTgt spid="1026"/>
+                                        </p:tgtEl>
+                                        <p:attrNameLst>
+                                          <p:attrName>style.visibility</p:attrName>
+                                        </p:attrNameLst>
+                                      </p:cBhvr>
+                                      <p:to>
+                                        <p:strVal val="visible"/>
+                                      </p:to>
+                                    </p:set>
+                                    <p:animEffect transition="in" filter="fade">
+                                      <p:cBhvr>
+                                        <p:cTn id="12" dur="500"/>
+                                        <p:tgtEl>
+                                          <p:spTgt spid="1026"/>
+                                        </p:tgtEl>
+                                      </p:cBhvr>
+                                    </p:animEffect>
+                                  </p:childTnLst>
+                                </p:cTn>
+                              </p:par>
+                            </p:childTnLst>
+                          </p:cTn>
+                        </p:par>
+                      </p:childTnLst>
+                    </p:cTn>
+                  </p:par>
+                </p:childTnLst>
+              </p:cTn>
+              <p:prevCondLst>
+                <p:cond evt="onPrev" delay="0">
+                  <p:tgtEl>
+                    <p:sldTgt/>
+                  </p:tgtEl>
+                </p:cond>
+              </p:prevCondLst>
+              <p:nextCondLst>
+                <p:cond evt="onNext" delay="0">
+                  <p:tgtEl>
+                    <p:sldTgt/>
+                  </p:tgtEl>
+                </p:cond>
+              </p:nextCondLst>
+            </p:seq>
+          </p:childTnLst>
+        </p:cTn>
+      </p:par>
+    </p:tnLst>
+    <p:bldLst>
+      <p:bldP spid="2" grpId="0"/>
+    </p:bldLst>
+  </p:timing>
 </p:sld>
 </file>
 
@@ -6858,6 +12433,54 @@
           </a:p>
         </p:txBody>
       </p:sp>
+      <p:sp>
+        <p:nvSpPr>
+          <p:cNvPr id="4" name="TextBox 3">
+            <a:extLst>
+              <a:ext uri="{FF2B5EF4-FFF2-40B4-BE49-F238E27FC236}">
+                <a16:creationId xmlns:a16="http://schemas.microsoft.com/office/drawing/2014/main" id="{4486155A-978B-455A-977A-EC03A976E35D}"/>
+              </a:ext>
+            </a:extLst>
+          </p:cNvPr>
+          <p:cNvSpPr txBox="1"/>
+          <p:nvPr/>
+        </p:nvSpPr>
+        <p:spPr>
+          <a:xfrm>
+            <a:off x="0" y="6396335"/>
+            <a:ext cx="2103121" cy="461665"/>
+          </a:xfrm>
+          <a:prstGeom prst="rect">
+            <a:avLst/>
+          </a:prstGeom>
+          <a:noFill/>
+        </p:spPr>
+        <p:txBody>
+          <a:bodyPr wrap="square">
+            <a:spAutoFit/>
+          </a:bodyPr>
+          <a:lstStyle/>
+          <a:p>
+            <a:r>
+              <a:rPr lang="en-US" sz="2400" dirty="0">
+                <a:solidFill>
+                  <a:schemeClr val="tx2">
+                    <a:lumMod val="75000"/>
+                  </a:schemeClr>
+                </a:solidFill>
+              </a:rPr>
+              <a:t>@AtomicNicos</a:t>
+            </a:r>
+            <a:endParaRPr lang="en-CH" sz="2400" dirty="0">
+              <a:solidFill>
+                <a:schemeClr val="tx2">
+                  <a:lumMod val="75000"/>
+                </a:schemeClr>
+              </a:solidFill>
+            </a:endParaRPr>
+          </a:p>
+        </p:txBody>
+      </p:sp>
     </p:spTree>
     <p:extLst>
       <p:ext uri="{BB962C8B-B14F-4D97-AF65-F5344CB8AC3E}">
@@ -6868,6 +12491,365 @@
   <p:clrMapOvr>
     <a:masterClrMapping/>
   </p:clrMapOvr>
+  <p:timing>
+    <p:tnLst>
+      <p:par>
+        <p:cTn id="1" dur="indefinite" restart="never" nodeType="tmRoot">
+          <p:childTnLst>
+            <p:seq concurrent="1" nextAc="seek">
+              <p:cTn id="2" dur="indefinite" nodeType="mainSeq">
+                <p:childTnLst>
+                  <p:par>
+                    <p:cTn id="3" fill="hold">
+                      <p:stCondLst>
+                        <p:cond delay="indefinite"/>
+                        <p:cond evt="onBegin" delay="0">
+                          <p:tn val="2"/>
+                        </p:cond>
+                      </p:stCondLst>
+                      <p:childTnLst>
+                        <p:par>
+                          <p:cTn id="4" fill="hold">
+                            <p:stCondLst>
+                              <p:cond delay="0"/>
+                            </p:stCondLst>
+                            <p:childTnLst>
+                              <p:par>
+                                <p:cTn id="5" presetID="10" presetClass="entr" presetSubtype="0" fill="hold" grpId="0" nodeType="withEffect">
+                                  <p:stCondLst>
+                                    <p:cond delay="0"/>
+                                  </p:stCondLst>
+                                  <p:childTnLst>
+                                    <p:set>
+                                      <p:cBhvr>
+                                        <p:cTn id="6" dur="1" fill="hold">
+                                          <p:stCondLst>
+                                            <p:cond delay="0"/>
+                                          </p:stCondLst>
+                                        </p:cTn>
+                                        <p:tgtEl>
+                                          <p:spTgt spid="2"/>
+                                        </p:tgtEl>
+                                        <p:attrNameLst>
+                                          <p:attrName>style.visibility</p:attrName>
+                                        </p:attrNameLst>
+                                      </p:cBhvr>
+                                      <p:to>
+                                        <p:strVal val="visible"/>
+                                      </p:to>
+                                    </p:set>
+                                    <p:animEffect transition="in" filter="fade">
+                                      <p:cBhvr>
+                                        <p:cTn id="7" dur="500"/>
+                                        <p:tgtEl>
+                                          <p:spTgt spid="2"/>
+                                        </p:tgtEl>
+                                      </p:cBhvr>
+                                    </p:animEffect>
+                                  </p:childTnLst>
+                                </p:cTn>
+                              </p:par>
+                            </p:childTnLst>
+                          </p:cTn>
+                        </p:par>
+                      </p:childTnLst>
+                    </p:cTn>
+                  </p:par>
+                  <p:par>
+                    <p:cTn id="8" fill="hold">
+                      <p:stCondLst>
+                        <p:cond delay="indefinite"/>
+                      </p:stCondLst>
+                      <p:childTnLst>
+                        <p:par>
+                          <p:cTn id="9" fill="hold">
+                            <p:stCondLst>
+                              <p:cond delay="0"/>
+                            </p:stCondLst>
+                            <p:childTnLst>
+                              <p:par>
+                                <p:cTn id="10" presetID="10" presetClass="entr" presetSubtype="0" fill="hold" grpId="0" nodeType="clickEffect">
+                                  <p:stCondLst>
+                                    <p:cond delay="0"/>
+                                  </p:stCondLst>
+                                  <p:childTnLst>
+                                    <p:set>
+                                      <p:cBhvr>
+                                        <p:cTn id="11" dur="1" fill="hold">
+                                          <p:stCondLst>
+                                            <p:cond delay="0"/>
+                                          </p:stCondLst>
+                                        </p:cTn>
+                                        <p:tgtEl>
+                                          <p:spTgt spid="3">
+                                            <p:txEl>
+                                              <p:pRg st="0" end="0"/>
+                                            </p:txEl>
+                                          </p:spTgt>
+                                        </p:tgtEl>
+                                        <p:attrNameLst>
+                                          <p:attrName>style.visibility</p:attrName>
+                                        </p:attrNameLst>
+                                      </p:cBhvr>
+                                      <p:to>
+                                        <p:strVal val="visible"/>
+                                      </p:to>
+                                    </p:set>
+                                    <p:animEffect transition="in" filter="fade">
+                                      <p:cBhvr>
+                                        <p:cTn id="12" dur="500"/>
+                                        <p:tgtEl>
+                                          <p:spTgt spid="3">
+                                            <p:txEl>
+                                              <p:pRg st="0" end="0"/>
+                                            </p:txEl>
+                                          </p:spTgt>
+                                        </p:tgtEl>
+                                      </p:cBhvr>
+                                    </p:animEffect>
+                                  </p:childTnLst>
+                                </p:cTn>
+                              </p:par>
+                            </p:childTnLst>
+                          </p:cTn>
+                        </p:par>
+                      </p:childTnLst>
+                    </p:cTn>
+                  </p:par>
+                  <p:par>
+                    <p:cTn id="13" fill="hold">
+                      <p:stCondLst>
+                        <p:cond delay="indefinite"/>
+                      </p:stCondLst>
+                      <p:childTnLst>
+                        <p:par>
+                          <p:cTn id="14" fill="hold">
+                            <p:stCondLst>
+                              <p:cond delay="0"/>
+                            </p:stCondLst>
+                            <p:childTnLst>
+                              <p:par>
+                                <p:cTn id="15" presetID="10" presetClass="entr" presetSubtype="0" fill="hold" grpId="0" nodeType="clickEffect">
+                                  <p:stCondLst>
+                                    <p:cond delay="0"/>
+                                  </p:stCondLst>
+                                  <p:childTnLst>
+                                    <p:set>
+                                      <p:cBhvr>
+                                        <p:cTn id="16" dur="1" fill="hold">
+                                          <p:stCondLst>
+                                            <p:cond delay="0"/>
+                                          </p:stCondLst>
+                                        </p:cTn>
+                                        <p:tgtEl>
+                                          <p:spTgt spid="3">
+                                            <p:txEl>
+                                              <p:pRg st="2" end="2"/>
+                                            </p:txEl>
+                                          </p:spTgt>
+                                        </p:tgtEl>
+                                        <p:attrNameLst>
+                                          <p:attrName>style.visibility</p:attrName>
+                                        </p:attrNameLst>
+                                      </p:cBhvr>
+                                      <p:to>
+                                        <p:strVal val="visible"/>
+                                      </p:to>
+                                    </p:set>
+                                    <p:animEffect transition="in" filter="fade">
+                                      <p:cBhvr>
+                                        <p:cTn id="17" dur="500"/>
+                                        <p:tgtEl>
+                                          <p:spTgt spid="3">
+                                            <p:txEl>
+                                              <p:pRg st="2" end="2"/>
+                                            </p:txEl>
+                                          </p:spTgt>
+                                        </p:tgtEl>
+                                      </p:cBhvr>
+                                    </p:animEffect>
+                                  </p:childTnLst>
+                                </p:cTn>
+                              </p:par>
+                            </p:childTnLst>
+                          </p:cTn>
+                        </p:par>
+                      </p:childTnLst>
+                    </p:cTn>
+                  </p:par>
+                  <p:par>
+                    <p:cTn id="18" fill="hold">
+                      <p:stCondLst>
+                        <p:cond delay="indefinite"/>
+                      </p:stCondLst>
+                      <p:childTnLst>
+                        <p:par>
+                          <p:cTn id="19" fill="hold">
+                            <p:stCondLst>
+                              <p:cond delay="0"/>
+                            </p:stCondLst>
+                            <p:childTnLst>
+                              <p:par>
+                                <p:cTn id="20" presetID="10" presetClass="entr" presetSubtype="0" fill="hold" grpId="0" nodeType="clickEffect">
+                                  <p:stCondLst>
+                                    <p:cond delay="0"/>
+                                  </p:stCondLst>
+                                  <p:childTnLst>
+                                    <p:set>
+                                      <p:cBhvr>
+                                        <p:cTn id="21" dur="1" fill="hold">
+                                          <p:stCondLst>
+                                            <p:cond delay="0"/>
+                                          </p:stCondLst>
+                                        </p:cTn>
+                                        <p:tgtEl>
+                                          <p:spTgt spid="3">
+                                            <p:txEl>
+                                              <p:pRg st="4" end="4"/>
+                                            </p:txEl>
+                                          </p:spTgt>
+                                        </p:tgtEl>
+                                        <p:attrNameLst>
+                                          <p:attrName>style.visibility</p:attrName>
+                                        </p:attrNameLst>
+                                      </p:cBhvr>
+                                      <p:to>
+                                        <p:strVal val="visible"/>
+                                      </p:to>
+                                    </p:set>
+                                    <p:animEffect transition="in" filter="fade">
+                                      <p:cBhvr>
+                                        <p:cTn id="22" dur="500"/>
+                                        <p:tgtEl>
+                                          <p:spTgt spid="3">
+                                            <p:txEl>
+                                              <p:pRg st="4" end="4"/>
+                                            </p:txEl>
+                                          </p:spTgt>
+                                        </p:tgtEl>
+                                      </p:cBhvr>
+                                    </p:animEffect>
+                                  </p:childTnLst>
+                                </p:cTn>
+                              </p:par>
+                              <p:par>
+                                <p:cTn id="23" presetID="10" presetClass="entr" presetSubtype="0" fill="hold" grpId="0" nodeType="withEffect">
+                                  <p:stCondLst>
+                                    <p:cond delay="0"/>
+                                  </p:stCondLst>
+                                  <p:childTnLst>
+                                    <p:set>
+                                      <p:cBhvr>
+                                        <p:cTn id="24" dur="1" fill="hold">
+                                          <p:stCondLst>
+                                            <p:cond delay="0"/>
+                                          </p:stCondLst>
+                                        </p:cTn>
+                                        <p:tgtEl>
+                                          <p:spTgt spid="3">
+                                            <p:txEl>
+                                              <p:pRg st="5" end="5"/>
+                                            </p:txEl>
+                                          </p:spTgt>
+                                        </p:tgtEl>
+                                        <p:attrNameLst>
+                                          <p:attrName>style.visibility</p:attrName>
+                                        </p:attrNameLst>
+                                      </p:cBhvr>
+                                      <p:to>
+                                        <p:strVal val="visible"/>
+                                      </p:to>
+                                    </p:set>
+                                    <p:animEffect transition="in" filter="fade">
+                                      <p:cBhvr>
+                                        <p:cTn id="25" dur="500"/>
+                                        <p:tgtEl>
+                                          <p:spTgt spid="3">
+                                            <p:txEl>
+                                              <p:pRg st="5" end="5"/>
+                                            </p:txEl>
+                                          </p:spTgt>
+                                        </p:tgtEl>
+                                      </p:cBhvr>
+                                    </p:animEffect>
+                                  </p:childTnLst>
+                                </p:cTn>
+                              </p:par>
+                              <p:par>
+                                <p:cTn id="26" presetID="10" presetClass="entr" presetSubtype="0" fill="hold" grpId="0" nodeType="withEffect">
+                                  <p:stCondLst>
+                                    <p:cond delay="0"/>
+                                  </p:stCondLst>
+                                  <p:childTnLst>
+                                    <p:set>
+                                      <p:cBhvr>
+                                        <p:cTn id="27" dur="1" fill="hold">
+                                          <p:stCondLst>
+                                            <p:cond delay="0"/>
+                                          </p:stCondLst>
+                                        </p:cTn>
+                                        <p:tgtEl>
+                                          <p:spTgt spid="3">
+                                            <p:txEl>
+                                              <p:pRg st="6" end="6"/>
+                                            </p:txEl>
+                                          </p:spTgt>
+                                        </p:tgtEl>
+                                        <p:attrNameLst>
+                                          <p:attrName>style.visibility</p:attrName>
+                                        </p:attrNameLst>
+                                      </p:cBhvr>
+                                      <p:to>
+                                        <p:strVal val="visible"/>
+                                      </p:to>
+                                    </p:set>
+                                    <p:animEffect transition="in" filter="fade">
+                                      <p:cBhvr>
+                                        <p:cTn id="28" dur="500"/>
+                                        <p:tgtEl>
+                                          <p:spTgt spid="3">
+                                            <p:txEl>
+                                              <p:pRg st="6" end="6"/>
+                                            </p:txEl>
+                                          </p:spTgt>
+                                        </p:tgtEl>
+                                      </p:cBhvr>
+                                    </p:animEffect>
+                                  </p:childTnLst>
+                                </p:cTn>
+                              </p:par>
+                            </p:childTnLst>
+                          </p:cTn>
+                        </p:par>
+                      </p:childTnLst>
+                    </p:cTn>
+                  </p:par>
+                </p:childTnLst>
+              </p:cTn>
+              <p:prevCondLst>
+                <p:cond evt="onPrev" delay="0">
+                  <p:tgtEl>
+                    <p:sldTgt/>
+                  </p:tgtEl>
+                </p:cond>
+              </p:prevCondLst>
+              <p:nextCondLst>
+                <p:cond evt="onNext" delay="0">
+                  <p:tgtEl>
+                    <p:sldTgt/>
+                  </p:tgtEl>
+                </p:cond>
+              </p:nextCondLst>
+            </p:seq>
+          </p:childTnLst>
+        </p:cTn>
+      </p:par>
+    </p:tnLst>
+    <p:bldLst>
+      <p:bldP spid="2" grpId="0"/>
+      <p:bldP spid="3" grpId="0" build="p"/>
+    </p:bldLst>
+  </p:timing>
 </p:sld>
 </file>
 
@@ -6987,6 +12969,54 @@
           </a:p>
         </p:txBody>
       </p:sp>
+      <p:sp>
+        <p:nvSpPr>
+          <p:cNvPr id="4" name="TextBox 3">
+            <a:extLst>
+              <a:ext uri="{FF2B5EF4-FFF2-40B4-BE49-F238E27FC236}">
+                <a16:creationId xmlns:a16="http://schemas.microsoft.com/office/drawing/2014/main" id="{E3589A6F-EC8E-48AF-9A53-052F73276A91}"/>
+              </a:ext>
+            </a:extLst>
+          </p:cNvPr>
+          <p:cNvSpPr txBox="1"/>
+          <p:nvPr/>
+        </p:nvSpPr>
+        <p:spPr>
+          <a:xfrm>
+            <a:off x="0" y="6396335"/>
+            <a:ext cx="2103121" cy="461665"/>
+          </a:xfrm>
+          <a:prstGeom prst="rect">
+            <a:avLst/>
+          </a:prstGeom>
+          <a:noFill/>
+        </p:spPr>
+        <p:txBody>
+          <a:bodyPr wrap="square">
+            <a:spAutoFit/>
+          </a:bodyPr>
+          <a:lstStyle/>
+          <a:p>
+            <a:r>
+              <a:rPr lang="en-US" sz="2400" dirty="0">
+                <a:solidFill>
+                  <a:schemeClr val="tx2">
+                    <a:lumMod val="75000"/>
+                  </a:schemeClr>
+                </a:solidFill>
+              </a:rPr>
+              <a:t>@AtomicNicos</a:t>
+            </a:r>
+            <a:endParaRPr lang="en-CH" sz="2400" dirty="0">
+              <a:solidFill>
+                <a:schemeClr val="tx2">
+                  <a:lumMod val="75000"/>
+                </a:schemeClr>
+              </a:solidFill>
+            </a:endParaRPr>
+          </a:p>
+        </p:txBody>
+      </p:sp>
     </p:spTree>
     <p:extLst>
       <p:ext uri="{BB962C8B-B14F-4D97-AF65-F5344CB8AC3E}">
@@ -6997,6 +13027,408 @@
   <p:clrMapOvr>
     <a:masterClrMapping/>
   </p:clrMapOvr>
+  <p:timing>
+    <p:tnLst>
+      <p:par>
+        <p:cTn id="1" dur="indefinite" restart="never" nodeType="tmRoot">
+          <p:childTnLst>
+            <p:seq concurrent="1" nextAc="seek">
+              <p:cTn id="2" dur="indefinite" nodeType="mainSeq">
+                <p:childTnLst>
+                  <p:par>
+                    <p:cTn id="3" fill="hold">
+                      <p:stCondLst>
+                        <p:cond delay="indefinite"/>
+                        <p:cond evt="onBegin" delay="0">
+                          <p:tn val="2"/>
+                        </p:cond>
+                      </p:stCondLst>
+                      <p:childTnLst>
+                        <p:par>
+                          <p:cTn id="4" fill="hold">
+                            <p:stCondLst>
+                              <p:cond delay="0"/>
+                            </p:stCondLst>
+                            <p:childTnLst>
+                              <p:par>
+                                <p:cTn id="5" presetID="10" presetClass="entr" presetSubtype="0" fill="hold" grpId="0" nodeType="withEffect">
+                                  <p:stCondLst>
+                                    <p:cond delay="0"/>
+                                  </p:stCondLst>
+                                  <p:childTnLst>
+                                    <p:set>
+                                      <p:cBhvr>
+                                        <p:cTn id="6" dur="1" fill="hold">
+                                          <p:stCondLst>
+                                            <p:cond delay="0"/>
+                                          </p:stCondLst>
+                                        </p:cTn>
+                                        <p:tgtEl>
+                                          <p:spTgt spid="2"/>
+                                        </p:tgtEl>
+                                        <p:attrNameLst>
+                                          <p:attrName>style.visibility</p:attrName>
+                                        </p:attrNameLst>
+                                      </p:cBhvr>
+                                      <p:to>
+                                        <p:strVal val="visible"/>
+                                      </p:to>
+                                    </p:set>
+                                    <p:animEffect transition="in" filter="fade">
+                                      <p:cBhvr>
+                                        <p:cTn id="7" dur="500"/>
+                                        <p:tgtEl>
+                                          <p:spTgt spid="2"/>
+                                        </p:tgtEl>
+                                      </p:cBhvr>
+                                    </p:animEffect>
+                                  </p:childTnLst>
+                                </p:cTn>
+                              </p:par>
+                            </p:childTnLst>
+                          </p:cTn>
+                        </p:par>
+                      </p:childTnLst>
+                    </p:cTn>
+                  </p:par>
+                  <p:par>
+                    <p:cTn id="8" fill="hold">
+                      <p:stCondLst>
+                        <p:cond delay="indefinite"/>
+                      </p:stCondLst>
+                      <p:childTnLst>
+                        <p:par>
+                          <p:cTn id="9" fill="hold">
+                            <p:stCondLst>
+                              <p:cond delay="0"/>
+                            </p:stCondLst>
+                            <p:childTnLst>
+                              <p:par>
+                                <p:cTn id="10" presetID="10" presetClass="entr" presetSubtype="0" fill="hold" grpId="0" nodeType="clickEffect">
+                                  <p:stCondLst>
+                                    <p:cond delay="0"/>
+                                  </p:stCondLst>
+                                  <p:childTnLst>
+                                    <p:set>
+                                      <p:cBhvr>
+                                        <p:cTn id="11" dur="1" fill="hold">
+                                          <p:stCondLst>
+                                            <p:cond delay="0"/>
+                                          </p:stCondLst>
+                                        </p:cTn>
+                                        <p:tgtEl>
+                                          <p:spTgt spid="3">
+                                            <p:txEl>
+                                              <p:pRg st="0" end="0"/>
+                                            </p:txEl>
+                                          </p:spTgt>
+                                        </p:tgtEl>
+                                        <p:attrNameLst>
+                                          <p:attrName>style.visibility</p:attrName>
+                                        </p:attrNameLst>
+                                      </p:cBhvr>
+                                      <p:to>
+                                        <p:strVal val="visible"/>
+                                      </p:to>
+                                    </p:set>
+                                    <p:animEffect transition="in" filter="fade">
+                                      <p:cBhvr>
+                                        <p:cTn id="12" dur="500"/>
+                                        <p:tgtEl>
+                                          <p:spTgt spid="3">
+                                            <p:txEl>
+                                              <p:pRg st="0" end="0"/>
+                                            </p:txEl>
+                                          </p:spTgt>
+                                        </p:tgtEl>
+                                      </p:cBhvr>
+                                    </p:animEffect>
+                                  </p:childTnLst>
+                                </p:cTn>
+                              </p:par>
+                            </p:childTnLst>
+                          </p:cTn>
+                        </p:par>
+                      </p:childTnLst>
+                    </p:cTn>
+                  </p:par>
+                  <p:par>
+                    <p:cTn id="13" fill="hold">
+                      <p:stCondLst>
+                        <p:cond delay="indefinite"/>
+                      </p:stCondLst>
+                      <p:childTnLst>
+                        <p:par>
+                          <p:cTn id="14" fill="hold">
+                            <p:stCondLst>
+                              <p:cond delay="0"/>
+                            </p:stCondLst>
+                            <p:childTnLst>
+                              <p:par>
+                                <p:cTn id="15" presetID="10" presetClass="entr" presetSubtype="0" fill="hold" grpId="0" nodeType="clickEffect">
+                                  <p:stCondLst>
+                                    <p:cond delay="0"/>
+                                  </p:stCondLst>
+                                  <p:childTnLst>
+                                    <p:set>
+                                      <p:cBhvr>
+                                        <p:cTn id="16" dur="1" fill="hold">
+                                          <p:stCondLst>
+                                            <p:cond delay="0"/>
+                                          </p:stCondLst>
+                                        </p:cTn>
+                                        <p:tgtEl>
+                                          <p:spTgt spid="3">
+                                            <p:txEl>
+                                              <p:pRg st="2" end="2"/>
+                                            </p:txEl>
+                                          </p:spTgt>
+                                        </p:tgtEl>
+                                        <p:attrNameLst>
+                                          <p:attrName>style.visibility</p:attrName>
+                                        </p:attrNameLst>
+                                      </p:cBhvr>
+                                      <p:to>
+                                        <p:strVal val="visible"/>
+                                      </p:to>
+                                    </p:set>
+                                    <p:animEffect transition="in" filter="fade">
+                                      <p:cBhvr>
+                                        <p:cTn id="17" dur="500"/>
+                                        <p:tgtEl>
+                                          <p:spTgt spid="3">
+                                            <p:txEl>
+                                              <p:pRg st="2" end="2"/>
+                                            </p:txEl>
+                                          </p:spTgt>
+                                        </p:tgtEl>
+                                      </p:cBhvr>
+                                    </p:animEffect>
+                                  </p:childTnLst>
+                                </p:cTn>
+                              </p:par>
+                            </p:childTnLst>
+                          </p:cTn>
+                        </p:par>
+                      </p:childTnLst>
+                    </p:cTn>
+                  </p:par>
+                  <p:par>
+                    <p:cTn id="18" fill="hold">
+                      <p:stCondLst>
+                        <p:cond delay="indefinite"/>
+                      </p:stCondLst>
+                      <p:childTnLst>
+                        <p:par>
+                          <p:cTn id="19" fill="hold">
+                            <p:stCondLst>
+                              <p:cond delay="0"/>
+                            </p:stCondLst>
+                            <p:childTnLst>
+                              <p:par>
+                                <p:cTn id="20" presetID="10" presetClass="entr" presetSubtype="0" fill="hold" grpId="0" nodeType="clickEffect">
+                                  <p:stCondLst>
+                                    <p:cond delay="0"/>
+                                  </p:stCondLst>
+                                  <p:childTnLst>
+                                    <p:set>
+                                      <p:cBhvr>
+                                        <p:cTn id="21" dur="1" fill="hold">
+                                          <p:stCondLst>
+                                            <p:cond delay="0"/>
+                                          </p:stCondLst>
+                                        </p:cTn>
+                                        <p:tgtEl>
+                                          <p:spTgt spid="3">
+                                            <p:txEl>
+                                              <p:pRg st="4" end="4"/>
+                                            </p:txEl>
+                                          </p:spTgt>
+                                        </p:tgtEl>
+                                        <p:attrNameLst>
+                                          <p:attrName>style.visibility</p:attrName>
+                                        </p:attrNameLst>
+                                      </p:cBhvr>
+                                      <p:to>
+                                        <p:strVal val="visible"/>
+                                      </p:to>
+                                    </p:set>
+                                    <p:animEffect transition="in" filter="fade">
+                                      <p:cBhvr>
+                                        <p:cTn id="22" dur="500"/>
+                                        <p:tgtEl>
+                                          <p:spTgt spid="3">
+                                            <p:txEl>
+                                              <p:pRg st="4" end="4"/>
+                                            </p:txEl>
+                                          </p:spTgt>
+                                        </p:tgtEl>
+                                      </p:cBhvr>
+                                    </p:animEffect>
+                                  </p:childTnLst>
+                                </p:cTn>
+                              </p:par>
+                              <p:par>
+                                <p:cTn id="23" presetID="10" presetClass="entr" presetSubtype="0" fill="hold" grpId="0" nodeType="withEffect">
+                                  <p:stCondLst>
+                                    <p:cond delay="0"/>
+                                  </p:stCondLst>
+                                  <p:childTnLst>
+                                    <p:set>
+                                      <p:cBhvr>
+                                        <p:cTn id="24" dur="1" fill="hold">
+                                          <p:stCondLst>
+                                            <p:cond delay="0"/>
+                                          </p:stCondLst>
+                                        </p:cTn>
+                                        <p:tgtEl>
+                                          <p:spTgt spid="3">
+                                            <p:txEl>
+                                              <p:pRg st="5" end="5"/>
+                                            </p:txEl>
+                                          </p:spTgt>
+                                        </p:tgtEl>
+                                        <p:attrNameLst>
+                                          <p:attrName>style.visibility</p:attrName>
+                                        </p:attrNameLst>
+                                      </p:cBhvr>
+                                      <p:to>
+                                        <p:strVal val="visible"/>
+                                      </p:to>
+                                    </p:set>
+                                    <p:animEffect transition="in" filter="fade">
+                                      <p:cBhvr>
+                                        <p:cTn id="25" dur="500"/>
+                                        <p:tgtEl>
+                                          <p:spTgt spid="3">
+                                            <p:txEl>
+                                              <p:pRg st="5" end="5"/>
+                                            </p:txEl>
+                                          </p:spTgt>
+                                        </p:tgtEl>
+                                      </p:cBhvr>
+                                    </p:animEffect>
+                                  </p:childTnLst>
+                                </p:cTn>
+                              </p:par>
+                              <p:par>
+                                <p:cTn id="26" presetID="10" presetClass="entr" presetSubtype="0" fill="hold" grpId="0" nodeType="withEffect">
+                                  <p:stCondLst>
+                                    <p:cond delay="0"/>
+                                  </p:stCondLst>
+                                  <p:childTnLst>
+                                    <p:set>
+                                      <p:cBhvr>
+                                        <p:cTn id="27" dur="1" fill="hold">
+                                          <p:stCondLst>
+                                            <p:cond delay="0"/>
+                                          </p:stCondLst>
+                                        </p:cTn>
+                                        <p:tgtEl>
+                                          <p:spTgt spid="3">
+                                            <p:txEl>
+                                              <p:pRg st="6" end="6"/>
+                                            </p:txEl>
+                                          </p:spTgt>
+                                        </p:tgtEl>
+                                        <p:attrNameLst>
+                                          <p:attrName>style.visibility</p:attrName>
+                                        </p:attrNameLst>
+                                      </p:cBhvr>
+                                      <p:to>
+                                        <p:strVal val="visible"/>
+                                      </p:to>
+                                    </p:set>
+                                    <p:animEffect transition="in" filter="fade">
+                                      <p:cBhvr>
+                                        <p:cTn id="28" dur="500"/>
+                                        <p:tgtEl>
+                                          <p:spTgt spid="3">
+                                            <p:txEl>
+                                              <p:pRg st="6" end="6"/>
+                                            </p:txEl>
+                                          </p:spTgt>
+                                        </p:tgtEl>
+                                      </p:cBhvr>
+                                    </p:animEffect>
+                                  </p:childTnLst>
+                                </p:cTn>
+                              </p:par>
+                              <p:par>
+                                <p:cTn id="29" presetID="10" presetClass="entr" presetSubtype="0" fill="hold" grpId="0" nodeType="withEffect">
+                                  <p:stCondLst>
+                                    <p:cond delay="0"/>
+                                  </p:stCondLst>
+                                  <p:childTnLst>
+                                    <p:set>
+                                      <p:cBhvr>
+                                        <p:cTn id="30" dur="1" fill="hold">
+                                          <p:stCondLst>
+                                            <p:cond delay="0"/>
+                                          </p:stCondLst>
+                                        </p:cTn>
+                                        <p:tgtEl>
+                                          <p:spTgt spid="3">
+                                            <p:txEl>
+                                              <p:pRg st="7" end="7"/>
+                                            </p:txEl>
+                                          </p:spTgt>
+                                        </p:tgtEl>
+                                        <p:attrNameLst>
+                                          <p:attrName>style.visibility</p:attrName>
+                                        </p:attrNameLst>
+                                      </p:cBhvr>
+                                      <p:to>
+                                        <p:strVal val="visible"/>
+                                      </p:to>
+                                    </p:set>
+                                    <p:animEffect transition="in" filter="fade">
+                                      <p:cBhvr>
+                                        <p:cTn id="31" dur="500"/>
+                                        <p:tgtEl>
+                                          <p:spTgt spid="3">
+                                            <p:txEl>
+                                              <p:pRg st="7" end="7"/>
+                                            </p:txEl>
+                                          </p:spTgt>
+                                        </p:tgtEl>
+                                      </p:cBhvr>
+                                    </p:animEffect>
+                                  </p:childTnLst>
+                                </p:cTn>
+                              </p:par>
+                            </p:childTnLst>
+                          </p:cTn>
+                        </p:par>
+                      </p:childTnLst>
+                    </p:cTn>
+                  </p:par>
+                </p:childTnLst>
+              </p:cTn>
+              <p:prevCondLst>
+                <p:cond evt="onPrev" delay="0">
+                  <p:tgtEl>
+                    <p:sldTgt/>
+                  </p:tgtEl>
+                </p:cond>
+              </p:prevCondLst>
+              <p:nextCondLst>
+                <p:cond evt="onNext" delay="0">
+                  <p:tgtEl>
+                    <p:sldTgt/>
+                  </p:tgtEl>
+                </p:cond>
+              </p:nextCondLst>
+            </p:seq>
+          </p:childTnLst>
+        </p:cTn>
+      </p:par>
+    </p:tnLst>
+    <p:bldLst>
+      <p:bldP spid="2" grpId="0"/>
+      <p:bldP spid="3" grpId="0" build="p"/>
+    </p:bldLst>
+  </p:timing>
 </p:sld>
 </file>
 
@@ -7115,6 +13547,54 @@
           </a:p>
         </p:txBody>
       </p:sp>
+      <p:sp>
+        <p:nvSpPr>
+          <p:cNvPr id="4" name="TextBox 3">
+            <a:extLst>
+              <a:ext uri="{FF2B5EF4-FFF2-40B4-BE49-F238E27FC236}">
+                <a16:creationId xmlns:a16="http://schemas.microsoft.com/office/drawing/2014/main" id="{C09B8FFA-F6AE-4B14-85B7-74B75D5E7DAE}"/>
+              </a:ext>
+            </a:extLst>
+          </p:cNvPr>
+          <p:cNvSpPr txBox="1"/>
+          <p:nvPr/>
+        </p:nvSpPr>
+        <p:spPr>
+          <a:xfrm>
+            <a:off x="0" y="6396335"/>
+            <a:ext cx="2103121" cy="461665"/>
+          </a:xfrm>
+          <a:prstGeom prst="rect">
+            <a:avLst/>
+          </a:prstGeom>
+          <a:noFill/>
+        </p:spPr>
+        <p:txBody>
+          <a:bodyPr wrap="square">
+            <a:spAutoFit/>
+          </a:bodyPr>
+          <a:lstStyle/>
+          <a:p>
+            <a:r>
+              <a:rPr lang="en-US" sz="2400" dirty="0">
+                <a:solidFill>
+                  <a:schemeClr val="tx2">
+                    <a:lumMod val="75000"/>
+                  </a:schemeClr>
+                </a:solidFill>
+              </a:rPr>
+              <a:t>@AtomicNicos</a:t>
+            </a:r>
+            <a:endParaRPr lang="en-CH" sz="2400" dirty="0">
+              <a:solidFill>
+                <a:schemeClr val="tx2">
+                  <a:lumMod val="75000"/>
+                </a:schemeClr>
+              </a:solidFill>
+            </a:endParaRPr>
+          </a:p>
+        </p:txBody>
+      </p:sp>
     </p:spTree>
     <p:extLst>
       <p:ext uri="{BB962C8B-B14F-4D97-AF65-F5344CB8AC3E}">
@@ -7125,6 +13605,408 @@
   <p:clrMapOvr>
     <a:masterClrMapping/>
   </p:clrMapOvr>
+  <p:timing>
+    <p:tnLst>
+      <p:par>
+        <p:cTn id="1" dur="indefinite" restart="never" nodeType="tmRoot">
+          <p:childTnLst>
+            <p:seq concurrent="1" nextAc="seek">
+              <p:cTn id="2" dur="indefinite" nodeType="mainSeq">
+                <p:childTnLst>
+                  <p:par>
+                    <p:cTn id="3" fill="hold">
+                      <p:stCondLst>
+                        <p:cond delay="indefinite"/>
+                        <p:cond evt="onBegin" delay="0">
+                          <p:tn val="2"/>
+                        </p:cond>
+                      </p:stCondLst>
+                      <p:childTnLst>
+                        <p:par>
+                          <p:cTn id="4" fill="hold">
+                            <p:stCondLst>
+                              <p:cond delay="0"/>
+                            </p:stCondLst>
+                            <p:childTnLst>
+                              <p:par>
+                                <p:cTn id="5" presetID="10" presetClass="entr" presetSubtype="0" fill="hold" grpId="0" nodeType="withEffect">
+                                  <p:stCondLst>
+                                    <p:cond delay="0"/>
+                                  </p:stCondLst>
+                                  <p:childTnLst>
+                                    <p:set>
+                                      <p:cBhvr>
+                                        <p:cTn id="6" dur="1" fill="hold">
+                                          <p:stCondLst>
+                                            <p:cond delay="0"/>
+                                          </p:stCondLst>
+                                        </p:cTn>
+                                        <p:tgtEl>
+                                          <p:spTgt spid="2"/>
+                                        </p:tgtEl>
+                                        <p:attrNameLst>
+                                          <p:attrName>style.visibility</p:attrName>
+                                        </p:attrNameLst>
+                                      </p:cBhvr>
+                                      <p:to>
+                                        <p:strVal val="visible"/>
+                                      </p:to>
+                                    </p:set>
+                                    <p:animEffect transition="in" filter="fade">
+                                      <p:cBhvr>
+                                        <p:cTn id="7" dur="500"/>
+                                        <p:tgtEl>
+                                          <p:spTgt spid="2"/>
+                                        </p:tgtEl>
+                                      </p:cBhvr>
+                                    </p:animEffect>
+                                  </p:childTnLst>
+                                </p:cTn>
+                              </p:par>
+                            </p:childTnLst>
+                          </p:cTn>
+                        </p:par>
+                      </p:childTnLst>
+                    </p:cTn>
+                  </p:par>
+                  <p:par>
+                    <p:cTn id="8" fill="hold">
+                      <p:stCondLst>
+                        <p:cond delay="indefinite"/>
+                      </p:stCondLst>
+                      <p:childTnLst>
+                        <p:par>
+                          <p:cTn id="9" fill="hold">
+                            <p:stCondLst>
+                              <p:cond delay="0"/>
+                            </p:stCondLst>
+                            <p:childTnLst>
+                              <p:par>
+                                <p:cTn id="10" presetID="10" presetClass="entr" presetSubtype="0" fill="hold" grpId="0" nodeType="clickEffect">
+                                  <p:stCondLst>
+                                    <p:cond delay="0"/>
+                                  </p:stCondLst>
+                                  <p:childTnLst>
+                                    <p:set>
+                                      <p:cBhvr>
+                                        <p:cTn id="11" dur="1" fill="hold">
+                                          <p:stCondLst>
+                                            <p:cond delay="0"/>
+                                          </p:stCondLst>
+                                        </p:cTn>
+                                        <p:tgtEl>
+                                          <p:spTgt spid="3">
+                                            <p:txEl>
+                                              <p:pRg st="0" end="0"/>
+                                            </p:txEl>
+                                          </p:spTgt>
+                                        </p:tgtEl>
+                                        <p:attrNameLst>
+                                          <p:attrName>style.visibility</p:attrName>
+                                        </p:attrNameLst>
+                                      </p:cBhvr>
+                                      <p:to>
+                                        <p:strVal val="visible"/>
+                                      </p:to>
+                                    </p:set>
+                                    <p:animEffect transition="in" filter="fade">
+                                      <p:cBhvr>
+                                        <p:cTn id="12" dur="500"/>
+                                        <p:tgtEl>
+                                          <p:spTgt spid="3">
+                                            <p:txEl>
+                                              <p:pRg st="0" end="0"/>
+                                            </p:txEl>
+                                          </p:spTgt>
+                                        </p:tgtEl>
+                                      </p:cBhvr>
+                                    </p:animEffect>
+                                  </p:childTnLst>
+                                </p:cTn>
+                              </p:par>
+                            </p:childTnLst>
+                          </p:cTn>
+                        </p:par>
+                      </p:childTnLst>
+                    </p:cTn>
+                  </p:par>
+                  <p:par>
+                    <p:cTn id="13" fill="hold">
+                      <p:stCondLst>
+                        <p:cond delay="indefinite"/>
+                      </p:stCondLst>
+                      <p:childTnLst>
+                        <p:par>
+                          <p:cTn id="14" fill="hold">
+                            <p:stCondLst>
+                              <p:cond delay="0"/>
+                            </p:stCondLst>
+                            <p:childTnLst>
+                              <p:par>
+                                <p:cTn id="15" presetID="10" presetClass="entr" presetSubtype="0" fill="hold" grpId="0" nodeType="clickEffect">
+                                  <p:stCondLst>
+                                    <p:cond delay="0"/>
+                                  </p:stCondLst>
+                                  <p:childTnLst>
+                                    <p:set>
+                                      <p:cBhvr>
+                                        <p:cTn id="16" dur="1" fill="hold">
+                                          <p:stCondLst>
+                                            <p:cond delay="0"/>
+                                          </p:stCondLst>
+                                        </p:cTn>
+                                        <p:tgtEl>
+                                          <p:spTgt spid="3">
+                                            <p:txEl>
+                                              <p:pRg st="2" end="2"/>
+                                            </p:txEl>
+                                          </p:spTgt>
+                                        </p:tgtEl>
+                                        <p:attrNameLst>
+                                          <p:attrName>style.visibility</p:attrName>
+                                        </p:attrNameLst>
+                                      </p:cBhvr>
+                                      <p:to>
+                                        <p:strVal val="visible"/>
+                                      </p:to>
+                                    </p:set>
+                                    <p:animEffect transition="in" filter="fade">
+                                      <p:cBhvr>
+                                        <p:cTn id="17" dur="500"/>
+                                        <p:tgtEl>
+                                          <p:spTgt spid="3">
+                                            <p:txEl>
+                                              <p:pRg st="2" end="2"/>
+                                            </p:txEl>
+                                          </p:spTgt>
+                                        </p:tgtEl>
+                                      </p:cBhvr>
+                                    </p:animEffect>
+                                  </p:childTnLst>
+                                </p:cTn>
+                              </p:par>
+                            </p:childTnLst>
+                          </p:cTn>
+                        </p:par>
+                      </p:childTnLst>
+                    </p:cTn>
+                  </p:par>
+                  <p:par>
+                    <p:cTn id="18" fill="hold">
+                      <p:stCondLst>
+                        <p:cond delay="indefinite"/>
+                      </p:stCondLst>
+                      <p:childTnLst>
+                        <p:par>
+                          <p:cTn id="19" fill="hold">
+                            <p:stCondLst>
+                              <p:cond delay="0"/>
+                            </p:stCondLst>
+                            <p:childTnLst>
+                              <p:par>
+                                <p:cTn id="20" presetID="10" presetClass="entr" presetSubtype="0" fill="hold" grpId="0" nodeType="clickEffect">
+                                  <p:stCondLst>
+                                    <p:cond delay="0"/>
+                                  </p:stCondLst>
+                                  <p:childTnLst>
+                                    <p:set>
+                                      <p:cBhvr>
+                                        <p:cTn id="21" dur="1" fill="hold">
+                                          <p:stCondLst>
+                                            <p:cond delay="0"/>
+                                          </p:stCondLst>
+                                        </p:cTn>
+                                        <p:tgtEl>
+                                          <p:spTgt spid="3">
+                                            <p:txEl>
+                                              <p:pRg st="4" end="4"/>
+                                            </p:txEl>
+                                          </p:spTgt>
+                                        </p:tgtEl>
+                                        <p:attrNameLst>
+                                          <p:attrName>style.visibility</p:attrName>
+                                        </p:attrNameLst>
+                                      </p:cBhvr>
+                                      <p:to>
+                                        <p:strVal val="visible"/>
+                                      </p:to>
+                                    </p:set>
+                                    <p:animEffect transition="in" filter="fade">
+                                      <p:cBhvr>
+                                        <p:cTn id="22" dur="500"/>
+                                        <p:tgtEl>
+                                          <p:spTgt spid="3">
+                                            <p:txEl>
+                                              <p:pRg st="4" end="4"/>
+                                            </p:txEl>
+                                          </p:spTgt>
+                                        </p:tgtEl>
+                                      </p:cBhvr>
+                                    </p:animEffect>
+                                  </p:childTnLst>
+                                </p:cTn>
+                              </p:par>
+                              <p:par>
+                                <p:cTn id="23" presetID="10" presetClass="entr" presetSubtype="0" fill="hold" grpId="0" nodeType="withEffect">
+                                  <p:stCondLst>
+                                    <p:cond delay="0"/>
+                                  </p:stCondLst>
+                                  <p:childTnLst>
+                                    <p:set>
+                                      <p:cBhvr>
+                                        <p:cTn id="24" dur="1" fill="hold">
+                                          <p:stCondLst>
+                                            <p:cond delay="0"/>
+                                          </p:stCondLst>
+                                        </p:cTn>
+                                        <p:tgtEl>
+                                          <p:spTgt spid="3">
+                                            <p:txEl>
+                                              <p:pRg st="5" end="5"/>
+                                            </p:txEl>
+                                          </p:spTgt>
+                                        </p:tgtEl>
+                                        <p:attrNameLst>
+                                          <p:attrName>style.visibility</p:attrName>
+                                        </p:attrNameLst>
+                                      </p:cBhvr>
+                                      <p:to>
+                                        <p:strVal val="visible"/>
+                                      </p:to>
+                                    </p:set>
+                                    <p:animEffect transition="in" filter="fade">
+                                      <p:cBhvr>
+                                        <p:cTn id="25" dur="500"/>
+                                        <p:tgtEl>
+                                          <p:spTgt spid="3">
+                                            <p:txEl>
+                                              <p:pRg st="5" end="5"/>
+                                            </p:txEl>
+                                          </p:spTgt>
+                                        </p:tgtEl>
+                                      </p:cBhvr>
+                                    </p:animEffect>
+                                  </p:childTnLst>
+                                </p:cTn>
+                              </p:par>
+                              <p:par>
+                                <p:cTn id="26" presetID="10" presetClass="entr" presetSubtype="0" fill="hold" grpId="0" nodeType="withEffect">
+                                  <p:stCondLst>
+                                    <p:cond delay="0"/>
+                                  </p:stCondLst>
+                                  <p:childTnLst>
+                                    <p:set>
+                                      <p:cBhvr>
+                                        <p:cTn id="27" dur="1" fill="hold">
+                                          <p:stCondLst>
+                                            <p:cond delay="0"/>
+                                          </p:stCondLst>
+                                        </p:cTn>
+                                        <p:tgtEl>
+                                          <p:spTgt spid="3">
+                                            <p:txEl>
+                                              <p:pRg st="6" end="6"/>
+                                            </p:txEl>
+                                          </p:spTgt>
+                                        </p:tgtEl>
+                                        <p:attrNameLst>
+                                          <p:attrName>style.visibility</p:attrName>
+                                        </p:attrNameLst>
+                                      </p:cBhvr>
+                                      <p:to>
+                                        <p:strVal val="visible"/>
+                                      </p:to>
+                                    </p:set>
+                                    <p:animEffect transition="in" filter="fade">
+                                      <p:cBhvr>
+                                        <p:cTn id="28" dur="500"/>
+                                        <p:tgtEl>
+                                          <p:spTgt spid="3">
+                                            <p:txEl>
+                                              <p:pRg st="6" end="6"/>
+                                            </p:txEl>
+                                          </p:spTgt>
+                                        </p:tgtEl>
+                                      </p:cBhvr>
+                                    </p:animEffect>
+                                  </p:childTnLst>
+                                </p:cTn>
+                              </p:par>
+                              <p:par>
+                                <p:cTn id="29" presetID="10" presetClass="entr" presetSubtype="0" fill="hold" grpId="0" nodeType="withEffect">
+                                  <p:stCondLst>
+                                    <p:cond delay="0"/>
+                                  </p:stCondLst>
+                                  <p:childTnLst>
+                                    <p:set>
+                                      <p:cBhvr>
+                                        <p:cTn id="30" dur="1" fill="hold">
+                                          <p:stCondLst>
+                                            <p:cond delay="0"/>
+                                          </p:stCondLst>
+                                        </p:cTn>
+                                        <p:tgtEl>
+                                          <p:spTgt spid="3">
+                                            <p:txEl>
+                                              <p:pRg st="7" end="7"/>
+                                            </p:txEl>
+                                          </p:spTgt>
+                                        </p:tgtEl>
+                                        <p:attrNameLst>
+                                          <p:attrName>style.visibility</p:attrName>
+                                        </p:attrNameLst>
+                                      </p:cBhvr>
+                                      <p:to>
+                                        <p:strVal val="visible"/>
+                                      </p:to>
+                                    </p:set>
+                                    <p:animEffect transition="in" filter="fade">
+                                      <p:cBhvr>
+                                        <p:cTn id="31" dur="500"/>
+                                        <p:tgtEl>
+                                          <p:spTgt spid="3">
+                                            <p:txEl>
+                                              <p:pRg st="7" end="7"/>
+                                            </p:txEl>
+                                          </p:spTgt>
+                                        </p:tgtEl>
+                                      </p:cBhvr>
+                                    </p:animEffect>
+                                  </p:childTnLst>
+                                </p:cTn>
+                              </p:par>
+                            </p:childTnLst>
+                          </p:cTn>
+                        </p:par>
+                      </p:childTnLst>
+                    </p:cTn>
+                  </p:par>
+                </p:childTnLst>
+              </p:cTn>
+              <p:prevCondLst>
+                <p:cond evt="onPrev" delay="0">
+                  <p:tgtEl>
+                    <p:sldTgt/>
+                  </p:tgtEl>
+                </p:cond>
+              </p:prevCondLst>
+              <p:nextCondLst>
+                <p:cond evt="onNext" delay="0">
+                  <p:tgtEl>
+                    <p:sldTgt/>
+                  </p:tgtEl>
+                </p:cond>
+              </p:nextCondLst>
+            </p:seq>
+          </p:childTnLst>
+        </p:cTn>
+      </p:par>
+    </p:tnLst>
+    <p:bldLst>
+      <p:bldP spid="2" grpId="0"/>
+      <p:bldP spid="3" grpId="0" build="p"/>
+    </p:bldLst>
+  </p:timing>
 </p:sld>
 </file>
 
@@ -7241,6 +14123,54 @@
           </a:p>
         </p:txBody>
       </p:sp>
+      <p:sp>
+        <p:nvSpPr>
+          <p:cNvPr id="4" name="TextBox 3">
+            <a:extLst>
+              <a:ext uri="{FF2B5EF4-FFF2-40B4-BE49-F238E27FC236}">
+                <a16:creationId xmlns:a16="http://schemas.microsoft.com/office/drawing/2014/main" id="{79655831-C89A-4402-A7D9-6352FFE1F0DA}"/>
+              </a:ext>
+            </a:extLst>
+          </p:cNvPr>
+          <p:cNvSpPr txBox="1"/>
+          <p:nvPr/>
+        </p:nvSpPr>
+        <p:spPr>
+          <a:xfrm>
+            <a:off x="0" y="6396335"/>
+            <a:ext cx="2103121" cy="461665"/>
+          </a:xfrm>
+          <a:prstGeom prst="rect">
+            <a:avLst/>
+          </a:prstGeom>
+          <a:noFill/>
+        </p:spPr>
+        <p:txBody>
+          <a:bodyPr wrap="square">
+            <a:spAutoFit/>
+          </a:bodyPr>
+          <a:lstStyle/>
+          <a:p>
+            <a:r>
+              <a:rPr lang="en-US" sz="2400" dirty="0">
+                <a:solidFill>
+                  <a:schemeClr val="tx2">
+                    <a:lumMod val="75000"/>
+                  </a:schemeClr>
+                </a:solidFill>
+              </a:rPr>
+              <a:t>@AtomicNicos</a:t>
+            </a:r>
+            <a:endParaRPr lang="en-CH" sz="2400" dirty="0">
+              <a:solidFill>
+                <a:schemeClr val="tx2">
+                  <a:lumMod val="75000"/>
+                </a:schemeClr>
+              </a:solidFill>
+            </a:endParaRPr>
+          </a:p>
+        </p:txBody>
+      </p:sp>
     </p:spTree>
     <p:extLst>
       <p:ext uri="{BB962C8B-B14F-4D97-AF65-F5344CB8AC3E}">
@@ -7251,6 +14181,408 @@
   <p:clrMapOvr>
     <a:masterClrMapping/>
   </p:clrMapOvr>
+  <p:timing>
+    <p:tnLst>
+      <p:par>
+        <p:cTn id="1" dur="indefinite" restart="never" nodeType="tmRoot">
+          <p:childTnLst>
+            <p:seq concurrent="1" nextAc="seek">
+              <p:cTn id="2" dur="indefinite" nodeType="mainSeq">
+                <p:childTnLst>
+                  <p:par>
+                    <p:cTn id="3" fill="hold">
+                      <p:stCondLst>
+                        <p:cond delay="indefinite"/>
+                        <p:cond evt="onBegin" delay="0">
+                          <p:tn val="2"/>
+                        </p:cond>
+                      </p:stCondLst>
+                      <p:childTnLst>
+                        <p:par>
+                          <p:cTn id="4" fill="hold">
+                            <p:stCondLst>
+                              <p:cond delay="0"/>
+                            </p:stCondLst>
+                            <p:childTnLst>
+                              <p:par>
+                                <p:cTn id="5" presetID="10" presetClass="entr" presetSubtype="0" fill="hold" grpId="0" nodeType="withEffect">
+                                  <p:stCondLst>
+                                    <p:cond delay="0"/>
+                                  </p:stCondLst>
+                                  <p:childTnLst>
+                                    <p:set>
+                                      <p:cBhvr>
+                                        <p:cTn id="6" dur="1" fill="hold">
+                                          <p:stCondLst>
+                                            <p:cond delay="0"/>
+                                          </p:stCondLst>
+                                        </p:cTn>
+                                        <p:tgtEl>
+                                          <p:spTgt spid="2"/>
+                                        </p:tgtEl>
+                                        <p:attrNameLst>
+                                          <p:attrName>style.visibility</p:attrName>
+                                        </p:attrNameLst>
+                                      </p:cBhvr>
+                                      <p:to>
+                                        <p:strVal val="visible"/>
+                                      </p:to>
+                                    </p:set>
+                                    <p:animEffect transition="in" filter="fade">
+                                      <p:cBhvr>
+                                        <p:cTn id="7" dur="500"/>
+                                        <p:tgtEl>
+                                          <p:spTgt spid="2"/>
+                                        </p:tgtEl>
+                                      </p:cBhvr>
+                                    </p:animEffect>
+                                  </p:childTnLst>
+                                </p:cTn>
+                              </p:par>
+                            </p:childTnLst>
+                          </p:cTn>
+                        </p:par>
+                      </p:childTnLst>
+                    </p:cTn>
+                  </p:par>
+                  <p:par>
+                    <p:cTn id="8" fill="hold">
+                      <p:stCondLst>
+                        <p:cond delay="indefinite"/>
+                      </p:stCondLst>
+                      <p:childTnLst>
+                        <p:par>
+                          <p:cTn id="9" fill="hold">
+                            <p:stCondLst>
+                              <p:cond delay="0"/>
+                            </p:stCondLst>
+                            <p:childTnLst>
+                              <p:par>
+                                <p:cTn id="10" presetID="10" presetClass="entr" presetSubtype="0" fill="hold" grpId="0" nodeType="clickEffect">
+                                  <p:stCondLst>
+                                    <p:cond delay="0"/>
+                                  </p:stCondLst>
+                                  <p:childTnLst>
+                                    <p:set>
+                                      <p:cBhvr>
+                                        <p:cTn id="11" dur="1" fill="hold">
+                                          <p:stCondLst>
+                                            <p:cond delay="0"/>
+                                          </p:stCondLst>
+                                        </p:cTn>
+                                        <p:tgtEl>
+                                          <p:spTgt spid="3">
+                                            <p:txEl>
+                                              <p:pRg st="0" end="0"/>
+                                            </p:txEl>
+                                          </p:spTgt>
+                                        </p:tgtEl>
+                                        <p:attrNameLst>
+                                          <p:attrName>style.visibility</p:attrName>
+                                        </p:attrNameLst>
+                                      </p:cBhvr>
+                                      <p:to>
+                                        <p:strVal val="visible"/>
+                                      </p:to>
+                                    </p:set>
+                                    <p:animEffect transition="in" filter="fade">
+                                      <p:cBhvr>
+                                        <p:cTn id="12" dur="500"/>
+                                        <p:tgtEl>
+                                          <p:spTgt spid="3">
+                                            <p:txEl>
+                                              <p:pRg st="0" end="0"/>
+                                            </p:txEl>
+                                          </p:spTgt>
+                                        </p:tgtEl>
+                                      </p:cBhvr>
+                                    </p:animEffect>
+                                  </p:childTnLst>
+                                </p:cTn>
+                              </p:par>
+                            </p:childTnLst>
+                          </p:cTn>
+                        </p:par>
+                      </p:childTnLst>
+                    </p:cTn>
+                  </p:par>
+                  <p:par>
+                    <p:cTn id="13" fill="hold">
+                      <p:stCondLst>
+                        <p:cond delay="indefinite"/>
+                      </p:stCondLst>
+                      <p:childTnLst>
+                        <p:par>
+                          <p:cTn id="14" fill="hold">
+                            <p:stCondLst>
+                              <p:cond delay="0"/>
+                            </p:stCondLst>
+                            <p:childTnLst>
+                              <p:par>
+                                <p:cTn id="15" presetID="10" presetClass="entr" presetSubtype="0" fill="hold" grpId="0" nodeType="clickEffect">
+                                  <p:stCondLst>
+                                    <p:cond delay="0"/>
+                                  </p:stCondLst>
+                                  <p:childTnLst>
+                                    <p:set>
+                                      <p:cBhvr>
+                                        <p:cTn id="16" dur="1" fill="hold">
+                                          <p:stCondLst>
+                                            <p:cond delay="0"/>
+                                          </p:stCondLst>
+                                        </p:cTn>
+                                        <p:tgtEl>
+                                          <p:spTgt spid="3">
+                                            <p:txEl>
+                                              <p:pRg st="2" end="2"/>
+                                            </p:txEl>
+                                          </p:spTgt>
+                                        </p:tgtEl>
+                                        <p:attrNameLst>
+                                          <p:attrName>style.visibility</p:attrName>
+                                        </p:attrNameLst>
+                                      </p:cBhvr>
+                                      <p:to>
+                                        <p:strVal val="visible"/>
+                                      </p:to>
+                                    </p:set>
+                                    <p:animEffect transition="in" filter="fade">
+                                      <p:cBhvr>
+                                        <p:cTn id="17" dur="500"/>
+                                        <p:tgtEl>
+                                          <p:spTgt spid="3">
+                                            <p:txEl>
+                                              <p:pRg st="2" end="2"/>
+                                            </p:txEl>
+                                          </p:spTgt>
+                                        </p:tgtEl>
+                                      </p:cBhvr>
+                                    </p:animEffect>
+                                  </p:childTnLst>
+                                </p:cTn>
+                              </p:par>
+                            </p:childTnLst>
+                          </p:cTn>
+                        </p:par>
+                      </p:childTnLst>
+                    </p:cTn>
+                  </p:par>
+                  <p:par>
+                    <p:cTn id="18" fill="hold">
+                      <p:stCondLst>
+                        <p:cond delay="indefinite"/>
+                      </p:stCondLst>
+                      <p:childTnLst>
+                        <p:par>
+                          <p:cTn id="19" fill="hold">
+                            <p:stCondLst>
+                              <p:cond delay="0"/>
+                            </p:stCondLst>
+                            <p:childTnLst>
+                              <p:par>
+                                <p:cTn id="20" presetID="10" presetClass="entr" presetSubtype="0" fill="hold" grpId="0" nodeType="clickEffect">
+                                  <p:stCondLst>
+                                    <p:cond delay="0"/>
+                                  </p:stCondLst>
+                                  <p:childTnLst>
+                                    <p:set>
+                                      <p:cBhvr>
+                                        <p:cTn id="21" dur="1" fill="hold">
+                                          <p:stCondLst>
+                                            <p:cond delay="0"/>
+                                          </p:stCondLst>
+                                        </p:cTn>
+                                        <p:tgtEl>
+                                          <p:spTgt spid="3">
+                                            <p:txEl>
+                                              <p:pRg st="4" end="4"/>
+                                            </p:txEl>
+                                          </p:spTgt>
+                                        </p:tgtEl>
+                                        <p:attrNameLst>
+                                          <p:attrName>style.visibility</p:attrName>
+                                        </p:attrNameLst>
+                                      </p:cBhvr>
+                                      <p:to>
+                                        <p:strVal val="visible"/>
+                                      </p:to>
+                                    </p:set>
+                                    <p:animEffect transition="in" filter="fade">
+                                      <p:cBhvr>
+                                        <p:cTn id="22" dur="500"/>
+                                        <p:tgtEl>
+                                          <p:spTgt spid="3">
+                                            <p:txEl>
+                                              <p:pRg st="4" end="4"/>
+                                            </p:txEl>
+                                          </p:spTgt>
+                                        </p:tgtEl>
+                                      </p:cBhvr>
+                                    </p:animEffect>
+                                  </p:childTnLst>
+                                </p:cTn>
+                              </p:par>
+                              <p:par>
+                                <p:cTn id="23" presetID="10" presetClass="entr" presetSubtype="0" fill="hold" grpId="0" nodeType="withEffect">
+                                  <p:stCondLst>
+                                    <p:cond delay="0"/>
+                                  </p:stCondLst>
+                                  <p:childTnLst>
+                                    <p:set>
+                                      <p:cBhvr>
+                                        <p:cTn id="24" dur="1" fill="hold">
+                                          <p:stCondLst>
+                                            <p:cond delay="0"/>
+                                          </p:stCondLst>
+                                        </p:cTn>
+                                        <p:tgtEl>
+                                          <p:spTgt spid="3">
+                                            <p:txEl>
+                                              <p:pRg st="5" end="5"/>
+                                            </p:txEl>
+                                          </p:spTgt>
+                                        </p:tgtEl>
+                                        <p:attrNameLst>
+                                          <p:attrName>style.visibility</p:attrName>
+                                        </p:attrNameLst>
+                                      </p:cBhvr>
+                                      <p:to>
+                                        <p:strVal val="visible"/>
+                                      </p:to>
+                                    </p:set>
+                                    <p:animEffect transition="in" filter="fade">
+                                      <p:cBhvr>
+                                        <p:cTn id="25" dur="500"/>
+                                        <p:tgtEl>
+                                          <p:spTgt spid="3">
+                                            <p:txEl>
+                                              <p:pRg st="5" end="5"/>
+                                            </p:txEl>
+                                          </p:spTgt>
+                                        </p:tgtEl>
+                                      </p:cBhvr>
+                                    </p:animEffect>
+                                  </p:childTnLst>
+                                </p:cTn>
+                              </p:par>
+                              <p:par>
+                                <p:cTn id="26" presetID="10" presetClass="entr" presetSubtype="0" fill="hold" grpId="0" nodeType="withEffect">
+                                  <p:stCondLst>
+                                    <p:cond delay="0"/>
+                                  </p:stCondLst>
+                                  <p:childTnLst>
+                                    <p:set>
+                                      <p:cBhvr>
+                                        <p:cTn id="27" dur="1" fill="hold">
+                                          <p:stCondLst>
+                                            <p:cond delay="0"/>
+                                          </p:stCondLst>
+                                        </p:cTn>
+                                        <p:tgtEl>
+                                          <p:spTgt spid="3">
+                                            <p:txEl>
+                                              <p:pRg st="6" end="6"/>
+                                            </p:txEl>
+                                          </p:spTgt>
+                                        </p:tgtEl>
+                                        <p:attrNameLst>
+                                          <p:attrName>style.visibility</p:attrName>
+                                        </p:attrNameLst>
+                                      </p:cBhvr>
+                                      <p:to>
+                                        <p:strVal val="visible"/>
+                                      </p:to>
+                                    </p:set>
+                                    <p:animEffect transition="in" filter="fade">
+                                      <p:cBhvr>
+                                        <p:cTn id="28" dur="500"/>
+                                        <p:tgtEl>
+                                          <p:spTgt spid="3">
+                                            <p:txEl>
+                                              <p:pRg st="6" end="6"/>
+                                            </p:txEl>
+                                          </p:spTgt>
+                                        </p:tgtEl>
+                                      </p:cBhvr>
+                                    </p:animEffect>
+                                  </p:childTnLst>
+                                </p:cTn>
+                              </p:par>
+                              <p:par>
+                                <p:cTn id="29" presetID="10" presetClass="entr" presetSubtype="0" fill="hold" grpId="0" nodeType="withEffect">
+                                  <p:stCondLst>
+                                    <p:cond delay="0"/>
+                                  </p:stCondLst>
+                                  <p:childTnLst>
+                                    <p:set>
+                                      <p:cBhvr>
+                                        <p:cTn id="30" dur="1" fill="hold">
+                                          <p:stCondLst>
+                                            <p:cond delay="0"/>
+                                          </p:stCondLst>
+                                        </p:cTn>
+                                        <p:tgtEl>
+                                          <p:spTgt spid="3">
+                                            <p:txEl>
+                                              <p:pRg st="7" end="7"/>
+                                            </p:txEl>
+                                          </p:spTgt>
+                                        </p:tgtEl>
+                                        <p:attrNameLst>
+                                          <p:attrName>style.visibility</p:attrName>
+                                        </p:attrNameLst>
+                                      </p:cBhvr>
+                                      <p:to>
+                                        <p:strVal val="visible"/>
+                                      </p:to>
+                                    </p:set>
+                                    <p:animEffect transition="in" filter="fade">
+                                      <p:cBhvr>
+                                        <p:cTn id="31" dur="500"/>
+                                        <p:tgtEl>
+                                          <p:spTgt spid="3">
+                                            <p:txEl>
+                                              <p:pRg st="7" end="7"/>
+                                            </p:txEl>
+                                          </p:spTgt>
+                                        </p:tgtEl>
+                                      </p:cBhvr>
+                                    </p:animEffect>
+                                  </p:childTnLst>
+                                </p:cTn>
+                              </p:par>
+                            </p:childTnLst>
+                          </p:cTn>
+                        </p:par>
+                      </p:childTnLst>
+                    </p:cTn>
+                  </p:par>
+                </p:childTnLst>
+              </p:cTn>
+              <p:prevCondLst>
+                <p:cond evt="onPrev" delay="0">
+                  <p:tgtEl>
+                    <p:sldTgt/>
+                  </p:tgtEl>
+                </p:cond>
+              </p:prevCondLst>
+              <p:nextCondLst>
+                <p:cond evt="onNext" delay="0">
+                  <p:tgtEl>
+                    <p:sldTgt/>
+                  </p:tgtEl>
+                </p:cond>
+              </p:nextCondLst>
+            </p:seq>
+          </p:childTnLst>
+        </p:cTn>
+      </p:par>
+    </p:tnLst>
+    <p:bldLst>
+      <p:bldP spid="2" grpId="0"/>
+      <p:bldP spid="3" grpId="0" build="p"/>
+    </p:bldLst>
+  </p:timing>
 </p:sld>
 </file>
 
@@ -7363,6 +14695,54 @@
           </a:p>
         </p:txBody>
       </p:sp>
+      <p:sp>
+        <p:nvSpPr>
+          <p:cNvPr id="4" name="TextBox 3">
+            <a:extLst>
+              <a:ext uri="{FF2B5EF4-FFF2-40B4-BE49-F238E27FC236}">
+                <a16:creationId xmlns:a16="http://schemas.microsoft.com/office/drawing/2014/main" id="{B5DB5C6D-9B55-4171-87EF-B675C6C593EE}"/>
+              </a:ext>
+            </a:extLst>
+          </p:cNvPr>
+          <p:cNvSpPr txBox="1"/>
+          <p:nvPr/>
+        </p:nvSpPr>
+        <p:spPr>
+          <a:xfrm>
+            <a:off x="0" y="6396335"/>
+            <a:ext cx="2103121" cy="461665"/>
+          </a:xfrm>
+          <a:prstGeom prst="rect">
+            <a:avLst/>
+          </a:prstGeom>
+          <a:noFill/>
+        </p:spPr>
+        <p:txBody>
+          <a:bodyPr wrap="square">
+            <a:spAutoFit/>
+          </a:bodyPr>
+          <a:lstStyle/>
+          <a:p>
+            <a:r>
+              <a:rPr lang="en-US" sz="2400" dirty="0">
+                <a:solidFill>
+                  <a:schemeClr val="tx2">
+                    <a:lumMod val="75000"/>
+                  </a:schemeClr>
+                </a:solidFill>
+              </a:rPr>
+              <a:t>@AtomicNicos</a:t>
+            </a:r>
+            <a:endParaRPr lang="en-CH" sz="2400" dirty="0">
+              <a:solidFill>
+                <a:schemeClr val="tx2">
+                  <a:lumMod val="75000"/>
+                </a:schemeClr>
+              </a:solidFill>
+            </a:endParaRPr>
+          </a:p>
+        </p:txBody>
+      </p:sp>
     </p:spTree>
     <p:extLst>
       <p:ext uri="{BB962C8B-B14F-4D97-AF65-F5344CB8AC3E}">
@@ -7373,6 +14753,365 @@
   <p:clrMapOvr>
     <a:masterClrMapping/>
   </p:clrMapOvr>
+  <p:timing>
+    <p:tnLst>
+      <p:par>
+        <p:cTn id="1" dur="indefinite" restart="never" nodeType="tmRoot">
+          <p:childTnLst>
+            <p:seq concurrent="1" nextAc="seek">
+              <p:cTn id="2" dur="indefinite" nodeType="mainSeq">
+                <p:childTnLst>
+                  <p:par>
+                    <p:cTn id="3" fill="hold">
+                      <p:stCondLst>
+                        <p:cond delay="indefinite"/>
+                        <p:cond evt="onBegin" delay="0">
+                          <p:tn val="2"/>
+                        </p:cond>
+                      </p:stCondLst>
+                      <p:childTnLst>
+                        <p:par>
+                          <p:cTn id="4" fill="hold">
+                            <p:stCondLst>
+                              <p:cond delay="0"/>
+                            </p:stCondLst>
+                            <p:childTnLst>
+                              <p:par>
+                                <p:cTn id="5" presetID="10" presetClass="entr" presetSubtype="0" fill="hold" grpId="0" nodeType="withEffect">
+                                  <p:stCondLst>
+                                    <p:cond delay="0"/>
+                                  </p:stCondLst>
+                                  <p:childTnLst>
+                                    <p:set>
+                                      <p:cBhvr>
+                                        <p:cTn id="6" dur="1" fill="hold">
+                                          <p:stCondLst>
+                                            <p:cond delay="0"/>
+                                          </p:stCondLst>
+                                        </p:cTn>
+                                        <p:tgtEl>
+                                          <p:spTgt spid="2"/>
+                                        </p:tgtEl>
+                                        <p:attrNameLst>
+                                          <p:attrName>style.visibility</p:attrName>
+                                        </p:attrNameLst>
+                                      </p:cBhvr>
+                                      <p:to>
+                                        <p:strVal val="visible"/>
+                                      </p:to>
+                                    </p:set>
+                                    <p:animEffect transition="in" filter="fade">
+                                      <p:cBhvr>
+                                        <p:cTn id="7" dur="500"/>
+                                        <p:tgtEl>
+                                          <p:spTgt spid="2"/>
+                                        </p:tgtEl>
+                                      </p:cBhvr>
+                                    </p:animEffect>
+                                  </p:childTnLst>
+                                </p:cTn>
+                              </p:par>
+                            </p:childTnLst>
+                          </p:cTn>
+                        </p:par>
+                      </p:childTnLst>
+                    </p:cTn>
+                  </p:par>
+                  <p:par>
+                    <p:cTn id="8" fill="hold">
+                      <p:stCondLst>
+                        <p:cond delay="indefinite"/>
+                      </p:stCondLst>
+                      <p:childTnLst>
+                        <p:par>
+                          <p:cTn id="9" fill="hold">
+                            <p:stCondLst>
+                              <p:cond delay="0"/>
+                            </p:stCondLst>
+                            <p:childTnLst>
+                              <p:par>
+                                <p:cTn id="10" presetID="10" presetClass="entr" presetSubtype="0" fill="hold" grpId="0" nodeType="clickEffect">
+                                  <p:stCondLst>
+                                    <p:cond delay="0"/>
+                                  </p:stCondLst>
+                                  <p:childTnLst>
+                                    <p:set>
+                                      <p:cBhvr>
+                                        <p:cTn id="11" dur="1" fill="hold">
+                                          <p:stCondLst>
+                                            <p:cond delay="0"/>
+                                          </p:stCondLst>
+                                        </p:cTn>
+                                        <p:tgtEl>
+                                          <p:spTgt spid="3">
+                                            <p:txEl>
+                                              <p:pRg st="0" end="0"/>
+                                            </p:txEl>
+                                          </p:spTgt>
+                                        </p:tgtEl>
+                                        <p:attrNameLst>
+                                          <p:attrName>style.visibility</p:attrName>
+                                        </p:attrNameLst>
+                                      </p:cBhvr>
+                                      <p:to>
+                                        <p:strVal val="visible"/>
+                                      </p:to>
+                                    </p:set>
+                                    <p:animEffect transition="in" filter="fade">
+                                      <p:cBhvr>
+                                        <p:cTn id="12" dur="500"/>
+                                        <p:tgtEl>
+                                          <p:spTgt spid="3">
+                                            <p:txEl>
+                                              <p:pRg st="0" end="0"/>
+                                            </p:txEl>
+                                          </p:spTgt>
+                                        </p:tgtEl>
+                                      </p:cBhvr>
+                                    </p:animEffect>
+                                  </p:childTnLst>
+                                </p:cTn>
+                              </p:par>
+                            </p:childTnLst>
+                          </p:cTn>
+                        </p:par>
+                      </p:childTnLst>
+                    </p:cTn>
+                  </p:par>
+                  <p:par>
+                    <p:cTn id="13" fill="hold">
+                      <p:stCondLst>
+                        <p:cond delay="indefinite"/>
+                      </p:stCondLst>
+                      <p:childTnLst>
+                        <p:par>
+                          <p:cTn id="14" fill="hold">
+                            <p:stCondLst>
+                              <p:cond delay="0"/>
+                            </p:stCondLst>
+                            <p:childTnLst>
+                              <p:par>
+                                <p:cTn id="15" presetID="10" presetClass="entr" presetSubtype="0" fill="hold" grpId="0" nodeType="clickEffect">
+                                  <p:stCondLst>
+                                    <p:cond delay="0"/>
+                                  </p:stCondLst>
+                                  <p:childTnLst>
+                                    <p:set>
+                                      <p:cBhvr>
+                                        <p:cTn id="16" dur="1" fill="hold">
+                                          <p:stCondLst>
+                                            <p:cond delay="0"/>
+                                          </p:stCondLst>
+                                        </p:cTn>
+                                        <p:tgtEl>
+                                          <p:spTgt spid="3">
+                                            <p:txEl>
+                                              <p:pRg st="2" end="2"/>
+                                            </p:txEl>
+                                          </p:spTgt>
+                                        </p:tgtEl>
+                                        <p:attrNameLst>
+                                          <p:attrName>style.visibility</p:attrName>
+                                        </p:attrNameLst>
+                                      </p:cBhvr>
+                                      <p:to>
+                                        <p:strVal val="visible"/>
+                                      </p:to>
+                                    </p:set>
+                                    <p:animEffect transition="in" filter="fade">
+                                      <p:cBhvr>
+                                        <p:cTn id="17" dur="500"/>
+                                        <p:tgtEl>
+                                          <p:spTgt spid="3">
+                                            <p:txEl>
+                                              <p:pRg st="2" end="2"/>
+                                            </p:txEl>
+                                          </p:spTgt>
+                                        </p:tgtEl>
+                                      </p:cBhvr>
+                                    </p:animEffect>
+                                  </p:childTnLst>
+                                </p:cTn>
+                              </p:par>
+                            </p:childTnLst>
+                          </p:cTn>
+                        </p:par>
+                      </p:childTnLst>
+                    </p:cTn>
+                  </p:par>
+                  <p:par>
+                    <p:cTn id="18" fill="hold">
+                      <p:stCondLst>
+                        <p:cond delay="indefinite"/>
+                      </p:stCondLst>
+                      <p:childTnLst>
+                        <p:par>
+                          <p:cTn id="19" fill="hold">
+                            <p:stCondLst>
+                              <p:cond delay="0"/>
+                            </p:stCondLst>
+                            <p:childTnLst>
+                              <p:par>
+                                <p:cTn id="20" presetID="10" presetClass="entr" presetSubtype="0" fill="hold" grpId="0" nodeType="clickEffect">
+                                  <p:stCondLst>
+                                    <p:cond delay="0"/>
+                                  </p:stCondLst>
+                                  <p:childTnLst>
+                                    <p:set>
+                                      <p:cBhvr>
+                                        <p:cTn id="21" dur="1" fill="hold">
+                                          <p:stCondLst>
+                                            <p:cond delay="0"/>
+                                          </p:stCondLst>
+                                        </p:cTn>
+                                        <p:tgtEl>
+                                          <p:spTgt spid="3">
+                                            <p:txEl>
+                                              <p:pRg st="4" end="4"/>
+                                            </p:txEl>
+                                          </p:spTgt>
+                                        </p:tgtEl>
+                                        <p:attrNameLst>
+                                          <p:attrName>style.visibility</p:attrName>
+                                        </p:attrNameLst>
+                                      </p:cBhvr>
+                                      <p:to>
+                                        <p:strVal val="visible"/>
+                                      </p:to>
+                                    </p:set>
+                                    <p:animEffect transition="in" filter="fade">
+                                      <p:cBhvr>
+                                        <p:cTn id="22" dur="500"/>
+                                        <p:tgtEl>
+                                          <p:spTgt spid="3">
+                                            <p:txEl>
+                                              <p:pRg st="4" end="4"/>
+                                            </p:txEl>
+                                          </p:spTgt>
+                                        </p:tgtEl>
+                                      </p:cBhvr>
+                                    </p:animEffect>
+                                  </p:childTnLst>
+                                </p:cTn>
+                              </p:par>
+                              <p:par>
+                                <p:cTn id="23" presetID="10" presetClass="entr" presetSubtype="0" fill="hold" grpId="0" nodeType="withEffect">
+                                  <p:stCondLst>
+                                    <p:cond delay="0"/>
+                                  </p:stCondLst>
+                                  <p:childTnLst>
+                                    <p:set>
+                                      <p:cBhvr>
+                                        <p:cTn id="24" dur="1" fill="hold">
+                                          <p:stCondLst>
+                                            <p:cond delay="0"/>
+                                          </p:stCondLst>
+                                        </p:cTn>
+                                        <p:tgtEl>
+                                          <p:spTgt spid="3">
+                                            <p:txEl>
+                                              <p:pRg st="5" end="5"/>
+                                            </p:txEl>
+                                          </p:spTgt>
+                                        </p:tgtEl>
+                                        <p:attrNameLst>
+                                          <p:attrName>style.visibility</p:attrName>
+                                        </p:attrNameLst>
+                                      </p:cBhvr>
+                                      <p:to>
+                                        <p:strVal val="visible"/>
+                                      </p:to>
+                                    </p:set>
+                                    <p:animEffect transition="in" filter="fade">
+                                      <p:cBhvr>
+                                        <p:cTn id="25" dur="500"/>
+                                        <p:tgtEl>
+                                          <p:spTgt spid="3">
+                                            <p:txEl>
+                                              <p:pRg st="5" end="5"/>
+                                            </p:txEl>
+                                          </p:spTgt>
+                                        </p:tgtEl>
+                                      </p:cBhvr>
+                                    </p:animEffect>
+                                  </p:childTnLst>
+                                </p:cTn>
+                              </p:par>
+                              <p:par>
+                                <p:cTn id="26" presetID="10" presetClass="entr" presetSubtype="0" fill="hold" grpId="0" nodeType="withEffect">
+                                  <p:stCondLst>
+                                    <p:cond delay="0"/>
+                                  </p:stCondLst>
+                                  <p:childTnLst>
+                                    <p:set>
+                                      <p:cBhvr>
+                                        <p:cTn id="27" dur="1" fill="hold">
+                                          <p:stCondLst>
+                                            <p:cond delay="0"/>
+                                          </p:stCondLst>
+                                        </p:cTn>
+                                        <p:tgtEl>
+                                          <p:spTgt spid="3">
+                                            <p:txEl>
+                                              <p:pRg st="6" end="6"/>
+                                            </p:txEl>
+                                          </p:spTgt>
+                                        </p:tgtEl>
+                                        <p:attrNameLst>
+                                          <p:attrName>style.visibility</p:attrName>
+                                        </p:attrNameLst>
+                                      </p:cBhvr>
+                                      <p:to>
+                                        <p:strVal val="visible"/>
+                                      </p:to>
+                                    </p:set>
+                                    <p:animEffect transition="in" filter="fade">
+                                      <p:cBhvr>
+                                        <p:cTn id="28" dur="500"/>
+                                        <p:tgtEl>
+                                          <p:spTgt spid="3">
+                                            <p:txEl>
+                                              <p:pRg st="6" end="6"/>
+                                            </p:txEl>
+                                          </p:spTgt>
+                                        </p:tgtEl>
+                                      </p:cBhvr>
+                                    </p:animEffect>
+                                  </p:childTnLst>
+                                </p:cTn>
+                              </p:par>
+                            </p:childTnLst>
+                          </p:cTn>
+                        </p:par>
+                      </p:childTnLst>
+                    </p:cTn>
+                  </p:par>
+                </p:childTnLst>
+              </p:cTn>
+              <p:prevCondLst>
+                <p:cond evt="onPrev" delay="0">
+                  <p:tgtEl>
+                    <p:sldTgt/>
+                  </p:tgtEl>
+                </p:cond>
+              </p:prevCondLst>
+              <p:nextCondLst>
+                <p:cond evt="onNext" delay="0">
+                  <p:tgtEl>
+                    <p:sldTgt/>
+                  </p:tgtEl>
+                </p:cond>
+              </p:nextCondLst>
+            </p:seq>
+          </p:childTnLst>
+        </p:cTn>
+      </p:par>
+    </p:tnLst>
+    <p:bldLst>
+      <p:bldP spid="2" grpId="0"/>
+      <p:bldP spid="3" grpId="0" build="p"/>
+    </p:bldLst>
+  </p:timing>
 </p:sld>
 </file>
 
@@ -7492,6 +15231,54 @@
           </a:p>
         </p:txBody>
       </p:sp>
+      <p:sp>
+        <p:nvSpPr>
+          <p:cNvPr id="4" name="TextBox 3">
+            <a:extLst>
+              <a:ext uri="{FF2B5EF4-FFF2-40B4-BE49-F238E27FC236}">
+                <a16:creationId xmlns:a16="http://schemas.microsoft.com/office/drawing/2014/main" id="{4F40CCBC-DC69-449F-9AA0-BEE0BAC23E18}"/>
+              </a:ext>
+            </a:extLst>
+          </p:cNvPr>
+          <p:cNvSpPr txBox="1"/>
+          <p:nvPr/>
+        </p:nvSpPr>
+        <p:spPr>
+          <a:xfrm>
+            <a:off x="0" y="6396335"/>
+            <a:ext cx="2103121" cy="461665"/>
+          </a:xfrm>
+          <a:prstGeom prst="rect">
+            <a:avLst/>
+          </a:prstGeom>
+          <a:noFill/>
+        </p:spPr>
+        <p:txBody>
+          <a:bodyPr wrap="square">
+            <a:spAutoFit/>
+          </a:bodyPr>
+          <a:lstStyle/>
+          <a:p>
+            <a:r>
+              <a:rPr lang="en-US" sz="2400" dirty="0">
+                <a:solidFill>
+                  <a:schemeClr val="tx2">
+                    <a:lumMod val="75000"/>
+                  </a:schemeClr>
+                </a:solidFill>
+              </a:rPr>
+              <a:t>@AtomicNicos</a:t>
+            </a:r>
+            <a:endParaRPr lang="en-CH" sz="2400" dirty="0">
+              <a:solidFill>
+                <a:schemeClr val="tx2">
+                  <a:lumMod val="75000"/>
+                </a:schemeClr>
+              </a:solidFill>
+            </a:endParaRPr>
+          </a:p>
+        </p:txBody>
+      </p:sp>
     </p:spTree>
     <p:extLst>
       <p:ext uri="{BB962C8B-B14F-4D97-AF65-F5344CB8AC3E}">
@@ -7502,6 +15289,408 @@
   <p:clrMapOvr>
     <a:masterClrMapping/>
   </p:clrMapOvr>
+  <p:timing>
+    <p:tnLst>
+      <p:par>
+        <p:cTn id="1" dur="indefinite" restart="never" nodeType="tmRoot">
+          <p:childTnLst>
+            <p:seq concurrent="1" nextAc="seek">
+              <p:cTn id="2" dur="indefinite" nodeType="mainSeq">
+                <p:childTnLst>
+                  <p:par>
+                    <p:cTn id="3" fill="hold">
+                      <p:stCondLst>
+                        <p:cond delay="indefinite"/>
+                        <p:cond evt="onBegin" delay="0">
+                          <p:tn val="2"/>
+                        </p:cond>
+                      </p:stCondLst>
+                      <p:childTnLst>
+                        <p:par>
+                          <p:cTn id="4" fill="hold">
+                            <p:stCondLst>
+                              <p:cond delay="0"/>
+                            </p:stCondLst>
+                            <p:childTnLst>
+                              <p:par>
+                                <p:cTn id="5" presetID="10" presetClass="entr" presetSubtype="0" fill="hold" grpId="0" nodeType="withEffect">
+                                  <p:stCondLst>
+                                    <p:cond delay="0"/>
+                                  </p:stCondLst>
+                                  <p:childTnLst>
+                                    <p:set>
+                                      <p:cBhvr>
+                                        <p:cTn id="6" dur="1" fill="hold">
+                                          <p:stCondLst>
+                                            <p:cond delay="0"/>
+                                          </p:stCondLst>
+                                        </p:cTn>
+                                        <p:tgtEl>
+                                          <p:spTgt spid="2"/>
+                                        </p:tgtEl>
+                                        <p:attrNameLst>
+                                          <p:attrName>style.visibility</p:attrName>
+                                        </p:attrNameLst>
+                                      </p:cBhvr>
+                                      <p:to>
+                                        <p:strVal val="visible"/>
+                                      </p:to>
+                                    </p:set>
+                                    <p:animEffect transition="in" filter="fade">
+                                      <p:cBhvr>
+                                        <p:cTn id="7" dur="500"/>
+                                        <p:tgtEl>
+                                          <p:spTgt spid="2"/>
+                                        </p:tgtEl>
+                                      </p:cBhvr>
+                                    </p:animEffect>
+                                  </p:childTnLst>
+                                </p:cTn>
+                              </p:par>
+                            </p:childTnLst>
+                          </p:cTn>
+                        </p:par>
+                      </p:childTnLst>
+                    </p:cTn>
+                  </p:par>
+                  <p:par>
+                    <p:cTn id="8" fill="hold">
+                      <p:stCondLst>
+                        <p:cond delay="indefinite"/>
+                      </p:stCondLst>
+                      <p:childTnLst>
+                        <p:par>
+                          <p:cTn id="9" fill="hold">
+                            <p:stCondLst>
+                              <p:cond delay="0"/>
+                            </p:stCondLst>
+                            <p:childTnLst>
+                              <p:par>
+                                <p:cTn id="10" presetID="10" presetClass="entr" presetSubtype="0" fill="hold" grpId="0" nodeType="clickEffect">
+                                  <p:stCondLst>
+                                    <p:cond delay="0"/>
+                                  </p:stCondLst>
+                                  <p:childTnLst>
+                                    <p:set>
+                                      <p:cBhvr>
+                                        <p:cTn id="11" dur="1" fill="hold">
+                                          <p:stCondLst>
+                                            <p:cond delay="0"/>
+                                          </p:stCondLst>
+                                        </p:cTn>
+                                        <p:tgtEl>
+                                          <p:spTgt spid="3">
+                                            <p:txEl>
+                                              <p:pRg st="0" end="0"/>
+                                            </p:txEl>
+                                          </p:spTgt>
+                                        </p:tgtEl>
+                                        <p:attrNameLst>
+                                          <p:attrName>style.visibility</p:attrName>
+                                        </p:attrNameLst>
+                                      </p:cBhvr>
+                                      <p:to>
+                                        <p:strVal val="visible"/>
+                                      </p:to>
+                                    </p:set>
+                                    <p:animEffect transition="in" filter="fade">
+                                      <p:cBhvr>
+                                        <p:cTn id="12" dur="500"/>
+                                        <p:tgtEl>
+                                          <p:spTgt spid="3">
+                                            <p:txEl>
+                                              <p:pRg st="0" end="0"/>
+                                            </p:txEl>
+                                          </p:spTgt>
+                                        </p:tgtEl>
+                                      </p:cBhvr>
+                                    </p:animEffect>
+                                  </p:childTnLst>
+                                </p:cTn>
+                              </p:par>
+                            </p:childTnLst>
+                          </p:cTn>
+                        </p:par>
+                      </p:childTnLst>
+                    </p:cTn>
+                  </p:par>
+                  <p:par>
+                    <p:cTn id="13" fill="hold">
+                      <p:stCondLst>
+                        <p:cond delay="indefinite"/>
+                      </p:stCondLst>
+                      <p:childTnLst>
+                        <p:par>
+                          <p:cTn id="14" fill="hold">
+                            <p:stCondLst>
+                              <p:cond delay="0"/>
+                            </p:stCondLst>
+                            <p:childTnLst>
+                              <p:par>
+                                <p:cTn id="15" presetID="10" presetClass="entr" presetSubtype="0" fill="hold" grpId="0" nodeType="clickEffect">
+                                  <p:stCondLst>
+                                    <p:cond delay="0"/>
+                                  </p:stCondLst>
+                                  <p:childTnLst>
+                                    <p:set>
+                                      <p:cBhvr>
+                                        <p:cTn id="16" dur="1" fill="hold">
+                                          <p:stCondLst>
+                                            <p:cond delay="0"/>
+                                          </p:stCondLst>
+                                        </p:cTn>
+                                        <p:tgtEl>
+                                          <p:spTgt spid="3">
+                                            <p:txEl>
+                                              <p:pRg st="2" end="2"/>
+                                            </p:txEl>
+                                          </p:spTgt>
+                                        </p:tgtEl>
+                                        <p:attrNameLst>
+                                          <p:attrName>style.visibility</p:attrName>
+                                        </p:attrNameLst>
+                                      </p:cBhvr>
+                                      <p:to>
+                                        <p:strVal val="visible"/>
+                                      </p:to>
+                                    </p:set>
+                                    <p:animEffect transition="in" filter="fade">
+                                      <p:cBhvr>
+                                        <p:cTn id="17" dur="500"/>
+                                        <p:tgtEl>
+                                          <p:spTgt spid="3">
+                                            <p:txEl>
+                                              <p:pRg st="2" end="2"/>
+                                            </p:txEl>
+                                          </p:spTgt>
+                                        </p:tgtEl>
+                                      </p:cBhvr>
+                                    </p:animEffect>
+                                  </p:childTnLst>
+                                </p:cTn>
+                              </p:par>
+                            </p:childTnLst>
+                          </p:cTn>
+                        </p:par>
+                      </p:childTnLst>
+                    </p:cTn>
+                  </p:par>
+                  <p:par>
+                    <p:cTn id="18" fill="hold">
+                      <p:stCondLst>
+                        <p:cond delay="indefinite"/>
+                      </p:stCondLst>
+                      <p:childTnLst>
+                        <p:par>
+                          <p:cTn id="19" fill="hold">
+                            <p:stCondLst>
+                              <p:cond delay="0"/>
+                            </p:stCondLst>
+                            <p:childTnLst>
+                              <p:par>
+                                <p:cTn id="20" presetID="10" presetClass="entr" presetSubtype="0" fill="hold" grpId="0" nodeType="clickEffect">
+                                  <p:stCondLst>
+                                    <p:cond delay="0"/>
+                                  </p:stCondLst>
+                                  <p:childTnLst>
+                                    <p:set>
+                                      <p:cBhvr>
+                                        <p:cTn id="21" dur="1" fill="hold">
+                                          <p:stCondLst>
+                                            <p:cond delay="0"/>
+                                          </p:stCondLst>
+                                        </p:cTn>
+                                        <p:tgtEl>
+                                          <p:spTgt spid="3">
+                                            <p:txEl>
+                                              <p:pRg st="4" end="4"/>
+                                            </p:txEl>
+                                          </p:spTgt>
+                                        </p:tgtEl>
+                                        <p:attrNameLst>
+                                          <p:attrName>style.visibility</p:attrName>
+                                        </p:attrNameLst>
+                                      </p:cBhvr>
+                                      <p:to>
+                                        <p:strVal val="visible"/>
+                                      </p:to>
+                                    </p:set>
+                                    <p:animEffect transition="in" filter="fade">
+                                      <p:cBhvr>
+                                        <p:cTn id="22" dur="500"/>
+                                        <p:tgtEl>
+                                          <p:spTgt spid="3">
+                                            <p:txEl>
+                                              <p:pRg st="4" end="4"/>
+                                            </p:txEl>
+                                          </p:spTgt>
+                                        </p:tgtEl>
+                                      </p:cBhvr>
+                                    </p:animEffect>
+                                  </p:childTnLst>
+                                </p:cTn>
+                              </p:par>
+                              <p:par>
+                                <p:cTn id="23" presetID="10" presetClass="entr" presetSubtype="0" fill="hold" grpId="0" nodeType="withEffect">
+                                  <p:stCondLst>
+                                    <p:cond delay="0"/>
+                                  </p:stCondLst>
+                                  <p:childTnLst>
+                                    <p:set>
+                                      <p:cBhvr>
+                                        <p:cTn id="24" dur="1" fill="hold">
+                                          <p:stCondLst>
+                                            <p:cond delay="0"/>
+                                          </p:stCondLst>
+                                        </p:cTn>
+                                        <p:tgtEl>
+                                          <p:spTgt spid="3">
+                                            <p:txEl>
+                                              <p:pRg st="5" end="5"/>
+                                            </p:txEl>
+                                          </p:spTgt>
+                                        </p:tgtEl>
+                                        <p:attrNameLst>
+                                          <p:attrName>style.visibility</p:attrName>
+                                        </p:attrNameLst>
+                                      </p:cBhvr>
+                                      <p:to>
+                                        <p:strVal val="visible"/>
+                                      </p:to>
+                                    </p:set>
+                                    <p:animEffect transition="in" filter="fade">
+                                      <p:cBhvr>
+                                        <p:cTn id="25" dur="500"/>
+                                        <p:tgtEl>
+                                          <p:spTgt spid="3">
+                                            <p:txEl>
+                                              <p:pRg st="5" end="5"/>
+                                            </p:txEl>
+                                          </p:spTgt>
+                                        </p:tgtEl>
+                                      </p:cBhvr>
+                                    </p:animEffect>
+                                  </p:childTnLst>
+                                </p:cTn>
+                              </p:par>
+                              <p:par>
+                                <p:cTn id="26" presetID="10" presetClass="entr" presetSubtype="0" fill="hold" grpId="0" nodeType="withEffect">
+                                  <p:stCondLst>
+                                    <p:cond delay="0"/>
+                                  </p:stCondLst>
+                                  <p:childTnLst>
+                                    <p:set>
+                                      <p:cBhvr>
+                                        <p:cTn id="27" dur="1" fill="hold">
+                                          <p:stCondLst>
+                                            <p:cond delay="0"/>
+                                          </p:stCondLst>
+                                        </p:cTn>
+                                        <p:tgtEl>
+                                          <p:spTgt spid="3">
+                                            <p:txEl>
+                                              <p:pRg st="6" end="6"/>
+                                            </p:txEl>
+                                          </p:spTgt>
+                                        </p:tgtEl>
+                                        <p:attrNameLst>
+                                          <p:attrName>style.visibility</p:attrName>
+                                        </p:attrNameLst>
+                                      </p:cBhvr>
+                                      <p:to>
+                                        <p:strVal val="visible"/>
+                                      </p:to>
+                                    </p:set>
+                                    <p:animEffect transition="in" filter="fade">
+                                      <p:cBhvr>
+                                        <p:cTn id="28" dur="500"/>
+                                        <p:tgtEl>
+                                          <p:spTgt spid="3">
+                                            <p:txEl>
+                                              <p:pRg st="6" end="6"/>
+                                            </p:txEl>
+                                          </p:spTgt>
+                                        </p:tgtEl>
+                                      </p:cBhvr>
+                                    </p:animEffect>
+                                  </p:childTnLst>
+                                </p:cTn>
+                              </p:par>
+                              <p:par>
+                                <p:cTn id="29" presetID="10" presetClass="entr" presetSubtype="0" fill="hold" grpId="0" nodeType="withEffect">
+                                  <p:stCondLst>
+                                    <p:cond delay="0"/>
+                                  </p:stCondLst>
+                                  <p:childTnLst>
+                                    <p:set>
+                                      <p:cBhvr>
+                                        <p:cTn id="30" dur="1" fill="hold">
+                                          <p:stCondLst>
+                                            <p:cond delay="0"/>
+                                          </p:stCondLst>
+                                        </p:cTn>
+                                        <p:tgtEl>
+                                          <p:spTgt spid="3">
+                                            <p:txEl>
+                                              <p:pRg st="7" end="7"/>
+                                            </p:txEl>
+                                          </p:spTgt>
+                                        </p:tgtEl>
+                                        <p:attrNameLst>
+                                          <p:attrName>style.visibility</p:attrName>
+                                        </p:attrNameLst>
+                                      </p:cBhvr>
+                                      <p:to>
+                                        <p:strVal val="visible"/>
+                                      </p:to>
+                                    </p:set>
+                                    <p:animEffect transition="in" filter="fade">
+                                      <p:cBhvr>
+                                        <p:cTn id="31" dur="500"/>
+                                        <p:tgtEl>
+                                          <p:spTgt spid="3">
+                                            <p:txEl>
+                                              <p:pRg st="7" end="7"/>
+                                            </p:txEl>
+                                          </p:spTgt>
+                                        </p:tgtEl>
+                                      </p:cBhvr>
+                                    </p:animEffect>
+                                  </p:childTnLst>
+                                </p:cTn>
+                              </p:par>
+                            </p:childTnLst>
+                          </p:cTn>
+                        </p:par>
+                      </p:childTnLst>
+                    </p:cTn>
+                  </p:par>
+                </p:childTnLst>
+              </p:cTn>
+              <p:prevCondLst>
+                <p:cond evt="onPrev" delay="0">
+                  <p:tgtEl>
+                    <p:sldTgt/>
+                  </p:tgtEl>
+                </p:cond>
+              </p:prevCondLst>
+              <p:nextCondLst>
+                <p:cond evt="onNext" delay="0">
+                  <p:tgtEl>
+                    <p:sldTgt/>
+                  </p:tgtEl>
+                </p:cond>
+              </p:nextCondLst>
+            </p:seq>
+          </p:childTnLst>
+        </p:cTn>
+      </p:par>
+    </p:tnLst>
+    <p:bldLst>
+      <p:bldP spid="2" grpId="0"/>
+      <p:bldP spid="3" grpId="0" build="p"/>
+    </p:bldLst>
+  </p:timing>
 </p:sld>
 </file>
 
